--- a/팀프로젝트_Easy팀_발표.pptx
+++ b/팀프로젝트_Easy팀_발표.pptx
@@ -147,6 +147,9 @@
           </p14:sldIdLst>
         </p14:section>
       </p14:sectionLst>
+    </p:ext>
+    <p:ext uri="{EFAFB233-063F-42B5-8137-9DF3F51BA10A}">
+      <p15:sldGuideLst xmlns:p15="http://schemas.microsoft.com/office/powerpoint/2012/main"/>
     </p:ext>
   </p:extLst>
 </p:presentation>
@@ -3627,69 +3630,6 @@
       </p:cxnSp>
       <p:sp>
         <p:nvSpPr>
-          <p:cNvPr id="5" name="TextBox 4"/>
-          <p:cNvSpPr txBox="1"/>
-          <p:nvPr/>
-        </p:nvSpPr>
-        <p:spPr>
-          <a:xfrm>
-            <a:off x="239349" y="188641"/>
-            <a:ext cx="7584843" cy="597359"/>
-          </a:xfrm>
-          <a:prstGeom prst="rect">
-            <a:avLst/>
-          </a:prstGeom>
-          <a:noFill/>
-        </p:spPr>
-        <p:txBody>
-          <a:bodyPr wrap="square" lIns="103900" tIns="51951" rIns="103900" bIns="51951" rtlCol="0">
-            <a:spAutoFit/>
-          </a:bodyPr>
-          <a:lstStyle/>
-          <a:p>
-            <a:pPr defTabSz="1038977"/>
-            <a:r>
-              <a:rPr lang="ko-KR" altLang="en-US" sz="3200" dirty="0">
-                <a:solidFill>
-                  <a:prstClr val="black"/>
-                </a:solidFill>
-                <a:latin typeface="HY견고딕" panose="02030600000101010101" pitchFamily="18" charset="-127"/>
-                <a:ea typeface="HY견고딕" panose="02030600000101010101" pitchFamily="18" charset="-127"/>
-              </a:rPr>
-              <a:t>팀 프로젝트 </a:t>
-            </a:r>
-            <a:r>
-              <a:rPr lang="en-US" altLang="ko-KR" sz="3200" dirty="0">
-                <a:solidFill>
-                  <a:prstClr val="black"/>
-                </a:solidFill>
-                <a:latin typeface="HY견고딕" panose="02030600000101010101" pitchFamily="18" charset="-127"/>
-                <a:ea typeface="HY견고딕" panose="02030600000101010101" pitchFamily="18" charset="-127"/>
-              </a:rPr>
-              <a:t>| </a:t>
-            </a:r>
-            <a:r>
-              <a:rPr lang="en-US" altLang="ko-KR" sz="2400" dirty="0">
-                <a:solidFill>
-                  <a:prstClr val="black"/>
-                </a:solidFill>
-                <a:latin typeface="HY견고딕" panose="02030600000101010101" pitchFamily="18" charset="-127"/>
-                <a:ea typeface="HY견고딕" panose="02030600000101010101" pitchFamily="18" charset="-127"/>
-              </a:rPr>
-              <a:t>Refactoring</a:t>
-            </a:r>
-            <a:endParaRPr lang="ko-KR" altLang="en-US" sz="2400" dirty="0">
-              <a:solidFill>
-                <a:prstClr val="black"/>
-              </a:solidFill>
-              <a:latin typeface="HY견고딕" panose="02030600000101010101" pitchFamily="18" charset="-127"/>
-              <a:ea typeface="HY견고딕" panose="02030600000101010101" pitchFamily="18" charset="-127"/>
-            </a:endParaRPr>
-          </a:p>
-        </p:txBody>
-      </p:sp>
-      <p:sp>
-        <p:nvSpPr>
           <p:cNvPr id="13" name="TextBox 12">
             <a:extLst>
               <a:ext uri="{FF2B5EF4-FFF2-40B4-BE49-F238E27FC236}">
@@ -3729,7 +3669,7 @@
                 <a:latin typeface="맑은 고딕"/>
                 <a:ea typeface="맑은 고딕" panose="020B0503020000020004" pitchFamily="50" charset="-127"/>
               </a:rPr>
-              <a:t>5</a:t>
+              <a:t>HashMap (Key </a:t>
             </a:r>
             <a:r>
               <a:rPr lang="ko-KR" altLang="en-US" b="1" dirty="0">
@@ -3739,7 +3679,7 @@
                 <a:latin typeface="맑은 고딕"/>
                 <a:ea typeface="맑은 고딕" panose="020B0503020000020004" pitchFamily="50" charset="-127"/>
               </a:rPr>
-              <a:t>차 </a:t>
+              <a:t>값은 사번</a:t>
             </a:r>
             <a:r>
               <a:rPr lang="en-US" altLang="ko-KR" b="1" dirty="0">
@@ -3749,7 +3689,7 @@
                 <a:latin typeface="맑은 고딕"/>
                 <a:ea typeface="맑은 고딕" panose="020B0503020000020004" pitchFamily="50" charset="-127"/>
               </a:rPr>
-              <a:t>Refactoring : </a:t>
+              <a:t>) </a:t>
             </a:r>
             <a:r>
               <a:rPr lang="ko-KR" altLang="en-US" b="1" dirty="0">
@@ -3759,27 +3699,27 @@
                 <a:latin typeface="맑은 고딕"/>
                 <a:ea typeface="맑은 고딕" panose="020B0503020000020004" pitchFamily="50" charset="-127"/>
               </a:rPr>
-              <a:t>기존에는 </a:t>
+              <a:t>사용의 장점을 활용하여 </a:t>
+            </a:r>
+            <a:r>
+              <a:rPr lang="en-US" altLang="ko-KR" b="1" dirty="0">
+                <a:solidFill>
+                  <a:prstClr val="black"/>
+                </a:solidFill>
+                <a:latin typeface="맑은 고딕"/>
+                <a:ea typeface="맑은 고딕" panose="020B0503020000020004" pitchFamily="50" charset="-127"/>
+              </a:rPr>
+              <a:t>Map </a:t>
             </a:r>
             <a:r>
               <a:rPr lang="ko-KR" altLang="en-US" b="1" dirty="0">
                 <a:solidFill>
-                  <a:srgbClr val="0000FF"/>
-                </a:solidFill>
-                <a:latin typeface="맑은 고딕"/>
-                <a:ea typeface="맑은 고딕" panose="020B0503020000020004" pitchFamily="50" charset="-127"/>
-              </a:rPr>
-              <a:t>옵션 처리</a:t>
-            </a:r>
-            <a:r>
-              <a:rPr lang="ko-KR" altLang="en-US" b="1" dirty="0">
-                <a:solidFill>
-                  <a:prstClr val="black"/>
-                </a:solidFill>
-                <a:latin typeface="맑은 고딕"/>
-                <a:ea typeface="맑은 고딕" panose="020B0503020000020004" pitchFamily="50" charset="-127"/>
-              </a:rPr>
-              <a:t>도 자식 클래스에서 각자 사용했으나</a:t>
+                  <a:prstClr val="black"/>
+                </a:solidFill>
+                <a:latin typeface="맑은 고딕"/>
+                <a:ea typeface="맑은 고딕" panose="020B0503020000020004" pitchFamily="50" charset="-127"/>
+              </a:rPr>
+              <a:t>조회테이블을 부모 클래스에 공통으로 두어 </a:t>
             </a:r>
             <a:endParaRPr lang="en-US" altLang="ko-KR" b="1" dirty="0">
               <a:solidFill>
@@ -3796,6 +3736,16 @@
               </a:lnSpc>
             </a:pPr>
             <a:r>
+              <a:rPr lang="en-US" altLang="ko-KR" b="1" dirty="0">
+                <a:solidFill>
+                  <a:srgbClr val="0000FF"/>
+                </a:solidFill>
+                <a:latin typeface="맑은 고딕"/>
+                <a:ea typeface="맑은 고딕" panose="020B0503020000020004" pitchFamily="50" charset="-127"/>
+              </a:rPr>
+              <a:t>Search, Delete, Modify</a:t>
+            </a:r>
+            <a:r>
               <a:rPr lang="ko-KR" altLang="en-US" b="1" dirty="0">
                 <a:solidFill>
                   <a:srgbClr val="0000FF"/>
@@ -3803,7 +3753,7 @@
                 <a:latin typeface="맑은 고딕"/>
                 <a:ea typeface="맑은 고딕" panose="020B0503020000020004" pitchFamily="50" charset="-127"/>
               </a:rPr>
-              <a:t>부모 클래스에 구현하여 공통으로 사용</a:t>
+              <a:t>에서 공통</a:t>
             </a:r>
             <a:r>
               <a:rPr lang="ko-KR" altLang="en-US" b="1" dirty="0">
@@ -3813,11 +3763,11 @@
                 <a:latin typeface="맑은 고딕"/>
                 <a:ea typeface="맑은 고딕" panose="020B0503020000020004" pitchFamily="50" charset="-127"/>
               </a:rPr>
-              <a:t>하도록 변경</a:t>
+              <a:t>으로 사용</a:t>
             </a:r>
             <a:endParaRPr lang="en-US" altLang="ko-KR" b="1" dirty="0">
               <a:solidFill>
-                <a:srgbClr val="0000FF"/>
+                <a:prstClr val="black"/>
               </a:solidFill>
               <a:latin typeface="맑은 고딕"/>
               <a:ea typeface="맑은 고딕" panose="020B0503020000020004" pitchFamily="50" charset="-127"/>
@@ -4011,17 +3961,7 @@
                 <a:latin typeface="맑은 고딕"/>
                 <a:ea typeface="HY견고딕" panose="02030600000101010101" pitchFamily="18" charset="-127"/>
               </a:rPr>
-              <a:t>■ </a:t>
-            </a:r>
-            <a:r>
-              <a:rPr lang="en-US" altLang="ko-KR" sz="1867" b="1" dirty="0">
-                <a:solidFill>
-                  <a:prstClr val="black"/>
-                </a:solidFill>
-                <a:latin typeface="맑은 고딕"/>
-                <a:ea typeface="맑은 고딕" panose="020B0503020000020004" pitchFamily="50" charset="-127"/>
-              </a:rPr>
-              <a:t>???</a:t>
+              <a:t>■ 재사용성 강화</a:t>
             </a:r>
             <a:endParaRPr lang="en-US" altLang="ko-KR" sz="1867" dirty="0">
               <a:solidFill>
@@ -4029,6 +3969,95 @@
               </a:solidFill>
               <a:latin typeface="맑은 고딕"/>
               <a:ea typeface="맑은 고딕" panose="020B0503020000020004" pitchFamily="50" charset="-127"/>
+            </a:endParaRPr>
+          </a:p>
+        </p:txBody>
+      </p:sp>
+      <p:sp>
+        <p:nvSpPr>
+          <p:cNvPr id="9" name="TextBox 8">
+            <a:extLst>
+              <a:ext uri="{FF2B5EF4-FFF2-40B4-BE49-F238E27FC236}">
+                <a16:creationId xmlns:a16="http://schemas.microsoft.com/office/drawing/2014/main" id="{61B208C7-AACA-4FCF-B8A1-C1E9126C94EF}"/>
+              </a:ext>
+            </a:extLst>
+          </p:cNvPr>
+          <p:cNvSpPr txBox="1"/>
+          <p:nvPr/>
+        </p:nvSpPr>
+        <p:spPr>
+          <a:xfrm>
+            <a:off x="239349" y="188641"/>
+            <a:ext cx="7584843" cy="597359"/>
+          </a:xfrm>
+          <a:prstGeom prst="rect">
+            <a:avLst/>
+          </a:prstGeom>
+          <a:noFill/>
+        </p:spPr>
+        <p:txBody>
+          <a:bodyPr wrap="square" lIns="103900" tIns="51951" rIns="103900" bIns="51951" rtlCol="0">
+            <a:spAutoFit/>
+          </a:bodyPr>
+          <a:lstStyle/>
+          <a:p>
+            <a:pPr defTabSz="1038977"/>
+            <a:r>
+              <a:rPr lang="ko-KR" altLang="en-US" sz="3200" dirty="0">
+                <a:solidFill>
+                  <a:prstClr val="black"/>
+                </a:solidFill>
+                <a:latin typeface="HY견고딕" panose="02030600000101010101" pitchFamily="18" charset="-127"/>
+                <a:ea typeface="HY견고딕" panose="02030600000101010101" pitchFamily="18" charset="-127"/>
+              </a:rPr>
+              <a:t>팀 프로젝트 </a:t>
+            </a:r>
+            <a:r>
+              <a:rPr lang="en-US" altLang="ko-KR" sz="3200" dirty="0">
+                <a:solidFill>
+                  <a:prstClr val="black"/>
+                </a:solidFill>
+                <a:latin typeface="HY견고딕" panose="02030600000101010101" pitchFamily="18" charset="-127"/>
+                <a:ea typeface="HY견고딕" panose="02030600000101010101" pitchFamily="18" charset="-127"/>
+              </a:rPr>
+              <a:t>| </a:t>
+            </a:r>
+            <a:r>
+              <a:rPr lang="en-US" altLang="ko-KR" sz="2400" dirty="0">
+                <a:solidFill>
+                  <a:prstClr val="black"/>
+                </a:solidFill>
+                <a:latin typeface="HY견고딕" panose="02030600000101010101" pitchFamily="18" charset="-127"/>
+                <a:ea typeface="HY견고딕" panose="02030600000101010101" pitchFamily="18" charset="-127"/>
+              </a:rPr>
+              <a:t>5</a:t>
+            </a:r>
+            <a:r>
+              <a:rPr lang="ko-KR" altLang="en-US" sz="2400" dirty="0">
+                <a:solidFill>
+                  <a:prstClr val="black"/>
+                </a:solidFill>
+                <a:latin typeface="HY견고딕" panose="02030600000101010101" pitchFamily="18" charset="-127"/>
+                <a:ea typeface="HY견고딕" panose="02030600000101010101" pitchFamily="18" charset="-127"/>
+              </a:rPr>
+              <a:t>차 </a:t>
+            </a:r>
+            <a:r>
+              <a:rPr lang="en-US" altLang="ko-KR" sz="2400" dirty="0">
+                <a:solidFill>
+                  <a:prstClr val="black"/>
+                </a:solidFill>
+                <a:latin typeface="HY견고딕" panose="02030600000101010101" pitchFamily="18" charset="-127"/>
+                <a:ea typeface="HY견고딕" panose="02030600000101010101" pitchFamily="18" charset="-127"/>
+              </a:rPr>
+              <a:t>Refactoring</a:t>
+            </a:r>
+            <a:endParaRPr lang="ko-KR" altLang="en-US" sz="2400" dirty="0">
+              <a:solidFill>
+                <a:prstClr val="black"/>
+              </a:solidFill>
+              <a:latin typeface="HY견고딕" panose="02030600000101010101" pitchFamily="18" charset="-127"/>
+              <a:ea typeface="HY견고딕" panose="02030600000101010101" pitchFamily="18" charset="-127"/>
             </a:endParaRPr>
           </a:p>
         </p:txBody>
@@ -4100,69 +4129,6 @@
       </p:cxnSp>
       <p:sp>
         <p:nvSpPr>
-          <p:cNvPr id="5" name="TextBox 4"/>
-          <p:cNvSpPr txBox="1"/>
-          <p:nvPr/>
-        </p:nvSpPr>
-        <p:spPr>
-          <a:xfrm>
-            <a:off x="239349" y="188641"/>
-            <a:ext cx="7584843" cy="597359"/>
-          </a:xfrm>
-          <a:prstGeom prst="rect">
-            <a:avLst/>
-          </a:prstGeom>
-          <a:noFill/>
-        </p:spPr>
-        <p:txBody>
-          <a:bodyPr wrap="square" lIns="103900" tIns="51951" rIns="103900" bIns="51951" rtlCol="0">
-            <a:spAutoFit/>
-          </a:bodyPr>
-          <a:lstStyle/>
-          <a:p>
-            <a:pPr defTabSz="1038977"/>
-            <a:r>
-              <a:rPr lang="ko-KR" altLang="en-US" sz="3200" dirty="0">
-                <a:solidFill>
-                  <a:prstClr val="black"/>
-                </a:solidFill>
-                <a:latin typeface="HY견고딕" panose="02030600000101010101" pitchFamily="18" charset="-127"/>
-                <a:ea typeface="HY견고딕" panose="02030600000101010101" pitchFamily="18" charset="-127"/>
-              </a:rPr>
-              <a:t>팀 프로젝트 </a:t>
-            </a:r>
-            <a:r>
-              <a:rPr lang="en-US" altLang="ko-KR" sz="3200" dirty="0">
-                <a:solidFill>
-                  <a:prstClr val="black"/>
-                </a:solidFill>
-                <a:latin typeface="HY견고딕" panose="02030600000101010101" pitchFamily="18" charset="-127"/>
-                <a:ea typeface="HY견고딕" panose="02030600000101010101" pitchFamily="18" charset="-127"/>
-              </a:rPr>
-              <a:t>| </a:t>
-            </a:r>
-            <a:r>
-              <a:rPr lang="en-US" altLang="ko-KR" sz="2400" dirty="0">
-                <a:solidFill>
-                  <a:prstClr val="black"/>
-                </a:solidFill>
-                <a:latin typeface="HY견고딕" panose="02030600000101010101" pitchFamily="18" charset="-127"/>
-                <a:ea typeface="HY견고딕" panose="02030600000101010101" pitchFamily="18" charset="-127"/>
-              </a:rPr>
-              <a:t>Refactoring</a:t>
-            </a:r>
-            <a:endParaRPr lang="ko-KR" altLang="en-US" sz="2400" dirty="0">
-              <a:solidFill>
-                <a:prstClr val="black"/>
-              </a:solidFill>
-              <a:latin typeface="HY견고딕" panose="02030600000101010101" pitchFamily="18" charset="-127"/>
-              <a:ea typeface="HY견고딕" panose="02030600000101010101" pitchFamily="18" charset="-127"/>
-            </a:endParaRPr>
-          </a:p>
-        </p:txBody>
-      </p:sp>
-      <p:sp>
-        <p:nvSpPr>
           <p:cNvPr id="13" name="TextBox 12">
             <a:extLst>
               <a:ext uri="{FF2B5EF4-FFF2-40B4-BE49-F238E27FC236}">
@@ -4202,7 +4168,7 @@
                 <a:latin typeface="맑은 고딕"/>
                 <a:ea typeface="맑은 고딕" panose="020B0503020000020004" pitchFamily="50" charset="-127"/>
               </a:rPr>
-              <a:t>6</a:t>
+              <a:t>Map </a:t>
             </a:r>
             <a:r>
               <a:rPr lang="ko-KR" altLang="en-US" b="1" dirty="0">
@@ -4212,7 +4178,7 @@
                 <a:latin typeface="맑은 고딕"/>
                 <a:ea typeface="맑은 고딕" panose="020B0503020000020004" pitchFamily="50" charset="-127"/>
               </a:rPr>
-              <a:t>차 </a:t>
+              <a:t>정보를 함수에 전달 방식이 아닌</a:t>
             </a:r>
             <a:r>
               <a:rPr lang="en-US" altLang="ko-KR" b="1" dirty="0">
@@ -4222,27 +4188,17 @@
                 <a:latin typeface="맑은 고딕"/>
                 <a:ea typeface="맑은 고딕" panose="020B0503020000020004" pitchFamily="50" charset="-127"/>
               </a:rPr>
-              <a:t>Refactoring : </a:t>
+              <a:t>, </a:t>
             </a:r>
             <a:r>
               <a:rPr lang="ko-KR" altLang="en-US" b="1" dirty="0">
                 <a:solidFill>
-                  <a:prstClr val="black"/>
-                </a:solidFill>
-                <a:latin typeface="맑은 고딕"/>
-                <a:ea typeface="맑은 고딕" panose="020B0503020000020004" pitchFamily="50" charset="-127"/>
-              </a:rPr>
-              <a:t>각 함수 호출 시 </a:t>
-            </a:r>
-            <a:r>
-              <a:rPr lang="en-US" altLang="ko-KR" b="1" dirty="0">
-                <a:solidFill>
-                  <a:prstClr val="black"/>
-                </a:solidFill>
-                <a:latin typeface="맑은 고딕"/>
-                <a:ea typeface="맑은 고딕" panose="020B0503020000020004" pitchFamily="50" charset="-127"/>
-              </a:rPr>
-              <a:t>Map</a:t>
+                  <a:srgbClr val="0000FF"/>
+                </a:solidFill>
+                <a:latin typeface="맑은 고딕"/>
+                <a:ea typeface="맑은 고딕" panose="020B0503020000020004" pitchFamily="50" charset="-127"/>
+              </a:rPr>
+              <a:t>생성자에서 전달</a:t>
             </a:r>
             <a:r>
               <a:rPr lang="ko-KR" altLang="en-US" b="1" dirty="0">
@@ -4252,45 +4208,11 @@
                 <a:latin typeface="맑은 고딕"/>
                 <a:ea typeface="맑은 고딕" panose="020B0503020000020004" pitchFamily="50" charset="-127"/>
               </a:rPr>
-              <a:t> 정보를 넘겨주지 않고</a:t>
+              <a:t>하여 객체 내 가지고 있던 정보 활용</a:t>
             </a:r>
             <a:endParaRPr lang="en-US" altLang="ko-KR" b="1" dirty="0">
               <a:solidFill>
                 <a:prstClr val="black"/>
-              </a:solidFill>
-              <a:latin typeface="맑은 고딕"/>
-              <a:ea typeface="맑은 고딕" panose="020B0503020000020004" pitchFamily="50" charset="-127"/>
-            </a:endParaRPr>
-          </a:p>
-          <a:p>
-            <a:pPr algn="ctr" defTabSz="1038977">
-              <a:lnSpc>
-                <a:spcPct val="150000"/>
-              </a:lnSpc>
-            </a:pPr>
-            <a:r>
-              <a:rPr lang="ko-KR" altLang="en-US" b="1" dirty="0">
-                <a:solidFill>
-                  <a:srgbClr val="0000FF"/>
-                </a:solidFill>
-                <a:latin typeface="맑은 고딕"/>
-                <a:ea typeface="맑은 고딕" panose="020B0503020000020004" pitchFamily="50" charset="-127"/>
-              </a:rPr>
-              <a:t>상속 받아서 사용할 수 있도록 변경</a:t>
-            </a:r>
-            <a:r>
-              <a:rPr lang="ko-KR" altLang="en-US" b="1" dirty="0">
-                <a:solidFill>
-                  <a:prstClr val="black"/>
-                </a:solidFill>
-                <a:latin typeface="맑은 고딕"/>
-                <a:ea typeface="맑은 고딕" panose="020B0503020000020004" pitchFamily="50" charset="-127"/>
-              </a:rPr>
-              <a:t>함</a:t>
-            </a:r>
-            <a:endParaRPr lang="en-US" altLang="ko-KR" b="1" dirty="0">
-              <a:solidFill>
-                <a:srgbClr val="0000FF"/>
               </a:solidFill>
               <a:latin typeface="맑은 고딕"/>
               <a:ea typeface="맑은 고딕" panose="020B0503020000020004" pitchFamily="50" charset="-127"/>
@@ -4487,6 +4409,16 @@
               <a:t>■ </a:t>
             </a:r>
             <a:r>
+              <a:rPr lang="ko-KR" altLang="en-US" sz="1867" b="1" dirty="0">
+                <a:solidFill>
+                  <a:prstClr val="black"/>
+                </a:solidFill>
+                <a:latin typeface="맑은 고딕"/>
+                <a:ea typeface="맑은 고딕" panose="020B0503020000020004" pitchFamily="50" charset="-127"/>
+              </a:rPr>
+              <a:t>함수 전달 </a:t>
+            </a:r>
+            <a:r>
               <a:rPr lang="en-US" altLang="ko-KR" sz="1867" b="1" dirty="0">
                 <a:solidFill>
                   <a:prstClr val="black"/>
@@ -4494,7 +4426,17 @@
                 <a:latin typeface="맑은 고딕"/>
                 <a:ea typeface="맑은 고딕" panose="020B0503020000020004" pitchFamily="50" charset="-127"/>
               </a:rPr>
-              <a:t>???</a:t>
+              <a:t>Parameter </a:t>
+            </a:r>
+            <a:r>
+              <a:rPr lang="ko-KR" altLang="en-US" sz="1867" b="1" dirty="0">
+                <a:solidFill>
+                  <a:prstClr val="black"/>
+                </a:solidFill>
+                <a:latin typeface="맑은 고딕"/>
+                <a:ea typeface="맑은 고딕" panose="020B0503020000020004" pitchFamily="50" charset="-127"/>
+              </a:rPr>
+              <a:t>효율화</a:t>
             </a:r>
             <a:endParaRPr lang="en-US" altLang="ko-KR" sz="1867" dirty="0">
               <a:solidFill>
@@ -4502,6 +4444,95 @@
               </a:solidFill>
               <a:latin typeface="맑은 고딕"/>
               <a:ea typeface="맑은 고딕" panose="020B0503020000020004" pitchFamily="50" charset="-127"/>
+            </a:endParaRPr>
+          </a:p>
+        </p:txBody>
+      </p:sp>
+      <p:sp>
+        <p:nvSpPr>
+          <p:cNvPr id="9" name="TextBox 8">
+            <a:extLst>
+              <a:ext uri="{FF2B5EF4-FFF2-40B4-BE49-F238E27FC236}">
+                <a16:creationId xmlns:a16="http://schemas.microsoft.com/office/drawing/2014/main" id="{6828E219-67F9-480F-8D09-1A838D68A0BE}"/>
+              </a:ext>
+            </a:extLst>
+          </p:cNvPr>
+          <p:cNvSpPr txBox="1"/>
+          <p:nvPr/>
+        </p:nvSpPr>
+        <p:spPr>
+          <a:xfrm>
+            <a:off x="239349" y="188641"/>
+            <a:ext cx="7584843" cy="597359"/>
+          </a:xfrm>
+          <a:prstGeom prst="rect">
+            <a:avLst/>
+          </a:prstGeom>
+          <a:noFill/>
+        </p:spPr>
+        <p:txBody>
+          <a:bodyPr wrap="square" lIns="103900" tIns="51951" rIns="103900" bIns="51951" rtlCol="0">
+            <a:spAutoFit/>
+          </a:bodyPr>
+          <a:lstStyle/>
+          <a:p>
+            <a:pPr defTabSz="1038977"/>
+            <a:r>
+              <a:rPr lang="ko-KR" altLang="en-US" sz="3200" dirty="0">
+                <a:solidFill>
+                  <a:prstClr val="black"/>
+                </a:solidFill>
+                <a:latin typeface="HY견고딕" panose="02030600000101010101" pitchFamily="18" charset="-127"/>
+                <a:ea typeface="HY견고딕" panose="02030600000101010101" pitchFamily="18" charset="-127"/>
+              </a:rPr>
+              <a:t>팀 프로젝트 </a:t>
+            </a:r>
+            <a:r>
+              <a:rPr lang="en-US" altLang="ko-KR" sz="3200" dirty="0">
+                <a:solidFill>
+                  <a:prstClr val="black"/>
+                </a:solidFill>
+                <a:latin typeface="HY견고딕" panose="02030600000101010101" pitchFamily="18" charset="-127"/>
+                <a:ea typeface="HY견고딕" panose="02030600000101010101" pitchFamily="18" charset="-127"/>
+              </a:rPr>
+              <a:t>| </a:t>
+            </a:r>
+            <a:r>
+              <a:rPr lang="en-US" altLang="ko-KR" sz="2400" dirty="0">
+                <a:solidFill>
+                  <a:prstClr val="black"/>
+                </a:solidFill>
+                <a:latin typeface="HY견고딕" panose="02030600000101010101" pitchFamily="18" charset="-127"/>
+                <a:ea typeface="HY견고딕" panose="02030600000101010101" pitchFamily="18" charset="-127"/>
+              </a:rPr>
+              <a:t>6</a:t>
+            </a:r>
+            <a:r>
+              <a:rPr lang="ko-KR" altLang="en-US" sz="2400" dirty="0">
+                <a:solidFill>
+                  <a:prstClr val="black"/>
+                </a:solidFill>
+                <a:latin typeface="HY견고딕" panose="02030600000101010101" pitchFamily="18" charset="-127"/>
+                <a:ea typeface="HY견고딕" panose="02030600000101010101" pitchFamily="18" charset="-127"/>
+              </a:rPr>
+              <a:t>차 </a:t>
+            </a:r>
+            <a:r>
+              <a:rPr lang="en-US" altLang="ko-KR" sz="2400" dirty="0">
+                <a:solidFill>
+                  <a:prstClr val="black"/>
+                </a:solidFill>
+                <a:latin typeface="HY견고딕" panose="02030600000101010101" pitchFamily="18" charset="-127"/>
+                <a:ea typeface="HY견고딕" panose="02030600000101010101" pitchFamily="18" charset="-127"/>
+              </a:rPr>
+              <a:t>Refactoring</a:t>
+            </a:r>
+            <a:endParaRPr lang="ko-KR" altLang="en-US" sz="2400" dirty="0">
+              <a:solidFill>
+                <a:prstClr val="black"/>
+              </a:solidFill>
+              <a:latin typeface="HY견고딕" panose="02030600000101010101" pitchFamily="18" charset="-127"/>
+              <a:ea typeface="HY견고딕" panose="02030600000101010101" pitchFamily="18" charset="-127"/>
             </a:endParaRPr>
           </a:p>
         </p:txBody>
@@ -4573,69 +4604,6 @@
       </p:cxnSp>
       <p:sp>
         <p:nvSpPr>
-          <p:cNvPr id="5" name="TextBox 4"/>
-          <p:cNvSpPr txBox="1"/>
-          <p:nvPr/>
-        </p:nvSpPr>
-        <p:spPr>
-          <a:xfrm>
-            <a:off x="239349" y="188641"/>
-            <a:ext cx="7584843" cy="597359"/>
-          </a:xfrm>
-          <a:prstGeom prst="rect">
-            <a:avLst/>
-          </a:prstGeom>
-          <a:noFill/>
-        </p:spPr>
-        <p:txBody>
-          <a:bodyPr wrap="square" lIns="103900" tIns="51951" rIns="103900" bIns="51951" rtlCol="0">
-            <a:spAutoFit/>
-          </a:bodyPr>
-          <a:lstStyle/>
-          <a:p>
-            <a:pPr defTabSz="1038977"/>
-            <a:r>
-              <a:rPr lang="ko-KR" altLang="en-US" sz="3200" dirty="0">
-                <a:solidFill>
-                  <a:prstClr val="black"/>
-                </a:solidFill>
-                <a:latin typeface="HY견고딕" panose="02030600000101010101" pitchFamily="18" charset="-127"/>
-                <a:ea typeface="HY견고딕" panose="02030600000101010101" pitchFamily="18" charset="-127"/>
-              </a:rPr>
-              <a:t>팀 프로젝트 </a:t>
-            </a:r>
-            <a:r>
-              <a:rPr lang="en-US" altLang="ko-KR" sz="3200" dirty="0">
-                <a:solidFill>
-                  <a:prstClr val="black"/>
-                </a:solidFill>
-                <a:latin typeface="HY견고딕" panose="02030600000101010101" pitchFamily="18" charset="-127"/>
-                <a:ea typeface="HY견고딕" panose="02030600000101010101" pitchFamily="18" charset="-127"/>
-              </a:rPr>
-              <a:t>| </a:t>
-            </a:r>
-            <a:r>
-              <a:rPr lang="en-US" altLang="ko-KR" sz="2400" dirty="0">
-                <a:solidFill>
-                  <a:prstClr val="black"/>
-                </a:solidFill>
-                <a:latin typeface="HY견고딕" panose="02030600000101010101" pitchFamily="18" charset="-127"/>
-                <a:ea typeface="HY견고딕" panose="02030600000101010101" pitchFamily="18" charset="-127"/>
-              </a:rPr>
-              <a:t>Refactoring</a:t>
-            </a:r>
-            <a:endParaRPr lang="ko-KR" altLang="en-US" sz="2400" dirty="0">
-              <a:solidFill>
-                <a:prstClr val="black"/>
-              </a:solidFill>
-              <a:latin typeface="HY견고딕" panose="02030600000101010101" pitchFamily="18" charset="-127"/>
-              <a:ea typeface="HY견고딕" panose="02030600000101010101" pitchFamily="18" charset="-127"/>
-            </a:endParaRPr>
-          </a:p>
-        </p:txBody>
-      </p:sp>
-      <p:sp>
-        <p:nvSpPr>
           <p:cNvPr id="13" name="TextBox 12">
             <a:extLst>
               <a:ext uri="{FF2B5EF4-FFF2-40B4-BE49-F238E27FC236}">
@@ -4980,14 +4948,14 @@
               <a:t>■ </a:t>
             </a:r>
             <a:r>
-              <a:rPr lang="en-US" altLang="ko-KR" sz="1867" b="1" dirty="0">
-                <a:solidFill>
-                  <a:prstClr val="black"/>
-                </a:solidFill>
-                <a:latin typeface="맑은 고딕"/>
-                <a:ea typeface="맑은 고딕" panose="020B0503020000020004" pitchFamily="50" charset="-127"/>
-              </a:rPr>
-              <a:t>???</a:t>
+              <a:rPr lang="ko-KR" altLang="en-US" sz="1867" b="1" dirty="0">
+                <a:solidFill>
+                  <a:prstClr val="black"/>
+                </a:solidFill>
+                <a:latin typeface="맑은 고딕"/>
+                <a:ea typeface="맑은 고딕" panose="020B0503020000020004" pitchFamily="50" charset="-127"/>
+              </a:rPr>
+              <a:t>코드 효율화</a:t>
             </a:r>
             <a:endParaRPr lang="en-US" altLang="ko-KR" sz="1867" dirty="0">
               <a:solidFill>
@@ -4995,6 +4963,95 @@
               </a:solidFill>
               <a:latin typeface="맑은 고딕"/>
               <a:ea typeface="맑은 고딕" panose="020B0503020000020004" pitchFamily="50" charset="-127"/>
+            </a:endParaRPr>
+          </a:p>
+        </p:txBody>
+      </p:sp>
+      <p:sp>
+        <p:nvSpPr>
+          <p:cNvPr id="9" name="TextBox 8">
+            <a:extLst>
+              <a:ext uri="{FF2B5EF4-FFF2-40B4-BE49-F238E27FC236}">
+                <a16:creationId xmlns:a16="http://schemas.microsoft.com/office/drawing/2014/main" id="{4C881B0E-8653-412C-8A4B-37E769628974}"/>
+              </a:ext>
+            </a:extLst>
+          </p:cNvPr>
+          <p:cNvSpPr txBox="1"/>
+          <p:nvPr/>
+        </p:nvSpPr>
+        <p:spPr>
+          <a:xfrm>
+            <a:off x="239349" y="188641"/>
+            <a:ext cx="7584843" cy="597359"/>
+          </a:xfrm>
+          <a:prstGeom prst="rect">
+            <a:avLst/>
+          </a:prstGeom>
+          <a:noFill/>
+        </p:spPr>
+        <p:txBody>
+          <a:bodyPr wrap="square" lIns="103900" tIns="51951" rIns="103900" bIns="51951" rtlCol="0">
+            <a:spAutoFit/>
+          </a:bodyPr>
+          <a:lstStyle/>
+          <a:p>
+            <a:pPr defTabSz="1038977"/>
+            <a:r>
+              <a:rPr lang="ko-KR" altLang="en-US" sz="3200" dirty="0">
+                <a:solidFill>
+                  <a:prstClr val="black"/>
+                </a:solidFill>
+                <a:latin typeface="HY견고딕" panose="02030600000101010101" pitchFamily="18" charset="-127"/>
+                <a:ea typeface="HY견고딕" panose="02030600000101010101" pitchFamily="18" charset="-127"/>
+              </a:rPr>
+              <a:t>팀 프로젝트 </a:t>
+            </a:r>
+            <a:r>
+              <a:rPr lang="en-US" altLang="ko-KR" sz="3200" dirty="0">
+                <a:solidFill>
+                  <a:prstClr val="black"/>
+                </a:solidFill>
+                <a:latin typeface="HY견고딕" panose="02030600000101010101" pitchFamily="18" charset="-127"/>
+                <a:ea typeface="HY견고딕" panose="02030600000101010101" pitchFamily="18" charset="-127"/>
+              </a:rPr>
+              <a:t>| </a:t>
+            </a:r>
+            <a:r>
+              <a:rPr lang="en-US" altLang="ko-KR" sz="2400" dirty="0">
+                <a:solidFill>
+                  <a:prstClr val="black"/>
+                </a:solidFill>
+                <a:latin typeface="HY견고딕" panose="02030600000101010101" pitchFamily="18" charset="-127"/>
+                <a:ea typeface="HY견고딕" panose="02030600000101010101" pitchFamily="18" charset="-127"/>
+              </a:rPr>
+              <a:t>7</a:t>
+            </a:r>
+            <a:r>
+              <a:rPr lang="ko-KR" altLang="en-US" sz="2400" dirty="0">
+                <a:solidFill>
+                  <a:prstClr val="black"/>
+                </a:solidFill>
+                <a:latin typeface="HY견고딕" panose="02030600000101010101" pitchFamily="18" charset="-127"/>
+                <a:ea typeface="HY견고딕" panose="02030600000101010101" pitchFamily="18" charset="-127"/>
+              </a:rPr>
+              <a:t>차 </a:t>
+            </a:r>
+            <a:r>
+              <a:rPr lang="en-US" altLang="ko-KR" sz="2400" dirty="0">
+                <a:solidFill>
+                  <a:prstClr val="black"/>
+                </a:solidFill>
+                <a:latin typeface="HY견고딕" panose="02030600000101010101" pitchFamily="18" charset="-127"/>
+                <a:ea typeface="HY견고딕" panose="02030600000101010101" pitchFamily="18" charset="-127"/>
+              </a:rPr>
+              <a:t>Refactoring</a:t>
+            </a:r>
+            <a:endParaRPr lang="ko-KR" altLang="en-US" sz="2400" dirty="0">
+              <a:solidFill>
+                <a:prstClr val="black"/>
+              </a:solidFill>
+              <a:latin typeface="HY견고딕" panose="02030600000101010101" pitchFamily="18" charset="-127"/>
+              <a:ea typeface="HY견고딕" panose="02030600000101010101" pitchFamily="18" charset="-127"/>
             </a:endParaRPr>
           </a:p>
         </p:txBody>
@@ -5066,69 +5123,6 @@
       </p:cxnSp>
       <p:sp>
         <p:nvSpPr>
-          <p:cNvPr id="5" name="TextBox 4"/>
-          <p:cNvSpPr txBox="1"/>
-          <p:nvPr/>
-        </p:nvSpPr>
-        <p:spPr>
-          <a:xfrm>
-            <a:off x="239349" y="188641"/>
-            <a:ext cx="7584843" cy="597359"/>
-          </a:xfrm>
-          <a:prstGeom prst="rect">
-            <a:avLst/>
-          </a:prstGeom>
-          <a:noFill/>
-        </p:spPr>
-        <p:txBody>
-          <a:bodyPr wrap="square" lIns="103900" tIns="51951" rIns="103900" bIns="51951" rtlCol="0">
-            <a:spAutoFit/>
-          </a:bodyPr>
-          <a:lstStyle/>
-          <a:p>
-            <a:pPr defTabSz="1038977"/>
-            <a:r>
-              <a:rPr lang="ko-KR" altLang="en-US" sz="3200" dirty="0">
-                <a:solidFill>
-                  <a:prstClr val="black"/>
-                </a:solidFill>
-                <a:latin typeface="HY견고딕" panose="02030600000101010101" pitchFamily="18" charset="-127"/>
-                <a:ea typeface="HY견고딕" panose="02030600000101010101" pitchFamily="18" charset="-127"/>
-              </a:rPr>
-              <a:t>팀 프로젝트 </a:t>
-            </a:r>
-            <a:r>
-              <a:rPr lang="en-US" altLang="ko-KR" sz="3200" dirty="0">
-                <a:solidFill>
-                  <a:prstClr val="black"/>
-                </a:solidFill>
-                <a:latin typeface="HY견고딕" panose="02030600000101010101" pitchFamily="18" charset="-127"/>
-                <a:ea typeface="HY견고딕" panose="02030600000101010101" pitchFamily="18" charset="-127"/>
-              </a:rPr>
-              <a:t>| </a:t>
-            </a:r>
-            <a:r>
-              <a:rPr lang="en-US" altLang="ko-KR" sz="2400" dirty="0">
-                <a:solidFill>
-                  <a:prstClr val="black"/>
-                </a:solidFill>
-                <a:latin typeface="HY견고딕" panose="02030600000101010101" pitchFamily="18" charset="-127"/>
-                <a:ea typeface="HY견고딕" panose="02030600000101010101" pitchFamily="18" charset="-127"/>
-              </a:rPr>
-              <a:t>Refactoring</a:t>
-            </a:r>
-            <a:endParaRPr lang="ko-KR" altLang="en-US" sz="2400" dirty="0">
-              <a:solidFill>
-                <a:prstClr val="black"/>
-              </a:solidFill>
-              <a:latin typeface="HY견고딕" panose="02030600000101010101" pitchFamily="18" charset="-127"/>
-              <a:ea typeface="HY견고딕" panose="02030600000101010101" pitchFamily="18" charset="-127"/>
-            </a:endParaRPr>
-          </a:p>
-        </p:txBody>
-      </p:sp>
-      <p:sp>
-        <p:nvSpPr>
           <p:cNvPr id="13" name="TextBox 12">
             <a:extLst>
               <a:ext uri="{FF2B5EF4-FFF2-40B4-BE49-F238E27FC236}">
@@ -5625,6 +5619,85 @@
               </a:solidFill>
               <a:latin typeface="맑은 고딕"/>
               <a:ea typeface="맑은 고딕" panose="020B0503020000020004" pitchFamily="50" charset="-127"/>
+            </a:endParaRPr>
+          </a:p>
+        </p:txBody>
+      </p:sp>
+      <p:sp>
+        <p:nvSpPr>
+          <p:cNvPr id="12" name="TextBox 11">
+            <a:extLst>
+              <a:ext uri="{FF2B5EF4-FFF2-40B4-BE49-F238E27FC236}">
+                <a16:creationId xmlns:a16="http://schemas.microsoft.com/office/drawing/2014/main" id="{6119D227-5187-4394-AA25-C32B54D9FA34}"/>
+              </a:ext>
+            </a:extLst>
+          </p:cNvPr>
+          <p:cNvSpPr txBox="1"/>
+          <p:nvPr/>
+        </p:nvSpPr>
+        <p:spPr>
+          <a:xfrm>
+            <a:off x="239349" y="188641"/>
+            <a:ext cx="7584843" cy="597359"/>
+          </a:xfrm>
+          <a:prstGeom prst="rect">
+            <a:avLst/>
+          </a:prstGeom>
+          <a:noFill/>
+        </p:spPr>
+        <p:txBody>
+          <a:bodyPr wrap="square" lIns="103900" tIns="51951" rIns="103900" bIns="51951" rtlCol="0">
+            <a:spAutoFit/>
+          </a:bodyPr>
+          <a:lstStyle/>
+          <a:p>
+            <a:pPr defTabSz="1038977"/>
+            <a:r>
+              <a:rPr lang="ko-KR" altLang="en-US" sz="3200" dirty="0">
+                <a:solidFill>
+                  <a:prstClr val="black"/>
+                </a:solidFill>
+                <a:latin typeface="HY견고딕" panose="02030600000101010101" pitchFamily="18" charset="-127"/>
+                <a:ea typeface="HY견고딕" panose="02030600000101010101" pitchFamily="18" charset="-127"/>
+              </a:rPr>
+              <a:t>팀 프로젝트 </a:t>
+            </a:r>
+            <a:r>
+              <a:rPr lang="en-US" altLang="ko-KR" sz="3200" dirty="0">
+                <a:solidFill>
+                  <a:prstClr val="black"/>
+                </a:solidFill>
+                <a:latin typeface="HY견고딕" panose="02030600000101010101" pitchFamily="18" charset="-127"/>
+                <a:ea typeface="HY견고딕" panose="02030600000101010101" pitchFamily="18" charset="-127"/>
+              </a:rPr>
+              <a:t>| </a:t>
+            </a:r>
+            <a:r>
+              <a:rPr lang="ko-KR" altLang="en-US" sz="2400" dirty="0">
+                <a:solidFill>
+                  <a:prstClr val="black"/>
+                </a:solidFill>
+                <a:latin typeface="HY견고딕" panose="02030600000101010101" pitchFamily="18" charset="-127"/>
+                <a:ea typeface="HY견고딕" panose="02030600000101010101" pitchFamily="18" charset="-127"/>
+              </a:rPr>
+              <a:t>최종 </a:t>
+            </a:r>
+            <a:r>
+              <a:rPr lang="en-US" altLang="ko-KR" sz="2400" dirty="0">
+                <a:solidFill>
+                  <a:prstClr val="black"/>
+                </a:solidFill>
+                <a:latin typeface="HY견고딕" panose="02030600000101010101" pitchFamily="18" charset="-127"/>
+                <a:ea typeface="HY견고딕" panose="02030600000101010101" pitchFamily="18" charset="-127"/>
+              </a:rPr>
+              <a:t>Refactoring</a:t>
+            </a:r>
+            <a:endParaRPr lang="ko-KR" altLang="en-US" sz="2400" dirty="0">
+              <a:solidFill>
+                <a:prstClr val="black"/>
+              </a:solidFill>
+              <a:latin typeface="HY견고딕" panose="02030600000101010101" pitchFamily="18" charset="-127"/>
+              <a:ea typeface="HY견고딕" panose="02030600000101010101" pitchFamily="18" charset="-127"/>
             </a:endParaRPr>
           </a:p>
         </p:txBody>
@@ -15007,7 +15080,27 @@
                 <a:latin typeface="HY견고딕" panose="02030600000101010101" pitchFamily="18" charset="-127"/>
                 <a:ea typeface="HY견고딕" panose="02030600000101010101" pitchFamily="18" charset="-127"/>
               </a:rPr>
-              <a:t>Refactoring</a:t>
+              <a:t>2</a:t>
+            </a:r>
+            <a:r>
+              <a:rPr lang="ko-KR" altLang="en-US" sz="2400" dirty="0">
+                <a:solidFill>
+                  <a:prstClr val="black"/>
+                </a:solidFill>
+                <a:latin typeface="HY견고딕" panose="02030600000101010101" pitchFamily="18" charset="-127"/>
+                <a:ea typeface="HY견고딕" panose="02030600000101010101" pitchFamily="18" charset="-127"/>
+              </a:rPr>
+              <a:t>차</a:t>
+            </a:r>
+            <a:r>
+              <a:rPr lang="en-US" altLang="ko-KR" sz="2400" dirty="0">
+                <a:solidFill>
+                  <a:prstClr val="black"/>
+                </a:solidFill>
+                <a:latin typeface="HY견고딕" panose="02030600000101010101" pitchFamily="18" charset="-127"/>
+                <a:ea typeface="HY견고딕" panose="02030600000101010101" pitchFamily="18" charset="-127"/>
+              </a:rPr>
+              <a:t> Refactoring</a:t>
             </a:r>
             <a:endParaRPr lang="ko-KR" altLang="en-US" sz="2400" dirty="0">
               <a:solidFill>
@@ -15217,27 +15310,7 @@
                 <a:latin typeface="맑은 고딕"/>
                 <a:ea typeface="맑은 고딕" panose="020B0503020000020004" pitchFamily="50" charset="-127"/>
               </a:rPr>
-              <a:t>2</a:t>
-            </a:r>
-            <a:r>
-              <a:rPr lang="ko-KR" altLang="en-US" b="1" dirty="0">
-                <a:solidFill>
-                  <a:prstClr val="black"/>
-                </a:solidFill>
-                <a:latin typeface="맑은 고딕"/>
-                <a:ea typeface="맑은 고딕" panose="020B0503020000020004" pitchFamily="50" charset="-127"/>
-              </a:rPr>
-              <a:t>차 </a:t>
-            </a:r>
-            <a:r>
-              <a:rPr lang="en-US" altLang="ko-KR" b="1" dirty="0">
-                <a:solidFill>
-                  <a:prstClr val="black"/>
-                </a:solidFill>
-                <a:latin typeface="맑은 고딕"/>
-                <a:ea typeface="맑은 고딕" panose="020B0503020000020004" pitchFamily="50" charset="-127"/>
-              </a:rPr>
-              <a:t>Refactoring : Add, Search, Modify, Delete </a:t>
+              <a:t>Add, Search, Modify, Delete </a:t>
             </a:r>
             <a:r>
               <a:rPr lang="ko-KR" altLang="en-US" b="1" dirty="0">
@@ -15289,7 +15362,21 @@
                 <a:latin typeface="맑은 고딕"/>
                 <a:ea typeface="맑은 고딕" panose="020B0503020000020004" pitchFamily="50" charset="-127"/>
               </a:rPr>
-              <a:t>는 제거 예정</a:t>
+              <a:t>는 제거 예정으로 </a:t>
+            </a:r>
+            <a:r>
+              <a:rPr lang="en-US" altLang="ko-KR" b="1" dirty="0">
+                <a:latin typeface="맑은 고딕"/>
+                <a:ea typeface="맑은 고딕" panose="020B0503020000020004" pitchFamily="50" charset="-127"/>
+              </a:rPr>
+              <a:t>@deprecated </a:t>
+            </a:r>
+            <a:r>
+              <a:rPr lang="ko-KR" altLang="en-US" b="1" dirty="0">
+                <a:latin typeface="맑은 고딕"/>
+                <a:ea typeface="맑은 고딕" panose="020B0503020000020004" pitchFamily="50" charset="-127"/>
+              </a:rPr>
+              <a:t>옵션을 활용하여 에러유발 방지 및 경고 메시지 발송</a:t>
             </a:r>
             <a:r>
               <a:rPr lang="en-US" altLang="ko-KR" b="1" dirty="0">
@@ -15468,6 +15555,26 @@
                 <a:latin typeface="HY견고딕" panose="02030600000101010101" pitchFamily="18" charset="-127"/>
                 <a:ea typeface="HY견고딕" panose="02030600000101010101" pitchFamily="18" charset="-127"/>
               </a:rPr>
+              <a:t>3</a:t>
+            </a:r>
+            <a:r>
+              <a:rPr lang="ko-KR" altLang="en-US" sz="2400" dirty="0">
+                <a:solidFill>
+                  <a:prstClr val="black"/>
+                </a:solidFill>
+                <a:latin typeface="HY견고딕" panose="02030600000101010101" pitchFamily="18" charset="-127"/>
+                <a:ea typeface="HY견고딕" panose="02030600000101010101" pitchFamily="18" charset="-127"/>
+              </a:rPr>
+              <a:t>차 </a:t>
+            </a:r>
+            <a:r>
+              <a:rPr lang="en-US" altLang="ko-KR" sz="2400" dirty="0">
+                <a:solidFill>
+                  <a:prstClr val="black"/>
+                </a:solidFill>
+                <a:latin typeface="HY견고딕" panose="02030600000101010101" pitchFamily="18" charset="-127"/>
+                <a:ea typeface="HY견고딕" panose="02030600000101010101" pitchFamily="18" charset="-127"/>
+              </a:rPr>
               <a:t>Refactoring</a:t>
             </a:r>
             <a:endParaRPr lang="ko-KR" altLang="en-US" sz="2400" dirty="0">
@@ -15560,36 +15667,6 @@
                 <a:spcPct val="150000"/>
               </a:lnSpc>
             </a:pPr>
-            <a:r>
-              <a:rPr lang="en-US" altLang="ko-KR" b="1" dirty="0">
-                <a:solidFill>
-                  <a:prstClr val="black"/>
-                </a:solidFill>
-                <a:latin typeface="맑은 고딕"/>
-                <a:ea typeface="맑은 고딕" panose="020B0503020000020004" pitchFamily="50" charset="-127"/>
-              </a:rPr>
-              <a:t>3</a:t>
-            </a:r>
-            <a:r>
-              <a:rPr lang="ko-KR" altLang="en-US" b="1" dirty="0">
-                <a:solidFill>
-                  <a:prstClr val="black"/>
-                </a:solidFill>
-                <a:latin typeface="맑은 고딕"/>
-                <a:ea typeface="맑은 고딕" panose="020B0503020000020004" pitchFamily="50" charset="-127"/>
-              </a:rPr>
-              <a:t>차 </a:t>
-            </a:r>
-            <a:r>
-              <a:rPr lang="en-US" altLang="ko-KR" b="1" dirty="0">
-                <a:solidFill>
-                  <a:prstClr val="black"/>
-                </a:solidFill>
-                <a:latin typeface="맑은 고딕"/>
-                <a:ea typeface="맑은 고딕" panose="020B0503020000020004" pitchFamily="50" charset="-127"/>
-              </a:rPr>
-              <a:t>Refactoring : </a:t>
-            </a:r>
             <a:r>
               <a:rPr lang="ko-KR" altLang="en-US" b="1" dirty="0">
                 <a:solidFill>
@@ -15898,69 +15975,6 @@
       </p:cxnSp>
       <p:sp>
         <p:nvSpPr>
-          <p:cNvPr id="5" name="TextBox 4"/>
-          <p:cNvSpPr txBox="1"/>
-          <p:nvPr/>
-        </p:nvSpPr>
-        <p:spPr>
-          <a:xfrm>
-            <a:off x="239349" y="188641"/>
-            <a:ext cx="7584843" cy="597359"/>
-          </a:xfrm>
-          <a:prstGeom prst="rect">
-            <a:avLst/>
-          </a:prstGeom>
-          <a:noFill/>
-        </p:spPr>
-        <p:txBody>
-          <a:bodyPr wrap="square" lIns="103900" tIns="51951" rIns="103900" bIns="51951" rtlCol="0">
-            <a:spAutoFit/>
-          </a:bodyPr>
-          <a:lstStyle/>
-          <a:p>
-            <a:pPr defTabSz="1038977"/>
-            <a:r>
-              <a:rPr lang="ko-KR" altLang="en-US" sz="3200" dirty="0">
-                <a:solidFill>
-                  <a:prstClr val="black"/>
-                </a:solidFill>
-                <a:latin typeface="HY견고딕" panose="02030600000101010101" pitchFamily="18" charset="-127"/>
-                <a:ea typeface="HY견고딕" panose="02030600000101010101" pitchFamily="18" charset="-127"/>
-              </a:rPr>
-              <a:t>팀 프로젝트 </a:t>
-            </a:r>
-            <a:r>
-              <a:rPr lang="en-US" altLang="ko-KR" sz="3200" dirty="0">
-                <a:solidFill>
-                  <a:prstClr val="black"/>
-                </a:solidFill>
-                <a:latin typeface="HY견고딕" panose="02030600000101010101" pitchFamily="18" charset="-127"/>
-                <a:ea typeface="HY견고딕" panose="02030600000101010101" pitchFamily="18" charset="-127"/>
-              </a:rPr>
-              <a:t>| </a:t>
-            </a:r>
-            <a:r>
-              <a:rPr lang="en-US" altLang="ko-KR" sz="2400" dirty="0">
-                <a:solidFill>
-                  <a:prstClr val="black"/>
-                </a:solidFill>
-                <a:latin typeface="HY견고딕" panose="02030600000101010101" pitchFamily="18" charset="-127"/>
-                <a:ea typeface="HY견고딕" panose="02030600000101010101" pitchFamily="18" charset="-127"/>
-              </a:rPr>
-              <a:t>Refactoring</a:t>
-            </a:r>
-            <a:endParaRPr lang="ko-KR" altLang="en-US" sz="2400" dirty="0">
-              <a:solidFill>
-                <a:prstClr val="black"/>
-              </a:solidFill>
-              <a:latin typeface="HY견고딕" panose="02030600000101010101" pitchFamily="18" charset="-127"/>
-              <a:ea typeface="HY견고딕" panose="02030600000101010101" pitchFamily="18" charset="-127"/>
-            </a:endParaRPr>
-          </a:p>
-        </p:txBody>
-      </p:sp>
-      <p:sp>
-        <p:nvSpPr>
           <p:cNvPr id="13" name="TextBox 12">
             <a:extLst>
               <a:ext uri="{FF2B5EF4-FFF2-40B4-BE49-F238E27FC236}">
@@ -15993,24 +16007,74 @@
               </a:lnSpc>
             </a:pPr>
             <a:r>
+              <a:rPr lang="ko-KR" altLang="en-US" b="1" dirty="0">
+                <a:solidFill>
+                  <a:prstClr val="black"/>
+                </a:solidFill>
+                <a:latin typeface="맑은 고딕"/>
+                <a:ea typeface="맑은 고딕" panose="020B0503020000020004" pitchFamily="50" charset="-127"/>
+              </a:rPr>
+              <a:t>기존에는 조회된 </a:t>
+            </a:r>
+            <a:r>
+              <a:rPr lang="ko-KR" altLang="en-US" b="1" dirty="0">
+                <a:solidFill>
+                  <a:srgbClr val="FF0000"/>
+                </a:solidFill>
+                <a:latin typeface="맑은 고딕"/>
+                <a:ea typeface="맑은 고딕" panose="020B0503020000020004" pitchFamily="50" charset="-127"/>
+              </a:rPr>
+              <a:t>모든 결과를 </a:t>
+            </a:r>
+            <a:r>
               <a:rPr lang="en-US" altLang="ko-KR" b="1" dirty="0">
                 <a:solidFill>
-                  <a:prstClr val="black"/>
-                </a:solidFill>
-                <a:latin typeface="맑은 고딕"/>
-                <a:ea typeface="맑은 고딕" panose="020B0503020000020004" pitchFamily="50" charset="-127"/>
-              </a:rPr>
-              <a:t>4</a:t>
+                  <a:srgbClr val="FF0000"/>
+                </a:solidFill>
+                <a:latin typeface="맑은 고딕"/>
+                <a:ea typeface="맑은 고딕" panose="020B0503020000020004" pitchFamily="50" charset="-127"/>
+              </a:rPr>
+              <a:t>Map</a:t>
             </a:r>
             <a:r>
               <a:rPr lang="ko-KR" altLang="en-US" b="1" dirty="0">
                 <a:solidFill>
-                  <a:prstClr val="black"/>
-                </a:solidFill>
-                <a:latin typeface="맑은 고딕"/>
-                <a:ea typeface="맑은 고딕" panose="020B0503020000020004" pitchFamily="50" charset="-127"/>
-              </a:rPr>
-              <a:t>차 </a:t>
+                  <a:srgbClr val="FF0000"/>
+                </a:solidFill>
+                <a:latin typeface="맑은 고딕"/>
+                <a:ea typeface="맑은 고딕" panose="020B0503020000020004" pitchFamily="50" charset="-127"/>
+              </a:rPr>
+              <a:t>으로 전달</a:t>
+            </a:r>
+            <a:r>
+              <a:rPr lang="ko-KR" altLang="en-US" b="1" dirty="0">
+                <a:solidFill>
+                  <a:prstClr val="black"/>
+                </a:solidFill>
+                <a:latin typeface="맑은 고딕"/>
+                <a:ea typeface="맑은 고딕" panose="020B0503020000020004" pitchFamily="50" charset="-127"/>
+              </a:rPr>
+              <a:t>하여 </a:t>
+            </a:r>
+            <a:r>
+              <a:rPr lang="en-US" altLang="ko-KR" b="1" dirty="0" err="1">
+                <a:solidFill>
+                  <a:prstClr val="black"/>
+                </a:solidFill>
+                <a:latin typeface="맑은 고딕"/>
+                <a:ea typeface="맑은 고딕" panose="020B0503020000020004" pitchFamily="50" charset="-127"/>
+              </a:rPr>
+              <a:t>EmployeeManager</a:t>
+            </a:r>
+            <a:r>
+              <a:rPr lang="ko-KR" altLang="en-US" b="1" dirty="0">
+                <a:solidFill>
+                  <a:prstClr val="black"/>
+                </a:solidFill>
+                <a:latin typeface="맑은 고딕"/>
+                <a:ea typeface="맑은 고딕" panose="020B0503020000020004" pitchFamily="50" charset="-127"/>
+              </a:rPr>
+              <a:t>가 처리 했으나</a:t>
             </a:r>
             <a:r>
               <a:rPr lang="en-US" altLang="ko-KR" b="1" dirty="0">
@@ -16020,8 +16084,15 @@
                 <a:latin typeface="맑은 고딕"/>
                 <a:ea typeface="맑은 고딕" panose="020B0503020000020004" pitchFamily="50" charset="-127"/>
               </a:rPr>
-              <a:t>Refactoring : </a:t>
-            </a:r>
+              <a:t>,</a:t>
+            </a:r>
+          </a:p>
+          <a:p>
+            <a:pPr algn="ctr" defTabSz="1038977">
+              <a:lnSpc>
+                <a:spcPct val="150000"/>
+              </a:lnSpc>
+            </a:pPr>
             <a:r>
               <a:rPr lang="ko-KR" altLang="en-US" b="1" dirty="0">
                 <a:solidFill>
@@ -16030,7 +16101,7 @@
                 <a:latin typeface="맑은 고딕"/>
                 <a:ea typeface="맑은 고딕" panose="020B0503020000020004" pitchFamily="50" charset="-127"/>
               </a:rPr>
-              <a:t>기존에는 대상 전체를 받아서 </a:t>
+              <a:t>결과값에 최대 </a:t>
             </a:r>
             <a:r>
               <a:rPr lang="en-US" altLang="ko-KR" b="1" dirty="0">
@@ -16040,7 +16111,7 @@
                 <a:latin typeface="맑은 고딕"/>
                 <a:ea typeface="맑은 고딕" panose="020B0503020000020004" pitchFamily="50" charset="-127"/>
               </a:rPr>
-              <a:t>Map</a:t>
+              <a:t>5 Row</a:t>
             </a:r>
             <a:r>
               <a:rPr lang="ko-KR" altLang="en-US" b="1" dirty="0">
@@ -16050,7 +16121,47 @@
                 <a:latin typeface="맑은 고딕"/>
                 <a:ea typeface="맑은 고딕" panose="020B0503020000020004" pitchFamily="50" charset="-127"/>
               </a:rPr>
-              <a:t>으로 받아서</a:t>
+              <a:t>만 출력되므로</a:t>
+            </a:r>
+            <a:r>
+              <a:rPr lang="en-US" altLang="ko-KR" b="1" dirty="0">
+                <a:solidFill>
+                  <a:prstClr val="black"/>
+                </a:solidFill>
+                <a:latin typeface="맑은 고딕"/>
+                <a:ea typeface="맑은 고딕" panose="020B0503020000020004" pitchFamily="50" charset="-127"/>
+              </a:rPr>
+              <a:t>, </a:t>
+            </a:r>
+            <a:r>
+              <a:rPr lang="en-US" altLang="ko-KR" b="1" dirty="0">
+                <a:solidFill>
+                  <a:srgbClr val="0000FF"/>
+                </a:solidFill>
+                <a:latin typeface="맑은 고딕"/>
+                <a:ea typeface="맑은 고딕" panose="020B0503020000020004" pitchFamily="50" charset="-127"/>
+              </a:rPr>
+              <a:t>Memory/</a:t>
+            </a:r>
+            <a:r>
+              <a:rPr lang="ko-KR" altLang="en-US" b="1" dirty="0">
+                <a:solidFill>
+                  <a:srgbClr val="0000FF"/>
+                </a:solidFill>
+                <a:latin typeface="맑은 고딕"/>
+                <a:ea typeface="맑은 고딕" panose="020B0503020000020004" pitchFamily="50" charset="-127"/>
+              </a:rPr>
+              <a:t>속도 낭비가 발생 </a:t>
+            </a:r>
+            <a:r>
+              <a:rPr lang="ko-KR" altLang="en-US" b="1" dirty="0">
+                <a:solidFill>
+                  <a:prstClr val="black"/>
+                </a:solidFill>
+                <a:latin typeface="맑은 고딕"/>
+                <a:ea typeface="맑은 고딕" panose="020B0503020000020004" pitchFamily="50" charset="-127"/>
+              </a:rPr>
+              <a:t>개선 </a:t>
             </a:r>
             <a:endParaRPr lang="en-US" altLang="ko-KR" b="1" dirty="0">
               <a:solidFill>
@@ -16067,6 +16178,16 @@
               </a:lnSpc>
             </a:pPr>
             <a:r>
+              <a:rPr lang="en-US" altLang="ko-KR" b="1" dirty="0">
+                <a:solidFill>
+                  <a:prstClr val="black"/>
+                </a:solidFill>
+                <a:latin typeface="맑은 고딕"/>
+                <a:ea typeface="맑은 고딕" panose="020B0503020000020004" pitchFamily="50" charset="-127"/>
+              </a:rPr>
+              <a:t>(String</a:t>
+            </a:r>
+            <a:r>
               <a:rPr lang="ko-KR" altLang="en-US" b="1" dirty="0">
                 <a:solidFill>
                   <a:prstClr val="black"/>
@@ -16074,47 +16195,57 @@
                 <a:latin typeface="맑은 고딕"/>
                 <a:ea typeface="맑은 고딕" panose="020B0503020000020004" pitchFamily="50" charset="-127"/>
               </a:rPr>
-              <a:t>부모에서 대상을 선정하였으나 각 </a:t>
+              <a:t>으로 결과 </a:t>
+            </a:r>
+            <a:r>
+              <a:rPr lang="en-US" altLang="ko-KR" b="1" dirty="0">
+                <a:solidFill>
+                  <a:prstClr val="black"/>
+                </a:solidFill>
+                <a:latin typeface="맑은 고딕"/>
+                <a:ea typeface="맑은 고딕" panose="020B0503020000020004" pitchFamily="50" charset="-127"/>
+              </a:rPr>
+              <a:t>Row</a:t>
             </a:r>
             <a:r>
               <a:rPr lang="ko-KR" altLang="en-US" b="1" dirty="0">
                 <a:solidFill>
-                  <a:srgbClr val="0000FF"/>
-                </a:solidFill>
-                <a:latin typeface="맑은 고딕"/>
-                <a:ea typeface="맑은 고딕" panose="020B0503020000020004" pitchFamily="50" charset="-127"/>
-              </a:rPr>
-              <a:t>함수에서 결과는 </a:t>
+                  <a:prstClr val="black"/>
+                </a:solidFill>
+                <a:latin typeface="맑은 고딕"/>
+                <a:ea typeface="맑은 고딕" panose="020B0503020000020004" pitchFamily="50" charset="-127"/>
+              </a:rPr>
+              <a:t>를 </a:t>
+            </a:r>
+            <a:r>
+              <a:rPr lang="ko-KR" altLang="en-US" b="1" dirty="0" err="1">
+                <a:solidFill>
+                  <a:prstClr val="black"/>
+                </a:solidFill>
+                <a:latin typeface="맑은 고딕"/>
+                <a:ea typeface="맑은 고딕" panose="020B0503020000020004" pitchFamily="50" charset="-127"/>
+              </a:rPr>
+              <a:t>리턴하도록</a:t>
+            </a:r>
+            <a:r>
+              <a:rPr lang="ko-KR" altLang="en-US" b="1" dirty="0">
+                <a:solidFill>
+                  <a:prstClr val="black"/>
+                </a:solidFill>
+                <a:latin typeface="맑은 고딕"/>
+                <a:ea typeface="맑은 고딕" panose="020B0503020000020004" pitchFamily="50" charset="-127"/>
+              </a:rPr>
+              <a:t> 변경</a:t>
             </a:r>
             <a:r>
               <a:rPr lang="en-US" altLang="ko-KR" b="1" dirty="0">
                 <a:solidFill>
-                  <a:srgbClr val="0000FF"/>
-                </a:solidFill>
-                <a:latin typeface="맑은 고딕"/>
-                <a:ea typeface="맑은 고딕" panose="020B0503020000020004" pitchFamily="50" charset="-127"/>
-              </a:rPr>
-              <a:t>String </a:t>
-            </a:r>
-            <a:r>
-              <a:rPr lang="ko-KR" altLang="en-US" b="1" dirty="0">
-                <a:solidFill>
-                  <a:srgbClr val="0000FF"/>
-                </a:solidFill>
-                <a:latin typeface="맑은 고딕"/>
-                <a:ea typeface="맑은 고딕" panose="020B0503020000020004" pitchFamily="50" charset="-127"/>
-              </a:rPr>
-              <a:t>넘겨</a:t>
-            </a:r>
-            <a:r>
-              <a:rPr lang="ko-KR" altLang="en-US" b="1" dirty="0">
-                <a:solidFill>
-                  <a:prstClr val="black"/>
-                </a:solidFill>
-                <a:latin typeface="맑은 고딕"/>
-                <a:ea typeface="맑은 고딕" panose="020B0503020000020004" pitchFamily="50" charset="-127"/>
-              </a:rPr>
-              <a:t>주도록 변경</a:t>
+                  <a:prstClr val="black"/>
+                </a:solidFill>
+                <a:latin typeface="맑은 고딕"/>
+                <a:ea typeface="맑은 고딕" panose="020B0503020000020004" pitchFamily="50" charset="-127"/>
+              </a:rPr>
+              <a:t>)</a:t>
             </a:r>
             <a:endParaRPr lang="en-US" altLang="ko-KR" b="1" dirty="0">
               <a:solidFill>
@@ -16315,6 +16446,16 @@
               <a:t>■ </a:t>
             </a:r>
             <a:r>
+              <a:rPr lang="ko-KR" altLang="en-US" sz="1867" b="1" dirty="0">
+                <a:solidFill>
+                  <a:prstClr val="black"/>
+                </a:solidFill>
+                <a:latin typeface="맑은 고딕"/>
+                <a:ea typeface="맑은 고딕" panose="020B0503020000020004" pitchFamily="50" charset="-127"/>
+              </a:rPr>
+              <a:t>결과 </a:t>
+            </a:r>
+            <a:r>
               <a:rPr lang="en-US" altLang="ko-KR" sz="1867" b="1" dirty="0">
                 <a:solidFill>
                   <a:prstClr val="black"/>
@@ -16322,7 +16463,17 @@
                 <a:latin typeface="맑은 고딕"/>
                 <a:ea typeface="맑은 고딕" panose="020B0503020000020004" pitchFamily="50" charset="-127"/>
               </a:rPr>
-              <a:t>??</a:t>
+              <a:t>Return </a:t>
+            </a:r>
+            <a:r>
+              <a:rPr lang="ko-KR" altLang="en-US" sz="1867" b="1" dirty="0">
+                <a:solidFill>
+                  <a:prstClr val="black"/>
+                </a:solidFill>
+                <a:latin typeface="맑은 고딕"/>
+                <a:ea typeface="맑은 고딕" panose="020B0503020000020004" pitchFamily="50" charset="-127"/>
+              </a:rPr>
+              <a:t>개선</a:t>
             </a:r>
             <a:endParaRPr lang="en-US" altLang="ko-KR" sz="1867" dirty="0">
               <a:solidFill>
@@ -16330,6 +16481,95 @@
               </a:solidFill>
               <a:latin typeface="맑은 고딕"/>
               <a:ea typeface="맑은 고딕" panose="020B0503020000020004" pitchFamily="50" charset="-127"/>
+            </a:endParaRPr>
+          </a:p>
+        </p:txBody>
+      </p:sp>
+      <p:sp>
+        <p:nvSpPr>
+          <p:cNvPr id="9" name="TextBox 8">
+            <a:extLst>
+              <a:ext uri="{FF2B5EF4-FFF2-40B4-BE49-F238E27FC236}">
+                <a16:creationId xmlns:a16="http://schemas.microsoft.com/office/drawing/2014/main" id="{0CDC9C40-FB01-46B7-898A-057B281097A9}"/>
+              </a:ext>
+            </a:extLst>
+          </p:cNvPr>
+          <p:cNvSpPr txBox="1"/>
+          <p:nvPr/>
+        </p:nvSpPr>
+        <p:spPr>
+          <a:xfrm>
+            <a:off x="239349" y="188641"/>
+            <a:ext cx="7584843" cy="597359"/>
+          </a:xfrm>
+          <a:prstGeom prst="rect">
+            <a:avLst/>
+          </a:prstGeom>
+          <a:noFill/>
+        </p:spPr>
+        <p:txBody>
+          <a:bodyPr wrap="square" lIns="103900" tIns="51951" rIns="103900" bIns="51951" rtlCol="0">
+            <a:spAutoFit/>
+          </a:bodyPr>
+          <a:lstStyle/>
+          <a:p>
+            <a:pPr defTabSz="1038977"/>
+            <a:r>
+              <a:rPr lang="ko-KR" altLang="en-US" sz="3200" dirty="0">
+                <a:solidFill>
+                  <a:prstClr val="black"/>
+                </a:solidFill>
+                <a:latin typeface="HY견고딕" panose="02030600000101010101" pitchFamily="18" charset="-127"/>
+                <a:ea typeface="HY견고딕" panose="02030600000101010101" pitchFamily="18" charset="-127"/>
+              </a:rPr>
+              <a:t>팀 프로젝트 </a:t>
+            </a:r>
+            <a:r>
+              <a:rPr lang="en-US" altLang="ko-KR" sz="3200" dirty="0">
+                <a:solidFill>
+                  <a:prstClr val="black"/>
+                </a:solidFill>
+                <a:latin typeface="HY견고딕" panose="02030600000101010101" pitchFamily="18" charset="-127"/>
+                <a:ea typeface="HY견고딕" panose="02030600000101010101" pitchFamily="18" charset="-127"/>
+              </a:rPr>
+              <a:t>| </a:t>
+            </a:r>
+            <a:r>
+              <a:rPr lang="en-US" altLang="ko-KR" sz="2400" dirty="0">
+                <a:solidFill>
+                  <a:prstClr val="black"/>
+                </a:solidFill>
+                <a:latin typeface="HY견고딕" panose="02030600000101010101" pitchFamily="18" charset="-127"/>
+                <a:ea typeface="HY견고딕" panose="02030600000101010101" pitchFamily="18" charset="-127"/>
+              </a:rPr>
+              <a:t>4</a:t>
+            </a:r>
+            <a:r>
+              <a:rPr lang="ko-KR" altLang="en-US" sz="2400" dirty="0">
+                <a:solidFill>
+                  <a:prstClr val="black"/>
+                </a:solidFill>
+                <a:latin typeface="HY견고딕" panose="02030600000101010101" pitchFamily="18" charset="-127"/>
+                <a:ea typeface="HY견고딕" panose="02030600000101010101" pitchFamily="18" charset="-127"/>
+              </a:rPr>
+              <a:t>차 </a:t>
+            </a:r>
+            <a:r>
+              <a:rPr lang="en-US" altLang="ko-KR" sz="2400" dirty="0">
+                <a:solidFill>
+                  <a:prstClr val="black"/>
+                </a:solidFill>
+                <a:latin typeface="HY견고딕" panose="02030600000101010101" pitchFamily="18" charset="-127"/>
+                <a:ea typeface="HY견고딕" panose="02030600000101010101" pitchFamily="18" charset="-127"/>
+              </a:rPr>
+              <a:t>Refactoring</a:t>
+            </a:r>
+            <a:endParaRPr lang="ko-KR" altLang="en-US" sz="2400" dirty="0">
+              <a:solidFill>
+                <a:prstClr val="black"/>
+              </a:solidFill>
+              <a:latin typeface="HY견고딕" panose="02030600000101010101" pitchFamily="18" charset="-127"/>
+              <a:ea typeface="HY견고딕" panose="02030600000101010101" pitchFamily="18" charset="-127"/>
             </a:endParaRPr>
           </a:p>
         </p:txBody>

--- a/팀프로젝트_Easy팀_발표.pptx
+++ b/팀프로젝트_Easy팀_발표.pptx
@@ -18,9 +18,10 @@
     <p:sldId id="279" r:id="rId12"/>
     <p:sldId id="281" r:id="rId13"/>
     <p:sldId id="282" r:id="rId14"/>
-    <p:sldId id="283" r:id="rId15"/>
-    <p:sldId id="264" r:id="rId16"/>
-    <p:sldId id="265" r:id="rId17"/>
+    <p:sldId id="284" r:id="rId15"/>
+    <p:sldId id="283" r:id="rId16"/>
+    <p:sldId id="264" r:id="rId17"/>
+    <p:sldId id="265" r:id="rId18"/>
   </p:sldIdLst>
   <p:sldSz cx="12192000" cy="6858000"/>
   <p:notesSz cx="6858000" cy="9144000"/>
@@ -137,6 +138,7 @@
             <p14:sldId id="279"/>
             <p14:sldId id="281"/>
             <p14:sldId id="282"/>
+            <p14:sldId id="284"/>
             <p14:sldId id="283"/>
           </p14:sldIdLst>
         </p14:section>
@@ -302,7 +304,7 @@
           <a:p>
             <a:fld id="{9ABA495F-8AF9-4A87-9992-8005D2E40F4B}" type="datetimeFigureOut">
               <a:rPr lang="ko-KR" altLang="en-US" smtClean="0"/>
-              <a:t>2022-04-19</a:t>
+              <a:t>2022-04-20</a:t>
             </a:fld>
             <a:endParaRPr lang="ko-KR" altLang="en-US"/>
           </a:p>
@@ -500,7 +502,7 @@
           <a:p>
             <a:fld id="{9ABA495F-8AF9-4A87-9992-8005D2E40F4B}" type="datetimeFigureOut">
               <a:rPr lang="ko-KR" altLang="en-US" smtClean="0"/>
-              <a:t>2022-04-19</a:t>
+              <a:t>2022-04-20</a:t>
             </a:fld>
             <a:endParaRPr lang="ko-KR" altLang="en-US"/>
           </a:p>
@@ -708,7 +710,7 @@
           <a:p>
             <a:fld id="{9ABA495F-8AF9-4A87-9992-8005D2E40F4B}" type="datetimeFigureOut">
               <a:rPr lang="ko-KR" altLang="en-US" smtClean="0"/>
-              <a:t>2022-04-19</a:t>
+              <a:t>2022-04-20</a:t>
             </a:fld>
             <a:endParaRPr lang="ko-KR" altLang="en-US"/>
           </a:p>
@@ -906,7 +908,7 @@
           <a:p>
             <a:fld id="{9ABA495F-8AF9-4A87-9992-8005D2E40F4B}" type="datetimeFigureOut">
               <a:rPr lang="ko-KR" altLang="en-US" smtClean="0"/>
-              <a:t>2022-04-19</a:t>
+              <a:t>2022-04-20</a:t>
             </a:fld>
             <a:endParaRPr lang="ko-KR" altLang="en-US"/>
           </a:p>
@@ -1181,7 +1183,7 @@
           <a:p>
             <a:fld id="{9ABA495F-8AF9-4A87-9992-8005D2E40F4B}" type="datetimeFigureOut">
               <a:rPr lang="ko-KR" altLang="en-US" smtClean="0"/>
-              <a:t>2022-04-19</a:t>
+              <a:t>2022-04-20</a:t>
             </a:fld>
             <a:endParaRPr lang="ko-KR" altLang="en-US"/>
           </a:p>
@@ -1446,7 +1448,7 @@
           <a:p>
             <a:fld id="{9ABA495F-8AF9-4A87-9992-8005D2E40F4B}" type="datetimeFigureOut">
               <a:rPr lang="ko-KR" altLang="en-US" smtClean="0"/>
-              <a:t>2022-04-19</a:t>
+              <a:t>2022-04-20</a:t>
             </a:fld>
             <a:endParaRPr lang="ko-KR" altLang="en-US"/>
           </a:p>
@@ -1858,7 +1860,7 @@
           <a:p>
             <a:fld id="{9ABA495F-8AF9-4A87-9992-8005D2E40F4B}" type="datetimeFigureOut">
               <a:rPr lang="ko-KR" altLang="en-US" smtClean="0"/>
-              <a:t>2022-04-19</a:t>
+              <a:t>2022-04-20</a:t>
             </a:fld>
             <a:endParaRPr lang="ko-KR" altLang="en-US"/>
           </a:p>
@@ -1999,7 +2001,7 @@
           <a:p>
             <a:fld id="{9ABA495F-8AF9-4A87-9992-8005D2E40F4B}" type="datetimeFigureOut">
               <a:rPr lang="ko-KR" altLang="en-US" smtClean="0"/>
-              <a:t>2022-04-19</a:t>
+              <a:t>2022-04-20</a:t>
             </a:fld>
             <a:endParaRPr lang="ko-KR" altLang="en-US"/>
           </a:p>
@@ -2112,7 +2114,7 @@
           <a:p>
             <a:fld id="{9ABA495F-8AF9-4A87-9992-8005D2E40F4B}" type="datetimeFigureOut">
               <a:rPr lang="ko-KR" altLang="en-US" smtClean="0"/>
-              <a:t>2022-04-19</a:t>
+              <a:t>2022-04-20</a:t>
             </a:fld>
             <a:endParaRPr lang="ko-KR" altLang="en-US"/>
           </a:p>
@@ -2423,7 +2425,7 @@
           <a:p>
             <a:fld id="{9ABA495F-8AF9-4A87-9992-8005D2E40F4B}" type="datetimeFigureOut">
               <a:rPr lang="ko-KR" altLang="en-US" smtClean="0"/>
-              <a:t>2022-04-19</a:t>
+              <a:t>2022-04-20</a:t>
             </a:fld>
             <a:endParaRPr lang="ko-KR" altLang="en-US"/>
           </a:p>
@@ -2711,7 +2713,7 @@
           <a:p>
             <a:fld id="{9ABA495F-8AF9-4A87-9992-8005D2E40F4B}" type="datetimeFigureOut">
               <a:rPr lang="ko-KR" altLang="en-US" smtClean="0"/>
-              <a:t>2022-04-19</a:t>
+              <a:t>2022-04-20</a:t>
             </a:fld>
             <a:endParaRPr lang="ko-KR" altLang="en-US"/>
           </a:p>
@@ -2952,7 +2954,7 @@
           <a:p>
             <a:fld id="{9ABA495F-8AF9-4A87-9992-8005D2E40F4B}" type="datetimeFigureOut">
               <a:rPr lang="ko-KR" altLang="en-US" smtClean="0"/>
-              <a:t>2022-04-19</a:t>
+              <a:t>2022-04-20</a:t>
             </a:fld>
             <a:endParaRPr lang="ko-KR" altLang="en-US"/>
           </a:p>
@@ -3822,57 +3824,6 @@
           </a:extLst>
         </p:spPr>
       </p:pic>
-      <p:sp>
-        <p:nvSpPr>
-          <p:cNvPr id="10" name="화살표: 오른쪽 9">
-            <a:extLst>
-              <a:ext uri="{FF2B5EF4-FFF2-40B4-BE49-F238E27FC236}">
-                <a16:creationId xmlns:a16="http://schemas.microsoft.com/office/drawing/2014/main" id="{8E3108D7-683A-4CC7-974B-813308C89E17}"/>
-              </a:ext>
-            </a:extLst>
-          </p:cNvPr>
-          <p:cNvSpPr/>
-          <p:nvPr/>
-        </p:nvSpPr>
-        <p:spPr>
-          <a:xfrm>
-            <a:off x="5286103" y="3429000"/>
-            <a:ext cx="809897" cy="742406"/>
-          </a:xfrm>
-          <a:prstGeom prst="rightArrow">
-            <a:avLst/>
-          </a:prstGeom>
-          <a:solidFill>
-            <a:schemeClr val="accent5">
-              <a:lumMod val="75000"/>
-            </a:schemeClr>
-          </a:solidFill>
-        </p:spPr>
-        <p:style>
-          <a:lnRef idx="2">
-            <a:schemeClr val="accent1">
-              <a:shade val="50000"/>
-            </a:schemeClr>
-          </a:lnRef>
-          <a:fillRef idx="1">
-            <a:schemeClr val="accent1"/>
-          </a:fillRef>
-          <a:effectRef idx="0">
-            <a:schemeClr val="accent1"/>
-          </a:effectRef>
-          <a:fontRef idx="minor">
-            <a:schemeClr val="lt1"/>
-          </a:fontRef>
-        </p:style>
-        <p:txBody>
-          <a:bodyPr rtlCol="0" anchor="ctr"/>
-          <a:lstStyle/>
-          <a:p>
-            <a:pPr algn="ctr"/>
-            <a:endParaRPr lang="ko-KR" altLang="en-US" dirty="0"/>
-          </a:p>
-        </p:txBody>
-      </p:sp>
       <p:pic>
         <p:nvPicPr>
           <p:cNvPr id="7170" name="Picture 2" descr="KakaoTalk_20220418_121506787">
@@ -4025,7 +3976,7 @@
             <a:r>
               <a:rPr lang="en-US" altLang="ko-KR" sz="2400" dirty="0">
                 <a:solidFill>
-                  <a:prstClr val="black"/>
+                  <a:srgbClr val="0000FF"/>
                 </a:solidFill>
                 <a:latin typeface="HY견고딕" panose="02030600000101010101" pitchFamily="18" charset="-127"/>
                 <a:ea typeface="HY견고딕" panose="02030600000101010101" pitchFamily="18" charset="-127"/>
@@ -4035,12 +3986,22 @@
             <a:r>
               <a:rPr lang="ko-KR" altLang="en-US" sz="2400" dirty="0">
                 <a:solidFill>
-                  <a:prstClr val="black"/>
+                  <a:srgbClr val="0000FF"/>
                 </a:solidFill>
                 <a:latin typeface="HY견고딕" panose="02030600000101010101" pitchFamily="18" charset="-127"/>
                 <a:ea typeface="HY견고딕" panose="02030600000101010101" pitchFamily="18" charset="-127"/>
               </a:rPr>
-              <a:t>차 </a:t>
+              <a:t>차</a:t>
+            </a:r>
+            <a:r>
+              <a:rPr lang="ko-KR" altLang="en-US" sz="2400" dirty="0">
+                <a:solidFill>
+                  <a:prstClr val="black"/>
+                </a:solidFill>
+                <a:latin typeface="HY견고딕" panose="02030600000101010101" pitchFamily="18" charset="-127"/>
+                <a:ea typeface="HY견고딕" panose="02030600000101010101" pitchFamily="18" charset="-127"/>
+              </a:rPr>
+              <a:t> </a:t>
             </a:r>
             <a:r>
               <a:rPr lang="en-US" altLang="ko-KR" sz="2400" dirty="0">
@@ -4059,6 +4020,61 @@
               <a:latin typeface="HY견고딕" panose="02030600000101010101" pitchFamily="18" charset="-127"/>
               <a:ea typeface="HY견고딕" panose="02030600000101010101" pitchFamily="18" charset="-127"/>
             </a:endParaRPr>
+          </a:p>
+        </p:txBody>
+      </p:sp>
+      <p:sp>
+        <p:nvSpPr>
+          <p:cNvPr id="12" name="화살표: 줄무늬가 있는 오른쪽 11">
+            <a:extLst>
+              <a:ext uri="{FF2B5EF4-FFF2-40B4-BE49-F238E27FC236}">
+                <a16:creationId xmlns:a16="http://schemas.microsoft.com/office/drawing/2014/main" id="{24E1BC14-C1ED-4D79-AF55-B4497642715F}"/>
+              </a:ext>
+            </a:extLst>
+          </p:cNvPr>
+          <p:cNvSpPr/>
+          <p:nvPr/>
+        </p:nvSpPr>
+        <p:spPr>
+          <a:xfrm>
+            <a:off x="5286103" y="3429000"/>
+            <a:ext cx="809897" cy="742406"/>
+          </a:xfrm>
+          <a:prstGeom prst="stripedRightArrow">
+            <a:avLst/>
+          </a:prstGeom>
+          <a:solidFill>
+            <a:schemeClr val="accent5">
+              <a:lumMod val="75000"/>
+              <a:alpha val="80000"/>
+            </a:schemeClr>
+          </a:solidFill>
+          <a:ln>
+            <a:noFill/>
+          </a:ln>
+        </p:spPr>
+        <p:style>
+          <a:lnRef idx="2">
+            <a:schemeClr val="accent1">
+              <a:shade val="50000"/>
+            </a:schemeClr>
+          </a:lnRef>
+          <a:fillRef idx="1">
+            <a:schemeClr val="accent1"/>
+          </a:fillRef>
+          <a:effectRef idx="0">
+            <a:schemeClr val="accent1"/>
+          </a:effectRef>
+          <a:fontRef idx="minor">
+            <a:schemeClr val="lt1"/>
+          </a:fontRef>
+        </p:style>
+        <p:txBody>
+          <a:bodyPr rtlCol="0" anchor="ctr"/>
+          <a:lstStyle/>
+          <a:p>
+            <a:pPr algn="ctr"/>
+            <a:endParaRPr lang="ko-KR" altLang="en-US" dirty="0"/>
           </a:p>
         </p:txBody>
       </p:sp>
@@ -4220,57 +4236,6 @@
           </a:p>
         </p:txBody>
       </p:sp>
-      <p:sp>
-        <p:nvSpPr>
-          <p:cNvPr id="10" name="화살표: 오른쪽 9">
-            <a:extLst>
-              <a:ext uri="{FF2B5EF4-FFF2-40B4-BE49-F238E27FC236}">
-                <a16:creationId xmlns:a16="http://schemas.microsoft.com/office/drawing/2014/main" id="{8E3108D7-683A-4CC7-974B-813308C89E17}"/>
-              </a:ext>
-            </a:extLst>
-          </p:cNvPr>
-          <p:cNvSpPr/>
-          <p:nvPr/>
-        </p:nvSpPr>
-        <p:spPr>
-          <a:xfrm>
-            <a:off x="5286103" y="3429000"/>
-            <a:ext cx="809897" cy="742406"/>
-          </a:xfrm>
-          <a:prstGeom prst="rightArrow">
-            <a:avLst/>
-          </a:prstGeom>
-          <a:solidFill>
-            <a:schemeClr val="accent5">
-              <a:lumMod val="75000"/>
-            </a:schemeClr>
-          </a:solidFill>
-        </p:spPr>
-        <p:style>
-          <a:lnRef idx="2">
-            <a:schemeClr val="accent1">
-              <a:shade val="50000"/>
-            </a:schemeClr>
-          </a:lnRef>
-          <a:fillRef idx="1">
-            <a:schemeClr val="accent1"/>
-          </a:fillRef>
-          <a:effectRef idx="0">
-            <a:schemeClr val="accent1"/>
-          </a:effectRef>
-          <a:fontRef idx="minor">
-            <a:schemeClr val="lt1"/>
-          </a:fontRef>
-        </p:style>
-        <p:txBody>
-          <a:bodyPr rtlCol="0" anchor="ctr"/>
-          <a:lstStyle/>
-          <a:p>
-            <a:pPr algn="ctr"/>
-            <a:endParaRPr lang="ko-KR" altLang="en-US" dirty="0"/>
-          </a:p>
-        </p:txBody>
-      </p:sp>
       <p:pic>
         <p:nvPicPr>
           <p:cNvPr id="7170" name="Picture 2" descr="KakaoTalk_20220418_121506787">
@@ -4500,7 +4465,7 @@
             <a:r>
               <a:rPr lang="en-US" altLang="ko-KR" sz="2400" dirty="0">
                 <a:solidFill>
-                  <a:prstClr val="black"/>
+                  <a:srgbClr val="0000FF"/>
                 </a:solidFill>
                 <a:latin typeface="HY견고딕" panose="02030600000101010101" pitchFamily="18" charset="-127"/>
                 <a:ea typeface="HY견고딕" panose="02030600000101010101" pitchFamily="18" charset="-127"/>
@@ -4510,12 +4475,22 @@
             <a:r>
               <a:rPr lang="ko-KR" altLang="en-US" sz="2400" dirty="0">
                 <a:solidFill>
-                  <a:prstClr val="black"/>
+                  <a:srgbClr val="0000FF"/>
                 </a:solidFill>
                 <a:latin typeface="HY견고딕" panose="02030600000101010101" pitchFamily="18" charset="-127"/>
                 <a:ea typeface="HY견고딕" panose="02030600000101010101" pitchFamily="18" charset="-127"/>
               </a:rPr>
-              <a:t>차 </a:t>
+              <a:t>차</a:t>
+            </a:r>
+            <a:r>
+              <a:rPr lang="ko-KR" altLang="en-US" sz="2400" dirty="0">
+                <a:solidFill>
+                  <a:prstClr val="black"/>
+                </a:solidFill>
+                <a:latin typeface="HY견고딕" panose="02030600000101010101" pitchFamily="18" charset="-127"/>
+                <a:ea typeface="HY견고딕" panose="02030600000101010101" pitchFamily="18" charset="-127"/>
+              </a:rPr>
+              <a:t> </a:t>
             </a:r>
             <a:r>
               <a:rPr lang="en-US" altLang="ko-KR" sz="2400" dirty="0">
@@ -4534,6 +4509,61 @@
               <a:latin typeface="HY견고딕" panose="02030600000101010101" pitchFamily="18" charset="-127"/>
               <a:ea typeface="HY견고딕" panose="02030600000101010101" pitchFamily="18" charset="-127"/>
             </a:endParaRPr>
+          </a:p>
+        </p:txBody>
+      </p:sp>
+      <p:sp>
+        <p:nvSpPr>
+          <p:cNvPr id="12" name="화살표: 줄무늬가 있는 오른쪽 11">
+            <a:extLst>
+              <a:ext uri="{FF2B5EF4-FFF2-40B4-BE49-F238E27FC236}">
+                <a16:creationId xmlns:a16="http://schemas.microsoft.com/office/drawing/2014/main" id="{009F5DBE-E6E3-4064-9F8F-DBC9E4545E00}"/>
+              </a:ext>
+            </a:extLst>
+          </p:cNvPr>
+          <p:cNvSpPr/>
+          <p:nvPr/>
+        </p:nvSpPr>
+        <p:spPr>
+          <a:xfrm>
+            <a:off x="5286103" y="3429000"/>
+            <a:ext cx="809897" cy="742406"/>
+          </a:xfrm>
+          <a:prstGeom prst="stripedRightArrow">
+            <a:avLst/>
+          </a:prstGeom>
+          <a:solidFill>
+            <a:schemeClr val="accent5">
+              <a:lumMod val="75000"/>
+              <a:alpha val="80000"/>
+            </a:schemeClr>
+          </a:solidFill>
+          <a:ln>
+            <a:noFill/>
+          </a:ln>
+        </p:spPr>
+        <p:style>
+          <a:lnRef idx="2">
+            <a:schemeClr val="accent1">
+              <a:shade val="50000"/>
+            </a:schemeClr>
+          </a:lnRef>
+          <a:fillRef idx="1">
+            <a:schemeClr val="accent1"/>
+          </a:fillRef>
+          <a:effectRef idx="0">
+            <a:schemeClr val="accent1"/>
+          </a:effectRef>
+          <a:fontRef idx="minor">
+            <a:schemeClr val="lt1"/>
+          </a:fontRef>
+        </p:style>
+        <p:txBody>
+          <a:bodyPr rtlCol="0" anchor="ctr"/>
+          <a:lstStyle/>
+          <a:p>
+            <a:pPr algn="ctr"/>
+            <a:endParaRPr lang="ko-KR" altLang="en-US" dirty="0"/>
           </a:p>
         </p:txBody>
       </p:sp>
@@ -4759,57 +4789,6 @@
           </a:p>
         </p:txBody>
       </p:sp>
-      <p:sp>
-        <p:nvSpPr>
-          <p:cNvPr id="10" name="화살표: 오른쪽 9">
-            <a:extLst>
-              <a:ext uri="{FF2B5EF4-FFF2-40B4-BE49-F238E27FC236}">
-                <a16:creationId xmlns:a16="http://schemas.microsoft.com/office/drawing/2014/main" id="{8E3108D7-683A-4CC7-974B-813308C89E17}"/>
-              </a:ext>
-            </a:extLst>
-          </p:cNvPr>
-          <p:cNvSpPr/>
-          <p:nvPr/>
-        </p:nvSpPr>
-        <p:spPr>
-          <a:xfrm>
-            <a:off x="5286103" y="3429000"/>
-            <a:ext cx="809897" cy="742406"/>
-          </a:xfrm>
-          <a:prstGeom prst="rightArrow">
-            <a:avLst/>
-          </a:prstGeom>
-          <a:solidFill>
-            <a:schemeClr val="accent5">
-              <a:lumMod val="75000"/>
-            </a:schemeClr>
-          </a:solidFill>
-        </p:spPr>
-        <p:style>
-          <a:lnRef idx="2">
-            <a:schemeClr val="accent1">
-              <a:shade val="50000"/>
-            </a:schemeClr>
-          </a:lnRef>
-          <a:fillRef idx="1">
-            <a:schemeClr val="accent1"/>
-          </a:fillRef>
-          <a:effectRef idx="0">
-            <a:schemeClr val="accent1"/>
-          </a:effectRef>
-          <a:fontRef idx="minor">
-            <a:schemeClr val="lt1"/>
-          </a:fontRef>
-        </p:style>
-        <p:txBody>
-          <a:bodyPr rtlCol="0" anchor="ctr"/>
-          <a:lstStyle/>
-          <a:p>
-            <a:pPr algn="ctr"/>
-            <a:endParaRPr lang="ko-KR" altLang="en-US" dirty="0"/>
-          </a:p>
-        </p:txBody>
-      </p:sp>
       <p:pic>
         <p:nvPicPr>
           <p:cNvPr id="8194" name="Picture 2" descr="KakaoTalk_20220418_152541271">
@@ -5019,7 +4998,7 @@
             <a:r>
               <a:rPr lang="en-US" altLang="ko-KR" sz="2400" dirty="0">
                 <a:solidFill>
-                  <a:prstClr val="black"/>
+                  <a:srgbClr val="0000FF"/>
                 </a:solidFill>
                 <a:latin typeface="HY견고딕" panose="02030600000101010101" pitchFamily="18" charset="-127"/>
                 <a:ea typeface="HY견고딕" panose="02030600000101010101" pitchFamily="18" charset="-127"/>
@@ -5029,12 +5008,22 @@
             <a:r>
               <a:rPr lang="ko-KR" altLang="en-US" sz="2400" dirty="0">
                 <a:solidFill>
-                  <a:prstClr val="black"/>
+                  <a:srgbClr val="0000FF"/>
                 </a:solidFill>
                 <a:latin typeface="HY견고딕" panose="02030600000101010101" pitchFamily="18" charset="-127"/>
                 <a:ea typeface="HY견고딕" panose="02030600000101010101" pitchFamily="18" charset="-127"/>
               </a:rPr>
-              <a:t>차 </a:t>
+              <a:t>차</a:t>
+            </a:r>
+            <a:r>
+              <a:rPr lang="ko-KR" altLang="en-US" sz="2400" dirty="0">
+                <a:solidFill>
+                  <a:prstClr val="black"/>
+                </a:solidFill>
+                <a:latin typeface="HY견고딕" panose="02030600000101010101" pitchFamily="18" charset="-127"/>
+                <a:ea typeface="HY견고딕" panose="02030600000101010101" pitchFamily="18" charset="-127"/>
+              </a:rPr>
+              <a:t> </a:t>
             </a:r>
             <a:r>
               <a:rPr lang="en-US" altLang="ko-KR" sz="2400" dirty="0">
@@ -5053,6 +5042,61 @@
               <a:latin typeface="HY견고딕" panose="02030600000101010101" pitchFamily="18" charset="-127"/>
               <a:ea typeface="HY견고딕" panose="02030600000101010101" pitchFamily="18" charset="-127"/>
             </a:endParaRPr>
+          </a:p>
+        </p:txBody>
+      </p:sp>
+      <p:sp>
+        <p:nvSpPr>
+          <p:cNvPr id="12" name="화살표: 줄무늬가 있는 오른쪽 11">
+            <a:extLst>
+              <a:ext uri="{FF2B5EF4-FFF2-40B4-BE49-F238E27FC236}">
+                <a16:creationId xmlns:a16="http://schemas.microsoft.com/office/drawing/2014/main" id="{5DF26D42-98A1-49B5-B032-DE6AD80815AE}"/>
+              </a:ext>
+            </a:extLst>
+          </p:cNvPr>
+          <p:cNvSpPr/>
+          <p:nvPr/>
+        </p:nvSpPr>
+        <p:spPr>
+          <a:xfrm>
+            <a:off x="5286103" y="3429000"/>
+            <a:ext cx="809897" cy="742406"/>
+          </a:xfrm>
+          <a:prstGeom prst="stripedRightArrow">
+            <a:avLst/>
+          </a:prstGeom>
+          <a:solidFill>
+            <a:schemeClr val="accent5">
+              <a:lumMod val="75000"/>
+              <a:alpha val="80000"/>
+            </a:schemeClr>
+          </a:solidFill>
+          <a:ln>
+            <a:noFill/>
+          </a:ln>
+        </p:spPr>
+        <p:style>
+          <a:lnRef idx="2">
+            <a:schemeClr val="accent1">
+              <a:shade val="50000"/>
+            </a:schemeClr>
+          </a:lnRef>
+          <a:fillRef idx="1">
+            <a:schemeClr val="accent1"/>
+          </a:fillRef>
+          <a:effectRef idx="0">
+            <a:schemeClr val="accent1"/>
+          </a:effectRef>
+          <a:fontRef idx="minor">
+            <a:schemeClr val="lt1"/>
+          </a:fontRef>
+        </p:style>
+        <p:txBody>
+          <a:bodyPr rtlCol="0" anchor="ctr"/>
+          <a:lstStyle/>
+          <a:p>
+            <a:pPr algn="ctr"/>
+            <a:endParaRPr lang="ko-KR" altLang="en-US" dirty="0"/>
           </a:p>
         </p:txBody>
       </p:sp>
@@ -5292,57 +5336,6 @@
           </a:p>
         </p:txBody>
       </p:sp>
-      <p:sp>
-        <p:nvSpPr>
-          <p:cNvPr id="10" name="화살표: 오른쪽 9">
-            <a:extLst>
-              <a:ext uri="{FF2B5EF4-FFF2-40B4-BE49-F238E27FC236}">
-                <a16:creationId xmlns:a16="http://schemas.microsoft.com/office/drawing/2014/main" id="{8E3108D7-683A-4CC7-974B-813308C89E17}"/>
-              </a:ext>
-            </a:extLst>
-          </p:cNvPr>
-          <p:cNvSpPr/>
-          <p:nvPr/>
-        </p:nvSpPr>
-        <p:spPr>
-          <a:xfrm>
-            <a:off x="5286103" y="3429000"/>
-            <a:ext cx="809897" cy="742406"/>
-          </a:xfrm>
-          <a:prstGeom prst="rightArrow">
-            <a:avLst/>
-          </a:prstGeom>
-          <a:solidFill>
-            <a:schemeClr val="accent5">
-              <a:lumMod val="75000"/>
-            </a:schemeClr>
-          </a:solidFill>
-        </p:spPr>
-        <p:style>
-          <a:lnRef idx="2">
-            <a:schemeClr val="accent1">
-              <a:shade val="50000"/>
-            </a:schemeClr>
-          </a:lnRef>
-          <a:fillRef idx="1">
-            <a:schemeClr val="accent1"/>
-          </a:fillRef>
-          <a:effectRef idx="0">
-            <a:schemeClr val="accent1"/>
-          </a:effectRef>
-          <a:fontRef idx="minor">
-            <a:schemeClr val="lt1"/>
-          </a:fontRef>
-        </p:style>
-        <p:txBody>
-          <a:bodyPr rtlCol="0" anchor="ctr"/>
-          <a:lstStyle/>
-          <a:p>
-            <a:pPr algn="ctr"/>
-            <a:endParaRPr lang="ko-KR" altLang="en-US" dirty="0"/>
-          </a:p>
-        </p:txBody>
-      </p:sp>
       <p:pic>
         <p:nvPicPr>
           <p:cNvPr id="8" name="Picture 4">
@@ -5524,8 +5517,8 @@
         </p:nvSpPr>
         <p:spPr>
           <a:xfrm>
-            <a:off x="5409396" y="1683190"/>
-            <a:ext cx="6506679" cy="465897"/>
+            <a:off x="8529321" y="1947330"/>
+            <a:ext cx="3591560" cy="396486"/>
           </a:xfrm>
           <a:prstGeom prst="rect">
             <a:avLst/>
@@ -5544,7 +5537,7 @@
               </a:lnSpc>
             </a:pPr>
             <a:r>
-              <a:rPr lang="ko-KR" altLang="en-US" b="1" dirty="0">
+              <a:rPr lang="ko-KR" altLang="en-US" sz="1200" b="1" dirty="0">
                 <a:solidFill>
                   <a:srgbClr val="C00000"/>
                 </a:solidFill>
@@ -5554,7 +5547,7 @@
               <a:t>옵션 추가</a:t>
             </a:r>
             <a:r>
-              <a:rPr lang="en-US" altLang="ko-KR" b="1" dirty="0">
+              <a:rPr lang="en-US" altLang="ko-KR" sz="1200" b="1" dirty="0">
                 <a:solidFill>
                   <a:srgbClr val="C00000"/>
                 </a:solidFill>
@@ -5564,7 +5557,7 @@
               <a:t>/</a:t>
             </a:r>
             <a:r>
-              <a:rPr lang="ko-KR" altLang="en-US" b="1" dirty="0">
+              <a:rPr lang="ko-KR" altLang="en-US" sz="1200" b="1" dirty="0">
                 <a:solidFill>
                   <a:srgbClr val="C00000"/>
                 </a:solidFill>
@@ -5574,7 +5567,7 @@
               <a:t>삭제</a:t>
             </a:r>
             <a:r>
-              <a:rPr lang="en-US" altLang="ko-KR" b="1" dirty="0">
+              <a:rPr lang="en-US" altLang="ko-KR" sz="1200" b="1" dirty="0">
                 <a:solidFill>
                   <a:srgbClr val="C00000"/>
                 </a:solidFill>
@@ -5584,36 +5577,36 @@
               <a:t>/</a:t>
             </a:r>
             <a:r>
-              <a:rPr lang="ko-KR" altLang="en-US" b="1" dirty="0">
+              <a:rPr lang="ko-KR" altLang="en-US" sz="1200" b="1" dirty="0">
                 <a:solidFill>
                   <a:srgbClr val="C00000"/>
                 </a:solidFill>
                 <a:latin typeface="맑은 고딕"/>
                 <a:ea typeface="맑은 고딕" panose="020B0503020000020004" pitchFamily="50" charset="-127"/>
               </a:rPr>
-              <a:t>변경 등의 </a:t>
-            </a:r>
-            <a:r>
-              <a:rPr lang="ko-KR" altLang="en-US" b="1" dirty="0" err="1">
+              <a:t>변경 등의 추가 </a:t>
+            </a:r>
+            <a:r>
+              <a:rPr lang="en-US" altLang="ko-KR" sz="1200" b="1" dirty="0">
                 <a:solidFill>
                   <a:srgbClr val="C00000"/>
                 </a:solidFill>
                 <a:latin typeface="맑은 고딕"/>
                 <a:ea typeface="맑은 고딕" panose="020B0503020000020004" pitchFamily="50" charset="-127"/>
               </a:rPr>
-              <a:t>리팩토링이</a:t>
-            </a:r>
-            <a:r>
-              <a:rPr lang="ko-KR" altLang="en-US" b="1" dirty="0">
+              <a:t>Refactoring</a:t>
+            </a:r>
+            <a:r>
+              <a:rPr lang="ko-KR" altLang="en-US" sz="1200" b="1" dirty="0">
                 <a:solidFill>
                   <a:srgbClr val="C00000"/>
                 </a:solidFill>
                 <a:latin typeface="맑은 고딕"/>
                 <a:ea typeface="맑은 고딕" panose="020B0503020000020004" pitchFamily="50" charset="-127"/>
               </a:rPr>
-              <a:t> 필요해 보임</a:t>
-            </a:r>
-            <a:endParaRPr lang="en-US" altLang="ko-KR" b="1" dirty="0">
+              <a:t> 필요</a:t>
+            </a:r>
+            <a:endParaRPr lang="en-US" altLang="ko-KR" sz="1200" b="1" dirty="0">
               <a:solidFill>
                 <a:srgbClr val="C00000"/>
               </a:solidFill>
@@ -5675,12 +5668,22 @@
             <a:r>
               <a:rPr lang="ko-KR" altLang="en-US" sz="2400" dirty="0">
                 <a:solidFill>
-                  <a:prstClr val="black"/>
+                  <a:srgbClr val="0000FF"/>
                 </a:solidFill>
                 <a:latin typeface="HY견고딕" panose="02030600000101010101" pitchFamily="18" charset="-127"/>
                 <a:ea typeface="HY견고딕" panose="02030600000101010101" pitchFamily="18" charset="-127"/>
               </a:rPr>
-              <a:t>최종 </a:t>
+              <a:t>최종</a:t>
+            </a:r>
+            <a:r>
+              <a:rPr lang="ko-KR" altLang="en-US" sz="2400" dirty="0">
+                <a:solidFill>
+                  <a:prstClr val="black"/>
+                </a:solidFill>
+                <a:latin typeface="HY견고딕" panose="02030600000101010101" pitchFamily="18" charset="-127"/>
+                <a:ea typeface="HY견고딕" panose="02030600000101010101" pitchFamily="18" charset="-127"/>
+              </a:rPr>
+              <a:t> </a:t>
             </a:r>
             <a:r>
               <a:rPr lang="en-US" altLang="ko-KR" sz="2400" dirty="0">
@@ -5699,6 +5702,61 @@
               <a:latin typeface="HY견고딕" panose="02030600000101010101" pitchFamily="18" charset="-127"/>
               <a:ea typeface="HY견고딕" panose="02030600000101010101" pitchFamily="18" charset="-127"/>
             </a:endParaRPr>
+          </a:p>
+        </p:txBody>
+      </p:sp>
+      <p:sp>
+        <p:nvSpPr>
+          <p:cNvPr id="15" name="화살표: 줄무늬가 있는 오른쪽 14">
+            <a:extLst>
+              <a:ext uri="{FF2B5EF4-FFF2-40B4-BE49-F238E27FC236}">
+                <a16:creationId xmlns:a16="http://schemas.microsoft.com/office/drawing/2014/main" id="{E55FFEDE-1288-49A0-A7FC-B3A9831D73B2}"/>
+              </a:ext>
+            </a:extLst>
+          </p:cNvPr>
+          <p:cNvSpPr/>
+          <p:nvPr/>
+        </p:nvSpPr>
+        <p:spPr>
+          <a:xfrm>
+            <a:off x="5286103" y="3429000"/>
+            <a:ext cx="809897" cy="742406"/>
+          </a:xfrm>
+          <a:prstGeom prst="stripedRightArrow">
+            <a:avLst/>
+          </a:prstGeom>
+          <a:solidFill>
+            <a:schemeClr val="accent5">
+              <a:lumMod val="75000"/>
+              <a:alpha val="80000"/>
+            </a:schemeClr>
+          </a:solidFill>
+          <a:ln>
+            <a:noFill/>
+          </a:ln>
+        </p:spPr>
+        <p:style>
+          <a:lnRef idx="2">
+            <a:schemeClr val="accent1">
+              <a:shade val="50000"/>
+            </a:schemeClr>
+          </a:lnRef>
+          <a:fillRef idx="1">
+            <a:schemeClr val="accent1"/>
+          </a:fillRef>
+          <a:effectRef idx="0">
+            <a:schemeClr val="accent1"/>
+          </a:effectRef>
+          <a:fontRef idx="minor">
+            <a:schemeClr val="lt1"/>
+          </a:fontRef>
+        </p:style>
+        <p:txBody>
+          <a:bodyPr rtlCol="0" anchor="ctr"/>
+          <a:lstStyle/>
+          <a:p>
+            <a:pPr algn="ctr"/>
+            <a:endParaRPr lang="ko-KR" altLang="en-US" dirty="0"/>
           </a:p>
         </p:txBody>
       </p:sp>
@@ -5716,6 +5774,1768 @@
 </file>
 
 <file path=ppt/slides/slide14.xml><?xml version="1.0" encoding="utf-8"?>
+<p:sld xmlns:a="http://schemas.openxmlformats.org/drawingml/2006/main" xmlns:r="http://schemas.openxmlformats.org/officeDocument/2006/relationships" xmlns:p="http://schemas.openxmlformats.org/presentationml/2006/main">
+  <p:cSld>
+    <p:spTree>
+      <p:nvGrpSpPr>
+        <p:cNvPr id="1" name=""/>
+        <p:cNvGrpSpPr/>
+        <p:nvPr/>
+      </p:nvGrpSpPr>
+      <p:grpSpPr>
+        <a:xfrm>
+          <a:off x="0" y="0"/>
+          <a:ext cx="0" cy="0"/>
+          <a:chOff x="0" y="0"/>
+          <a:chExt cx="0" cy="0"/>
+        </a:xfrm>
+      </p:grpSpPr>
+      <p:cxnSp>
+        <p:nvCxnSpPr>
+          <p:cNvPr id="4" name="직선 연결선 3"/>
+          <p:cNvCxnSpPr/>
+          <p:nvPr/>
+        </p:nvCxnSpPr>
+        <p:spPr>
+          <a:xfrm>
+            <a:off x="0" y="980728"/>
+            <a:ext cx="12192000" cy="0"/>
+          </a:xfrm>
+          <a:prstGeom prst="line">
+            <a:avLst/>
+          </a:prstGeom>
+          <a:ln w="25400">
+            <a:solidFill>
+              <a:srgbClr val="5F5F5F"/>
+            </a:solidFill>
+          </a:ln>
+        </p:spPr>
+        <p:style>
+          <a:lnRef idx="1">
+            <a:schemeClr val="accent1"/>
+          </a:lnRef>
+          <a:fillRef idx="0">
+            <a:schemeClr val="accent1"/>
+          </a:fillRef>
+          <a:effectRef idx="0">
+            <a:schemeClr val="accent1"/>
+          </a:effectRef>
+          <a:fontRef idx="minor">
+            <a:schemeClr val="tx1"/>
+          </a:fontRef>
+        </p:style>
+      </p:cxnSp>
+      <p:sp>
+        <p:nvSpPr>
+          <p:cNvPr id="5" name="TextBox 4"/>
+          <p:cNvSpPr txBox="1"/>
+          <p:nvPr/>
+        </p:nvSpPr>
+        <p:spPr>
+          <a:xfrm>
+            <a:off x="239349" y="188641"/>
+            <a:ext cx="7584843" cy="597359"/>
+          </a:xfrm>
+          <a:prstGeom prst="rect">
+            <a:avLst/>
+          </a:prstGeom>
+          <a:noFill/>
+        </p:spPr>
+        <p:txBody>
+          <a:bodyPr wrap="square" lIns="103900" tIns="51951" rIns="103900" bIns="51951" rtlCol="0">
+            <a:spAutoFit/>
+          </a:bodyPr>
+          <a:lstStyle/>
+          <a:p>
+            <a:pPr defTabSz="1038977"/>
+            <a:r>
+              <a:rPr lang="ko-KR" altLang="en-US" sz="3200" dirty="0">
+                <a:solidFill>
+                  <a:prstClr val="black"/>
+                </a:solidFill>
+                <a:latin typeface="HY견고딕" panose="02030600000101010101" pitchFamily="18" charset="-127"/>
+                <a:ea typeface="HY견고딕" panose="02030600000101010101" pitchFamily="18" charset="-127"/>
+              </a:rPr>
+              <a:t>팀 프로젝트 </a:t>
+            </a:r>
+            <a:r>
+              <a:rPr lang="en-US" altLang="ko-KR" sz="3200" dirty="0">
+                <a:solidFill>
+                  <a:prstClr val="black"/>
+                </a:solidFill>
+                <a:latin typeface="HY견고딕" panose="02030600000101010101" pitchFamily="18" charset="-127"/>
+                <a:ea typeface="HY견고딕" panose="02030600000101010101" pitchFamily="18" charset="-127"/>
+              </a:rPr>
+              <a:t>| </a:t>
+            </a:r>
+            <a:r>
+              <a:rPr lang="ko-KR" altLang="en-US" sz="2400" dirty="0">
+                <a:solidFill>
+                  <a:prstClr val="black"/>
+                </a:solidFill>
+                <a:latin typeface="HY견고딕" panose="02030600000101010101" pitchFamily="18" charset="-127"/>
+                <a:ea typeface="HY견고딕" panose="02030600000101010101" pitchFamily="18" charset="-127"/>
+              </a:rPr>
+              <a:t>회고</a:t>
+            </a:r>
+          </a:p>
+        </p:txBody>
+      </p:sp>
+      <p:sp>
+        <p:nvSpPr>
+          <p:cNvPr id="37" name="TextBox 36"/>
+          <p:cNvSpPr txBox="1"/>
+          <p:nvPr/>
+        </p:nvSpPr>
+        <p:spPr>
+          <a:xfrm>
+            <a:off x="273126" y="1124744"/>
+            <a:ext cx="11296574" cy="1713892"/>
+          </a:xfrm>
+          <a:prstGeom prst="rect">
+            <a:avLst/>
+          </a:prstGeom>
+          <a:noFill/>
+        </p:spPr>
+        <p:txBody>
+          <a:bodyPr wrap="none" rtlCol="0">
+            <a:noAutofit/>
+          </a:bodyPr>
+          <a:lstStyle/>
+          <a:p>
+            <a:pPr defTabSz="1038977">
+              <a:lnSpc>
+                <a:spcPct val="150000"/>
+              </a:lnSpc>
+            </a:pPr>
+            <a:r>
+              <a:rPr lang="ko-KR" altLang="en-US" b="1" dirty="0">
+                <a:solidFill>
+                  <a:prstClr val="black"/>
+                </a:solidFill>
+                <a:latin typeface="+mj-lt"/>
+                <a:ea typeface="HY견고딕" panose="02030600000101010101" pitchFamily="18" charset="-127"/>
+              </a:rPr>
+              <a:t>■ 느낀 점</a:t>
+            </a:r>
+            <a:endParaRPr lang="en-US" altLang="ko-KR" b="1" dirty="0">
+              <a:solidFill>
+                <a:prstClr val="black"/>
+              </a:solidFill>
+              <a:latin typeface="+mj-lt"/>
+              <a:ea typeface="HY견고딕" panose="02030600000101010101" pitchFamily="18" charset="-127"/>
+            </a:endParaRPr>
+          </a:p>
+          <a:p>
+            <a:pPr defTabSz="1038977">
+              <a:lnSpc>
+                <a:spcPct val="150000"/>
+              </a:lnSpc>
+            </a:pPr>
+            <a:r>
+              <a:rPr lang="ko-KR" altLang="en-US" sz="1600" dirty="0">
+                <a:solidFill>
+                  <a:prstClr val="black"/>
+                </a:solidFill>
+                <a:latin typeface="+mj-lt"/>
+                <a:ea typeface="맑은 고딕" panose="020B0503020000020004" pitchFamily="50" charset="-127"/>
+              </a:rPr>
+              <a:t> </a:t>
+            </a:r>
+            <a:r>
+              <a:rPr lang="en-US" altLang="ko-KR" sz="1600" dirty="0">
+                <a:solidFill>
+                  <a:prstClr val="black"/>
+                </a:solidFill>
+                <a:latin typeface="+mj-lt"/>
+                <a:ea typeface="맑은 고딕" panose="020B0503020000020004" pitchFamily="50" charset="-127"/>
+              </a:rPr>
+              <a:t>. </a:t>
+            </a:r>
+            <a:r>
+              <a:rPr lang="ko-KR" altLang="en-US" sz="1600" dirty="0">
+                <a:solidFill>
+                  <a:prstClr val="black"/>
+                </a:solidFill>
+                <a:latin typeface="+mj-lt"/>
+                <a:ea typeface="맑은 고딕" panose="020B0503020000020004" pitchFamily="50" charset="-127"/>
+              </a:rPr>
+              <a:t>소규모 프로젝트 였지만</a:t>
+            </a:r>
+            <a:r>
+              <a:rPr lang="en-US" altLang="ko-KR" sz="1600" dirty="0">
+                <a:solidFill>
+                  <a:prstClr val="black"/>
+                </a:solidFill>
+                <a:latin typeface="+mj-lt"/>
+                <a:ea typeface="맑은 고딕" panose="020B0503020000020004" pitchFamily="50" charset="-127"/>
+              </a:rPr>
+              <a:t>, </a:t>
+            </a:r>
+            <a:r>
+              <a:rPr lang="en-US" altLang="ko-KR" sz="1600" dirty="0">
+                <a:solidFill>
+                  <a:srgbClr val="0000FF"/>
+                </a:solidFill>
+                <a:latin typeface="+mj-lt"/>
+                <a:ea typeface="맑은 고딕" panose="020B0503020000020004" pitchFamily="50" charset="-127"/>
+              </a:rPr>
+              <a:t>TDD/</a:t>
+            </a:r>
+            <a:r>
+              <a:rPr lang="ko-KR" altLang="en-US" sz="1600" dirty="0">
+                <a:solidFill>
+                  <a:srgbClr val="0000FF"/>
+                </a:solidFill>
+                <a:latin typeface="+mj-lt"/>
+                <a:ea typeface="맑은 고딕" panose="020B0503020000020004" pitchFamily="50" charset="-127"/>
+              </a:rPr>
+              <a:t>리뷰 등에 맞춰서 개발</a:t>
+            </a:r>
+            <a:r>
+              <a:rPr lang="ko-KR" altLang="en-US" sz="1600" dirty="0">
+                <a:solidFill>
+                  <a:prstClr val="black"/>
+                </a:solidFill>
+                <a:latin typeface="+mj-lt"/>
+                <a:ea typeface="맑은 고딕" panose="020B0503020000020004" pitchFamily="50" charset="-127"/>
+              </a:rPr>
+              <a:t>하면서 실제 </a:t>
+            </a:r>
+            <a:r>
+              <a:rPr lang="ko-KR" altLang="en-US" sz="1600" dirty="0">
+                <a:solidFill>
+                  <a:srgbClr val="0000FF"/>
+                </a:solidFill>
+                <a:latin typeface="+mj-lt"/>
+                <a:ea typeface="맑은 고딕" panose="020B0503020000020004" pitchFamily="50" charset="-127"/>
+              </a:rPr>
+              <a:t>개발하는 방법에 대한 고민</a:t>
+            </a:r>
+            <a:r>
+              <a:rPr lang="ko-KR" altLang="en-US" sz="1600" dirty="0">
+                <a:solidFill>
+                  <a:prstClr val="black"/>
+                </a:solidFill>
+                <a:latin typeface="+mj-lt"/>
+                <a:ea typeface="맑은 고딕" panose="020B0503020000020004" pitchFamily="50" charset="-127"/>
+              </a:rPr>
+              <a:t>을 많이 하였음</a:t>
+            </a:r>
+          </a:p>
+          <a:p>
+            <a:pPr defTabSz="1038977">
+              <a:lnSpc>
+                <a:spcPct val="150000"/>
+              </a:lnSpc>
+            </a:pPr>
+            <a:r>
+              <a:rPr lang="ko-KR" altLang="en-US" sz="1600" dirty="0">
+                <a:latin typeface="+mj-lt"/>
+                <a:ea typeface="맑은 고딕" panose="020B0503020000020004" pitchFamily="50" charset="-127"/>
+              </a:rPr>
+              <a:t> </a:t>
+            </a:r>
+            <a:r>
+              <a:rPr lang="en-US" altLang="ko-KR" sz="1600" dirty="0">
+                <a:latin typeface="+mj-lt"/>
+                <a:ea typeface="맑은 고딕" panose="020B0503020000020004" pitchFamily="50" charset="-127"/>
+              </a:rPr>
+              <a:t>. </a:t>
+            </a:r>
+            <a:r>
+              <a:rPr lang="ko-KR" altLang="en-US" sz="1600" dirty="0">
+                <a:latin typeface="+mj-lt"/>
+                <a:ea typeface="맑은 고딕" panose="020B0503020000020004" pitchFamily="50" charset="-127"/>
+              </a:rPr>
+              <a:t>높은 품질의 결과물을 만들기 위해 이번에 고민했던 부분을 </a:t>
+            </a:r>
+            <a:r>
+              <a:rPr lang="ko-KR" altLang="en-US" sz="1600" dirty="0">
+                <a:solidFill>
+                  <a:srgbClr val="0000FF"/>
+                </a:solidFill>
+                <a:latin typeface="+mj-lt"/>
+                <a:ea typeface="맑은 고딕" panose="020B0503020000020004" pitchFamily="50" charset="-127"/>
+              </a:rPr>
+              <a:t>현업에 하나씩 반영하여 고품질의 </a:t>
+            </a:r>
+            <a:r>
+              <a:rPr lang="en-US" altLang="ko-KR" sz="1600" dirty="0">
+                <a:solidFill>
+                  <a:srgbClr val="0000FF"/>
+                </a:solidFill>
+                <a:latin typeface="+mj-lt"/>
+                <a:ea typeface="맑은 고딕" panose="020B0503020000020004" pitchFamily="50" charset="-127"/>
+              </a:rPr>
+              <a:t>SW</a:t>
+            </a:r>
+            <a:r>
+              <a:rPr lang="ko-KR" altLang="en-US" sz="1600" dirty="0">
+                <a:latin typeface="+mj-lt"/>
+                <a:ea typeface="맑은 고딕" panose="020B0503020000020004" pitchFamily="50" charset="-127"/>
+              </a:rPr>
+              <a:t>가 되도록 노력하겠음</a:t>
+            </a:r>
+            <a:endParaRPr lang="en-US" altLang="ko-KR" sz="1600" dirty="0">
+              <a:latin typeface="+mj-lt"/>
+              <a:ea typeface="맑은 고딕" panose="020B0503020000020004" pitchFamily="50" charset="-127"/>
+            </a:endParaRPr>
+          </a:p>
+          <a:p>
+            <a:pPr defTabSz="1038977">
+              <a:lnSpc>
+                <a:spcPct val="150000"/>
+              </a:lnSpc>
+            </a:pPr>
+            <a:r>
+              <a:rPr lang="ko-KR" altLang="en-US" sz="1600" dirty="0">
+                <a:latin typeface="+mj-lt"/>
+                <a:ea typeface="맑은 고딕" panose="020B0503020000020004" pitchFamily="50" charset="-127"/>
+              </a:rPr>
+              <a:t> </a:t>
+            </a:r>
+            <a:r>
+              <a:rPr lang="en-US" altLang="ko-KR" sz="1600" dirty="0">
+                <a:latin typeface="+mj-lt"/>
+                <a:ea typeface="맑은 고딕" panose="020B0503020000020004" pitchFamily="50" charset="-127"/>
+              </a:rPr>
+              <a:t>. </a:t>
+            </a:r>
+            <a:r>
+              <a:rPr lang="ko-KR" altLang="en-US" sz="1600" dirty="0">
+                <a:solidFill>
+                  <a:srgbClr val="0000FF"/>
+                </a:solidFill>
+                <a:latin typeface="+mj-lt"/>
+                <a:ea typeface="맑은 고딕" panose="020B0503020000020004" pitchFamily="50" charset="-127"/>
+              </a:rPr>
+              <a:t>좋은 분들과 실습을 같이</a:t>
+            </a:r>
+            <a:r>
+              <a:rPr lang="ko-KR" altLang="en-US" sz="1600" dirty="0">
+                <a:latin typeface="+mj-lt"/>
+                <a:ea typeface="맑은 고딕" panose="020B0503020000020004" pitchFamily="50" charset="-127"/>
+              </a:rPr>
+              <a:t>하여 너무 좋았고</a:t>
+            </a:r>
+            <a:r>
+              <a:rPr lang="en-US" altLang="ko-KR" sz="1600" dirty="0">
+                <a:latin typeface="+mj-lt"/>
+                <a:ea typeface="맑은 고딕" panose="020B0503020000020004" pitchFamily="50" charset="-127"/>
+              </a:rPr>
+              <a:t>, </a:t>
+            </a:r>
+            <a:r>
+              <a:rPr lang="ko-KR" altLang="en-US" sz="1600" dirty="0">
+                <a:latin typeface="+mj-lt"/>
+                <a:ea typeface="맑은 고딕" panose="020B0503020000020004" pitchFamily="50" charset="-127"/>
+              </a:rPr>
+              <a:t>실제 현업 가면 어떻게 적용해야 할지 아직 어렵지만 노력해 보겠음</a:t>
+            </a:r>
+            <a:endParaRPr lang="en-US" altLang="ko-KR" sz="1600" dirty="0">
+              <a:latin typeface="+mj-lt"/>
+              <a:ea typeface="맑은 고딕" panose="020B0503020000020004" pitchFamily="50" charset="-127"/>
+            </a:endParaRPr>
+          </a:p>
+        </p:txBody>
+      </p:sp>
+      <p:sp>
+        <p:nvSpPr>
+          <p:cNvPr id="6" name="TextBox 5">
+            <a:extLst>
+              <a:ext uri="{FF2B5EF4-FFF2-40B4-BE49-F238E27FC236}">
+                <a16:creationId xmlns:a16="http://schemas.microsoft.com/office/drawing/2014/main" id="{604BCA4C-7E23-4C4A-997E-B1D9797ED3AD}"/>
+              </a:ext>
+            </a:extLst>
+          </p:cNvPr>
+          <p:cNvSpPr txBox="1"/>
+          <p:nvPr/>
+        </p:nvSpPr>
+        <p:spPr>
+          <a:xfrm>
+            <a:off x="273126" y="3035011"/>
+            <a:ext cx="4851323" cy="548135"/>
+          </a:xfrm>
+          <a:prstGeom prst="rect">
+            <a:avLst/>
+          </a:prstGeom>
+          <a:noFill/>
+        </p:spPr>
+        <p:txBody>
+          <a:bodyPr wrap="none" rtlCol="0">
+            <a:noAutofit/>
+          </a:bodyPr>
+          <a:lstStyle/>
+          <a:p>
+            <a:pPr defTabSz="1038977">
+              <a:lnSpc>
+                <a:spcPct val="150000"/>
+              </a:lnSpc>
+            </a:pPr>
+            <a:r>
+              <a:rPr lang="ko-KR" altLang="en-US" b="1" dirty="0">
+                <a:solidFill>
+                  <a:prstClr val="black"/>
+                </a:solidFill>
+                <a:latin typeface="+mj-lt"/>
+                <a:ea typeface="HY견고딕" panose="02030600000101010101" pitchFamily="18" charset="-127"/>
+              </a:rPr>
+              <a:t>■ </a:t>
+            </a:r>
+            <a:r>
+              <a:rPr lang="ko-KR" altLang="en-US" b="1" dirty="0">
+                <a:solidFill>
+                  <a:prstClr val="black"/>
+                </a:solidFill>
+                <a:latin typeface="+mj-lt"/>
+                <a:ea typeface="맑은 고딕" panose="020B0503020000020004" pitchFamily="50" charset="-127"/>
+              </a:rPr>
+              <a:t>주요 회고 내용</a:t>
+            </a:r>
+            <a:endParaRPr lang="en-US" altLang="ko-KR" b="1" dirty="0">
+              <a:solidFill>
+                <a:prstClr val="black"/>
+              </a:solidFill>
+              <a:latin typeface="+mj-lt"/>
+              <a:ea typeface="HY견고딕" panose="02030600000101010101" pitchFamily="18" charset="-127"/>
+            </a:endParaRPr>
+          </a:p>
+        </p:txBody>
+      </p:sp>
+      <p:sp>
+        <p:nvSpPr>
+          <p:cNvPr id="10" name="TextBox 9">
+            <a:extLst>
+              <a:ext uri="{FF2B5EF4-FFF2-40B4-BE49-F238E27FC236}">
+                <a16:creationId xmlns:a16="http://schemas.microsoft.com/office/drawing/2014/main" id="{11E7C116-5DA8-4F35-8BF7-697EA454826E}"/>
+              </a:ext>
+            </a:extLst>
+          </p:cNvPr>
+          <p:cNvSpPr txBox="1"/>
+          <p:nvPr/>
+        </p:nvSpPr>
+        <p:spPr>
+          <a:xfrm>
+            <a:off x="309880" y="4033520"/>
+            <a:ext cx="2103120" cy="2378732"/>
+          </a:xfrm>
+          <a:prstGeom prst="rect">
+            <a:avLst/>
+          </a:prstGeom>
+          <a:noFill/>
+        </p:spPr>
+        <p:txBody>
+          <a:bodyPr wrap="none" rtlCol="0">
+            <a:noAutofit/>
+          </a:bodyPr>
+          <a:lstStyle/>
+          <a:p>
+            <a:pPr defTabSz="1038977">
+              <a:lnSpc>
+                <a:spcPct val="150000"/>
+              </a:lnSpc>
+            </a:pPr>
+            <a:r>
+              <a:rPr lang="en-US" altLang="ko-KR" sz="1400" dirty="0">
+                <a:solidFill>
+                  <a:prstClr val="black"/>
+                </a:solidFill>
+                <a:latin typeface="+mj-lt"/>
+                <a:ea typeface="맑은 고딕" panose="020B0503020000020004" pitchFamily="50" charset="-127"/>
+              </a:rPr>
+              <a:t> . </a:t>
+            </a:r>
+            <a:r>
+              <a:rPr lang="ko-KR" altLang="en-US" sz="1400" dirty="0">
+                <a:solidFill>
+                  <a:srgbClr val="0000FF"/>
+                </a:solidFill>
+                <a:latin typeface="+mj-lt"/>
+                <a:ea typeface="맑은 고딕" panose="020B0503020000020004" pitchFamily="50" charset="-127"/>
+              </a:rPr>
+              <a:t>디자인 설계 </a:t>
+            </a:r>
+            <a:r>
+              <a:rPr lang="ko-KR" altLang="en-US" sz="1400" dirty="0">
+                <a:solidFill>
+                  <a:prstClr val="black"/>
+                </a:solidFill>
+                <a:latin typeface="+mj-lt"/>
+                <a:ea typeface="맑은 고딕" panose="020B0503020000020004" pitchFamily="50" charset="-127"/>
+              </a:rPr>
+              <a:t>빠른 공유</a:t>
+            </a:r>
+          </a:p>
+          <a:p>
+            <a:pPr defTabSz="1038977">
+              <a:lnSpc>
+                <a:spcPct val="150000"/>
+              </a:lnSpc>
+            </a:pPr>
+            <a:r>
+              <a:rPr lang="en-US" altLang="ko-KR" sz="1400" dirty="0">
+                <a:solidFill>
+                  <a:prstClr val="black"/>
+                </a:solidFill>
+                <a:latin typeface="+mj-lt"/>
+                <a:ea typeface="맑은 고딕" panose="020B0503020000020004" pitchFamily="50" charset="-127"/>
+              </a:rPr>
+              <a:t> . PR</a:t>
+            </a:r>
+            <a:r>
+              <a:rPr lang="ko-KR" altLang="en-US" sz="1400" dirty="0">
+                <a:solidFill>
+                  <a:prstClr val="black"/>
+                </a:solidFill>
+                <a:latin typeface="+mj-lt"/>
+                <a:ea typeface="맑은 고딕" panose="020B0503020000020004" pitchFamily="50" charset="-127"/>
+              </a:rPr>
+              <a:t> 빠르게 완료</a:t>
+            </a:r>
+            <a:endParaRPr lang="en-US" altLang="ko-KR" sz="1400" dirty="0">
+              <a:solidFill>
+                <a:prstClr val="black"/>
+              </a:solidFill>
+              <a:latin typeface="+mj-lt"/>
+              <a:ea typeface="맑은 고딕" panose="020B0503020000020004" pitchFamily="50" charset="-127"/>
+            </a:endParaRPr>
+          </a:p>
+          <a:p>
+            <a:pPr defTabSz="1038977">
+              <a:lnSpc>
+                <a:spcPct val="150000"/>
+              </a:lnSpc>
+            </a:pPr>
+            <a:r>
+              <a:rPr lang="en-US" altLang="ko-KR" sz="1400" dirty="0">
+                <a:solidFill>
+                  <a:prstClr val="black"/>
+                </a:solidFill>
+                <a:latin typeface="+mj-lt"/>
+                <a:ea typeface="맑은 고딕" panose="020B0503020000020004" pitchFamily="50" charset="-127"/>
+              </a:rPr>
+              <a:t> . </a:t>
+            </a:r>
+            <a:r>
+              <a:rPr lang="ko-KR" altLang="en-US" sz="1400" dirty="0">
+                <a:solidFill>
+                  <a:srgbClr val="0000FF"/>
+                </a:solidFill>
+                <a:latin typeface="+mj-lt"/>
+                <a:ea typeface="맑은 고딕" panose="020B0503020000020004" pitchFamily="50" charset="-127"/>
+              </a:rPr>
+              <a:t>의사 소통</a:t>
+            </a:r>
+            <a:r>
+              <a:rPr lang="ko-KR" altLang="en-US" sz="1400" dirty="0">
+                <a:solidFill>
+                  <a:prstClr val="black"/>
+                </a:solidFill>
+                <a:latin typeface="+mj-lt"/>
+                <a:ea typeface="맑은 고딕" panose="020B0503020000020004" pitchFamily="50" charset="-127"/>
+              </a:rPr>
+              <a:t>이 원활</a:t>
+            </a:r>
+          </a:p>
+          <a:p>
+            <a:pPr defTabSz="1038977">
+              <a:lnSpc>
+                <a:spcPct val="150000"/>
+              </a:lnSpc>
+            </a:pPr>
+            <a:r>
+              <a:rPr lang="en-US" altLang="ko-KR" sz="1400" dirty="0">
+                <a:solidFill>
+                  <a:prstClr val="black"/>
+                </a:solidFill>
+                <a:latin typeface="+mj-lt"/>
+                <a:ea typeface="맑은 고딕" panose="020B0503020000020004" pitchFamily="50" charset="-127"/>
+              </a:rPr>
+              <a:t> . </a:t>
+            </a:r>
+            <a:r>
+              <a:rPr lang="ko-KR" altLang="en-US" sz="1400" dirty="0">
+                <a:solidFill>
+                  <a:prstClr val="black"/>
+                </a:solidFill>
+                <a:latin typeface="+mj-lt"/>
+                <a:ea typeface="맑은 고딕" panose="020B0503020000020004" pitchFamily="50" charset="-127"/>
+              </a:rPr>
+              <a:t>작은 단위의 </a:t>
+            </a:r>
+            <a:r>
+              <a:rPr lang="en-US" altLang="ko-KR" sz="1400" dirty="0">
+                <a:solidFill>
+                  <a:prstClr val="black"/>
+                </a:solidFill>
+                <a:latin typeface="+mj-lt"/>
+                <a:ea typeface="맑은 고딕" panose="020B0503020000020004" pitchFamily="50" charset="-127"/>
+              </a:rPr>
+              <a:t>PR</a:t>
+            </a:r>
+          </a:p>
+          <a:p>
+            <a:pPr defTabSz="1038977">
+              <a:lnSpc>
+                <a:spcPct val="150000"/>
+              </a:lnSpc>
+            </a:pPr>
+            <a:r>
+              <a:rPr lang="en-US" altLang="ko-KR" sz="1400" dirty="0">
+                <a:solidFill>
+                  <a:prstClr val="black"/>
+                </a:solidFill>
+                <a:latin typeface="+mj-lt"/>
+                <a:ea typeface="맑은 고딕" panose="020B0503020000020004" pitchFamily="50" charset="-127"/>
+              </a:rPr>
+              <a:t> . </a:t>
+            </a:r>
+            <a:r>
+              <a:rPr lang="ko-KR" altLang="en-US" sz="1400" dirty="0">
+                <a:solidFill>
+                  <a:prstClr val="black"/>
+                </a:solidFill>
+                <a:latin typeface="+mj-lt"/>
+                <a:ea typeface="맑은 고딕" panose="020B0503020000020004" pitchFamily="50" charset="-127"/>
+              </a:rPr>
+              <a:t>열린 자세</a:t>
+            </a:r>
+            <a:endParaRPr lang="en-US" altLang="ko-KR" sz="1400" dirty="0">
+              <a:solidFill>
+                <a:prstClr val="black"/>
+              </a:solidFill>
+              <a:latin typeface="+mj-lt"/>
+              <a:ea typeface="맑은 고딕" panose="020B0503020000020004" pitchFamily="50" charset="-127"/>
+            </a:endParaRPr>
+          </a:p>
+        </p:txBody>
+      </p:sp>
+      <p:sp>
+        <p:nvSpPr>
+          <p:cNvPr id="11" name="TextBox 10">
+            <a:extLst>
+              <a:ext uri="{FF2B5EF4-FFF2-40B4-BE49-F238E27FC236}">
+                <a16:creationId xmlns:a16="http://schemas.microsoft.com/office/drawing/2014/main" id="{9426CEAB-BD65-4EE1-921C-CED02784F64C}"/>
+              </a:ext>
+            </a:extLst>
+          </p:cNvPr>
+          <p:cNvSpPr txBox="1"/>
+          <p:nvPr/>
+        </p:nvSpPr>
+        <p:spPr>
+          <a:xfrm>
+            <a:off x="2686086" y="4033519"/>
+            <a:ext cx="3745193" cy="2378733"/>
+          </a:xfrm>
+          <a:prstGeom prst="rect">
+            <a:avLst/>
+          </a:prstGeom>
+          <a:noFill/>
+        </p:spPr>
+        <p:txBody>
+          <a:bodyPr wrap="none" rtlCol="0">
+            <a:noAutofit/>
+          </a:bodyPr>
+          <a:lstStyle/>
+          <a:p>
+            <a:pPr defTabSz="1038977">
+              <a:lnSpc>
+                <a:spcPct val="150000"/>
+              </a:lnSpc>
+            </a:pPr>
+            <a:r>
+              <a:rPr lang="en-US" altLang="ko-KR" sz="1400" dirty="0">
+                <a:solidFill>
+                  <a:prstClr val="black"/>
+                </a:solidFill>
+                <a:latin typeface="+mj-lt"/>
+                <a:ea typeface="맑은 고딕" panose="020B0503020000020004" pitchFamily="50" charset="-127"/>
+              </a:rPr>
+              <a:t> . </a:t>
+            </a:r>
+            <a:r>
+              <a:rPr lang="en-US" altLang="ko-KR" sz="1400" dirty="0">
+                <a:solidFill>
+                  <a:srgbClr val="0000FF"/>
+                </a:solidFill>
+                <a:latin typeface="+mj-lt"/>
+                <a:ea typeface="맑은 고딕" panose="020B0503020000020004" pitchFamily="50" charset="-127"/>
+              </a:rPr>
+              <a:t>main</a:t>
+            </a:r>
+            <a:r>
+              <a:rPr lang="ko-KR" altLang="en-US" sz="1400" dirty="0">
+                <a:solidFill>
+                  <a:srgbClr val="0000FF"/>
+                </a:solidFill>
+                <a:latin typeface="+mj-lt"/>
+                <a:ea typeface="맑은 고딕" panose="020B0503020000020004" pitchFamily="50" charset="-127"/>
+              </a:rPr>
+              <a:t>에 바로 커밋</a:t>
+            </a:r>
+            <a:r>
+              <a:rPr lang="ko-KR" altLang="en-US" sz="1400" dirty="0">
+                <a:solidFill>
+                  <a:prstClr val="black"/>
+                </a:solidFill>
+                <a:latin typeface="+mj-lt"/>
+                <a:ea typeface="맑은 고딕" panose="020B0503020000020004" pitchFamily="50" charset="-127"/>
+              </a:rPr>
+              <a:t>했음</a:t>
+            </a:r>
+            <a:r>
+              <a:rPr lang="en-US" altLang="ko-KR" sz="1400" dirty="0">
+                <a:solidFill>
+                  <a:prstClr val="black"/>
+                </a:solidFill>
+                <a:latin typeface="+mj-lt"/>
+                <a:ea typeface="맑은 고딕" panose="020B0503020000020004" pitchFamily="50" charset="-127"/>
+              </a:rPr>
+              <a:t>(</a:t>
+            </a:r>
+            <a:r>
+              <a:rPr lang="ko-KR" altLang="en-US" sz="1400" dirty="0">
+                <a:solidFill>
+                  <a:prstClr val="black"/>
+                </a:solidFill>
+                <a:latin typeface="+mj-lt"/>
+                <a:ea typeface="맑은 고딕" panose="020B0503020000020004" pitchFamily="50" charset="-127"/>
+              </a:rPr>
+              <a:t>권한설정 실수</a:t>
+            </a:r>
+            <a:r>
+              <a:rPr lang="en-US" altLang="ko-KR" sz="1400" dirty="0">
+                <a:solidFill>
+                  <a:prstClr val="black"/>
+                </a:solidFill>
+                <a:latin typeface="+mj-lt"/>
+                <a:ea typeface="맑은 고딕" panose="020B0503020000020004" pitchFamily="50" charset="-127"/>
+              </a:rPr>
+              <a:t>)</a:t>
+            </a:r>
+            <a:endParaRPr lang="ko-KR" altLang="en-US" sz="1400" dirty="0">
+              <a:solidFill>
+                <a:prstClr val="black"/>
+              </a:solidFill>
+              <a:latin typeface="+mj-lt"/>
+              <a:ea typeface="맑은 고딕" panose="020B0503020000020004" pitchFamily="50" charset="-127"/>
+            </a:endParaRPr>
+          </a:p>
+          <a:p>
+            <a:pPr defTabSz="1038977">
+              <a:lnSpc>
+                <a:spcPct val="150000"/>
+              </a:lnSpc>
+            </a:pPr>
+            <a:r>
+              <a:rPr lang="en-US" altLang="ko-KR" sz="1400" dirty="0">
+                <a:solidFill>
+                  <a:prstClr val="black"/>
+                </a:solidFill>
+                <a:latin typeface="+mj-lt"/>
+                <a:ea typeface="맑은 고딕" panose="020B0503020000020004" pitchFamily="50" charset="-127"/>
+              </a:rPr>
+              <a:t> . readme</a:t>
+            </a:r>
+            <a:r>
+              <a:rPr lang="ko-KR" altLang="en-US" sz="1400" dirty="0">
+                <a:solidFill>
+                  <a:prstClr val="black"/>
+                </a:solidFill>
+                <a:latin typeface="+mj-lt"/>
+                <a:ea typeface="맑은 고딕" panose="020B0503020000020004" pitchFamily="50" charset="-127"/>
+              </a:rPr>
+              <a:t>를 미리 작성 안하고 시작함</a:t>
+            </a:r>
+            <a:endParaRPr lang="en-US" altLang="ko-KR" sz="1400" dirty="0">
+              <a:solidFill>
+                <a:prstClr val="black"/>
+              </a:solidFill>
+              <a:latin typeface="+mj-lt"/>
+              <a:ea typeface="맑은 고딕" panose="020B0503020000020004" pitchFamily="50" charset="-127"/>
+            </a:endParaRPr>
+          </a:p>
+          <a:p>
+            <a:pPr defTabSz="1038977">
+              <a:lnSpc>
+                <a:spcPct val="150000"/>
+              </a:lnSpc>
+            </a:pPr>
+            <a:r>
+              <a:rPr lang="en-US" altLang="ko-KR" sz="1400" dirty="0">
+                <a:solidFill>
+                  <a:prstClr val="black"/>
+                </a:solidFill>
+                <a:latin typeface="+mj-lt"/>
+                <a:ea typeface="맑은 고딕" panose="020B0503020000020004" pitchFamily="50" charset="-127"/>
+              </a:rPr>
+              <a:t> . </a:t>
+            </a:r>
+            <a:r>
+              <a:rPr lang="ko-KR" altLang="en-US" sz="1400" dirty="0">
+                <a:solidFill>
+                  <a:prstClr val="black"/>
+                </a:solidFill>
+                <a:latin typeface="+mj-lt"/>
+                <a:ea typeface="맑은 고딕" panose="020B0503020000020004" pitchFamily="50" charset="-127"/>
+              </a:rPr>
+              <a:t>완료한 브런치를 정리하지 않았음</a:t>
+            </a:r>
+          </a:p>
+          <a:p>
+            <a:pPr defTabSz="1038977">
+              <a:lnSpc>
+                <a:spcPct val="150000"/>
+              </a:lnSpc>
+            </a:pPr>
+            <a:r>
+              <a:rPr lang="en-US" altLang="ko-KR" sz="1400" dirty="0">
+                <a:solidFill>
+                  <a:prstClr val="black"/>
+                </a:solidFill>
+                <a:latin typeface="+mj-lt"/>
+                <a:ea typeface="맑은 고딕" panose="020B0503020000020004" pitchFamily="50" charset="-127"/>
+              </a:rPr>
+              <a:t> . </a:t>
+            </a:r>
+            <a:r>
+              <a:rPr lang="en-US" altLang="ko-KR" sz="1400" dirty="0">
+                <a:solidFill>
+                  <a:srgbClr val="0000FF"/>
+                </a:solidFill>
+                <a:latin typeface="+mj-lt"/>
+                <a:ea typeface="맑은 고딕" panose="020B0503020000020004" pitchFamily="50" charset="-127"/>
+              </a:rPr>
+              <a:t>TDD</a:t>
+            </a:r>
+            <a:r>
+              <a:rPr lang="ko-KR" altLang="en-US" sz="1400" dirty="0">
+                <a:solidFill>
+                  <a:srgbClr val="0000FF"/>
+                </a:solidFill>
+                <a:latin typeface="+mj-lt"/>
+                <a:ea typeface="맑은 고딕" panose="020B0503020000020004" pitchFamily="50" charset="-127"/>
+              </a:rPr>
+              <a:t>에 적응 시간이 더 필요 </a:t>
+            </a:r>
+            <a:r>
+              <a:rPr lang="ko-KR" altLang="en-US" sz="1400" dirty="0">
+                <a:solidFill>
+                  <a:prstClr val="black"/>
+                </a:solidFill>
+                <a:latin typeface="+mj-lt"/>
+                <a:ea typeface="맑은 고딕" panose="020B0503020000020004" pitchFamily="50" charset="-127"/>
+              </a:rPr>
+              <a:t>했음</a:t>
+            </a:r>
+            <a:endParaRPr lang="en-US" altLang="ko-KR" sz="1400" dirty="0">
+              <a:solidFill>
+                <a:prstClr val="black"/>
+              </a:solidFill>
+              <a:latin typeface="+mj-lt"/>
+              <a:ea typeface="맑은 고딕" panose="020B0503020000020004" pitchFamily="50" charset="-127"/>
+            </a:endParaRPr>
+          </a:p>
+          <a:p>
+            <a:pPr defTabSz="1038977">
+              <a:lnSpc>
+                <a:spcPct val="150000"/>
+              </a:lnSpc>
+            </a:pPr>
+            <a:r>
+              <a:rPr lang="en-US" altLang="ko-KR" sz="1400" dirty="0">
+                <a:solidFill>
+                  <a:prstClr val="black"/>
+                </a:solidFill>
+                <a:latin typeface="+mj-lt"/>
+                <a:ea typeface="맑은 고딕" panose="020B0503020000020004" pitchFamily="50" charset="-127"/>
+              </a:rPr>
+              <a:t>   (Unit Test</a:t>
+            </a:r>
+            <a:r>
+              <a:rPr lang="ko-KR" altLang="en-US" sz="1400" dirty="0">
+                <a:solidFill>
+                  <a:prstClr val="black"/>
+                </a:solidFill>
+                <a:latin typeface="+mj-lt"/>
+                <a:ea typeface="맑은 고딕" panose="020B0503020000020004" pitchFamily="50" charset="-127"/>
+              </a:rPr>
+              <a:t>를 진행하고 </a:t>
+            </a:r>
+            <a:r>
+              <a:rPr lang="en-US" altLang="ko-KR" sz="1400" dirty="0">
+                <a:solidFill>
+                  <a:prstClr val="black"/>
+                </a:solidFill>
+                <a:latin typeface="+mj-lt"/>
+                <a:ea typeface="맑은 고딕" panose="020B0503020000020004" pitchFamily="50" charset="-127"/>
+              </a:rPr>
+              <a:t>Refactoring </a:t>
+            </a:r>
+            <a:r>
+              <a:rPr lang="ko-KR" altLang="en-US" sz="1400" dirty="0">
+                <a:solidFill>
+                  <a:prstClr val="black"/>
+                </a:solidFill>
+                <a:latin typeface="+mj-lt"/>
+                <a:ea typeface="맑은 고딕" panose="020B0503020000020004" pitchFamily="50" charset="-127"/>
+              </a:rPr>
+              <a:t>미숙</a:t>
+            </a:r>
+            <a:r>
+              <a:rPr lang="en-US" altLang="ko-KR" sz="1400" dirty="0">
+                <a:solidFill>
+                  <a:prstClr val="black"/>
+                </a:solidFill>
+                <a:latin typeface="+mj-lt"/>
+                <a:ea typeface="맑은 고딕" panose="020B0503020000020004" pitchFamily="50" charset="-127"/>
+              </a:rPr>
+              <a:t>)</a:t>
+            </a:r>
+            <a:endParaRPr lang="ko-KR" altLang="en-US" sz="1400" dirty="0">
+              <a:solidFill>
+                <a:prstClr val="black"/>
+              </a:solidFill>
+              <a:latin typeface="+mj-lt"/>
+              <a:ea typeface="맑은 고딕" panose="020B0503020000020004" pitchFamily="50" charset="-127"/>
+            </a:endParaRPr>
+          </a:p>
+          <a:p>
+            <a:pPr defTabSz="1038977">
+              <a:lnSpc>
+                <a:spcPct val="150000"/>
+              </a:lnSpc>
+            </a:pPr>
+            <a:r>
+              <a:rPr lang="en-US" altLang="ko-KR" sz="1400" dirty="0">
+                <a:solidFill>
+                  <a:prstClr val="black"/>
+                </a:solidFill>
+                <a:latin typeface="+mj-lt"/>
+                <a:ea typeface="맑은 고딕" panose="020B0503020000020004" pitchFamily="50" charset="-127"/>
+              </a:rPr>
+              <a:t> . </a:t>
+            </a:r>
+            <a:r>
+              <a:rPr lang="ko-KR" altLang="en-US" sz="1400" dirty="0">
+                <a:solidFill>
+                  <a:prstClr val="black"/>
+                </a:solidFill>
+                <a:latin typeface="+mj-lt"/>
+                <a:ea typeface="맑은 고딕" panose="020B0503020000020004" pitchFamily="50" charset="-127"/>
+              </a:rPr>
+              <a:t>팀장님이 퇴근시간을 준수안하고 야근함</a:t>
+            </a:r>
+            <a:endParaRPr lang="en-US" altLang="ko-KR" sz="1400" dirty="0">
+              <a:solidFill>
+                <a:prstClr val="black"/>
+              </a:solidFill>
+              <a:latin typeface="+mj-lt"/>
+              <a:ea typeface="맑은 고딕" panose="020B0503020000020004" pitchFamily="50" charset="-127"/>
+            </a:endParaRPr>
+          </a:p>
+        </p:txBody>
+      </p:sp>
+      <p:sp>
+        <p:nvSpPr>
+          <p:cNvPr id="12" name="TextBox 11">
+            <a:extLst>
+              <a:ext uri="{FF2B5EF4-FFF2-40B4-BE49-F238E27FC236}">
+                <a16:creationId xmlns:a16="http://schemas.microsoft.com/office/drawing/2014/main" id="{E61DB80A-B00C-4C94-BE9C-B7CD53AF36F4}"/>
+              </a:ext>
+            </a:extLst>
+          </p:cNvPr>
+          <p:cNvSpPr txBox="1"/>
+          <p:nvPr/>
+        </p:nvSpPr>
+        <p:spPr>
+          <a:xfrm>
+            <a:off x="6602766" y="4033520"/>
+            <a:ext cx="5279353" cy="2378733"/>
+          </a:xfrm>
+          <a:prstGeom prst="rect">
+            <a:avLst/>
+          </a:prstGeom>
+          <a:noFill/>
+        </p:spPr>
+        <p:txBody>
+          <a:bodyPr wrap="none" rtlCol="0">
+            <a:noAutofit/>
+          </a:bodyPr>
+          <a:lstStyle/>
+          <a:p>
+            <a:pPr defTabSz="1038977">
+              <a:lnSpc>
+                <a:spcPct val="150000"/>
+              </a:lnSpc>
+            </a:pPr>
+            <a:r>
+              <a:rPr lang="en-US" altLang="ko-KR" sz="1400" dirty="0">
+                <a:solidFill>
+                  <a:prstClr val="black"/>
+                </a:solidFill>
+                <a:latin typeface="+mj-lt"/>
+                <a:ea typeface="맑은 고딕" panose="020B0503020000020004" pitchFamily="50" charset="-127"/>
+              </a:rPr>
+              <a:t> . </a:t>
+            </a:r>
+            <a:r>
+              <a:rPr lang="ko-KR" altLang="en-US" sz="1400" dirty="0">
+                <a:solidFill>
+                  <a:prstClr val="black"/>
+                </a:solidFill>
+                <a:latin typeface="+mj-lt"/>
+                <a:ea typeface="맑은 고딕" panose="020B0503020000020004" pitchFamily="50" charset="-127"/>
+              </a:rPr>
+              <a:t>현업에서도 원활한 소스 형상 관리</a:t>
+            </a:r>
+            <a:r>
+              <a:rPr lang="en-US" altLang="ko-KR" sz="1400" dirty="0">
+                <a:solidFill>
+                  <a:prstClr val="black"/>
+                </a:solidFill>
+                <a:latin typeface="+mj-lt"/>
+                <a:ea typeface="맑은 고딕" panose="020B0503020000020004" pitchFamily="50" charset="-127"/>
+              </a:rPr>
+              <a:t>(git)</a:t>
+            </a:r>
+            <a:r>
+              <a:rPr lang="ko-KR" altLang="en-US" sz="1400" dirty="0">
+                <a:solidFill>
+                  <a:prstClr val="black"/>
+                </a:solidFill>
+                <a:latin typeface="+mj-lt"/>
+                <a:ea typeface="맑은 고딕" panose="020B0503020000020004" pitchFamily="50" charset="-127"/>
+              </a:rPr>
+              <a:t>하도록 노력</a:t>
+            </a:r>
+          </a:p>
+          <a:p>
+            <a:pPr defTabSz="1038977">
+              <a:lnSpc>
+                <a:spcPct val="150000"/>
+              </a:lnSpc>
+            </a:pPr>
+            <a:r>
+              <a:rPr lang="en-US" altLang="ko-KR" sz="1400" dirty="0">
+                <a:solidFill>
+                  <a:prstClr val="black"/>
+                </a:solidFill>
+                <a:latin typeface="+mj-lt"/>
+                <a:ea typeface="맑은 고딕" panose="020B0503020000020004" pitchFamily="50" charset="-127"/>
+              </a:rPr>
+              <a:t> . </a:t>
+            </a:r>
+            <a:r>
+              <a:rPr lang="en-US" altLang="ko-KR" sz="1400" dirty="0">
+                <a:solidFill>
+                  <a:srgbClr val="0000FF"/>
+                </a:solidFill>
+                <a:latin typeface="+mj-lt"/>
+                <a:ea typeface="맑은 고딕" panose="020B0503020000020004" pitchFamily="50" charset="-127"/>
+              </a:rPr>
+              <a:t>TDD </a:t>
+            </a:r>
+            <a:r>
+              <a:rPr lang="ko-KR" altLang="en-US" sz="1400" dirty="0">
+                <a:solidFill>
+                  <a:srgbClr val="0000FF"/>
+                </a:solidFill>
+                <a:latin typeface="+mj-lt"/>
+                <a:ea typeface="맑은 고딕" panose="020B0503020000020004" pitchFamily="50" charset="-127"/>
+              </a:rPr>
+              <a:t>개발이 생활화</a:t>
+            </a:r>
+            <a:r>
+              <a:rPr lang="ko-KR" altLang="en-US" sz="1400" dirty="0">
+                <a:solidFill>
+                  <a:prstClr val="black"/>
+                </a:solidFill>
+                <a:latin typeface="+mj-lt"/>
+                <a:ea typeface="맑은 고딕" panose="020B0503020000020004" pitchFamily="50" charset="-127"/>
+              </a:rPr>
+              <a:t> 될 수 있도록 계속 시도</a:t>
+            </a:r>
+            <a:endParaRPr lang="en-US" altLang="ko-KR" sz="1400" dirty="0">
+              <a:solidFill>
+                <a:prstClr val="black"/>
+              </a:solidFill>
+              <a:latin typeface="+mj-lt"/>
+              <a:ea typeface="맑은 고딕" panose="020B0503020000020004" pitchFamily="50" charset="-127"/>
+            </a:endParaRPr>
+          </a:p>
+          <a:p>
+            <a:pPr defTabSz="1038977">
+              <a:lnSpc>
+                <a:spcPct val="150000"/>
+              </a:lnSpc>
+            </a:pPr>
+            <a:r>
+              <a:rPr lang="en-US" altLang="ko-KR" sz="1400" dirty="0">
+                <a:solidFill>
+                  <a:prstClr val="black"/>
+                </a:solidFill>
+                <a:latin typeface="+mj-lt"/>
+                <a:ea typeface="맑은 고딕" panose="020B0503020000020004" pitchFamily="50" charset="-127"/>
+              </a:rPr>
+              <a:t> . </a:t>
+            </a:r>
+            <a:r>
+              <a:rPr lang="ko-KR" altLang="en-US" sz="1400" dirty="0">
+                <a:solidFill>
+                  <a:prstClr val="black"/>
+                </a:solidFill>
+                <a:latin typeface="+mj-lt"/>
+                <a:ea typeface="맑은 고딕" panose="020B0503020000020004" pitchFamily="50" charset="-127"/>
+              </a:rPr>
+              <a:t>각자 사용하는 언어</a:t>
+            </a:r>
+            <a:r>
+              <a:rPr lang="en-US" altLang="ko-KR" sz="1400" dirty="0">
+                <a:solidFill>
+                  <a:prstClr val="black"/>
+                </a:solidFill>
+                <a:latin typeface="+mj-lt"/>
+                <a:ea typeface="맑은 고딕" panose="020B0503020000020004" pitchFamily="50" charset="-127"/>
+              </a:rPr>
+              <a:t>/</a:t>
+            </a:r>
+            <a:r>
+              <a:rPr lang="ko-KR" altLang="en-US" sz="1400" dirty="0">
+                <a:solidFill>
+                  <a:prstClr val="black"/>
+                </a:solidFill>
+                <a:latin typeface="+mj-lt"/>
+                <a:ea typeface="맑은 고딕" panose="020B0503020000020004" pitchFamily="50" charset="-127"/>
+              </a:rPr>
+              <a:t>도구에서 교육에서 배운 내용을 </a:t>
+            </a:r>
+            <a:endParaRPr lang="en-US" altLang="ko-KR" sz="1400" dirty="0">
+              <a:solidFill>
+                <a:prstClr val="black"/>
+              </a:solidFill>
+              <a:latin typeface="+mj-lt"/>
+              <a:ea typeface="맑은 고딕" panose="020B0503020000020004" pitchFamily="50" charset="-127"/>
+            </a:endParaRPr>
+          </a:p>
+          <a:p>
+            <a:pPr defTabSz="1038977">
+              <a:lnSpc>
+                <a:spcPct val="150000"/>
+              </a:lnSpc>
+            </a:pPr>
+            <a:r>
+              <a:rPr lang="en-US" altLang="ko-KR" sz="1400" dirty="0">
+                <a:solidFill>
+                  <a:prstClr val="black"/>
+                </a:solidFill>
+                <a:latin typeface="+mj-lt"/>
+                <a:ea typeface="맑은 고딕" panose="020B0503020000020004" pitchFamily="50" charset="-127"/>
+              </a:rPr>
+              <a:t>   </a:t>
+            </a:r>
+            <a:r>
+              <a:rPr lang="ko-KR" altLang="en-US" sz="1400" dirty="0">
+                <a:solidFill>
+                  <a:prstClr val="black"/>
+                </a:solidFill>
+                <a:latin typeface="+mj-lt"/>
+                <a:ea typeface="맑은 고딕" panose="020B0503020000020004" pitchFamily="50" charset="-127"/>
+              </a:rPr>
+              <a:t>활용할 수 있는 </a:t>
+            </a:r>
+            <a:r>
+              <a:rPr lang="ko-KR" altLang="en-US" sz="1400" dirty="0">
+                <a:solidFill>
+                  <a:srgbClr val="0000FF"/>
+                </a:solidFill>
+                <a:latin typeface="+mj-lt"/>
+                <a:ea typeface="맑은 고딕" panose="020B0503020000020004" pitchFamily="50" charset="-127"/>
+              </a:rPr>
+              <a:t>모듈</a:t>
+            </a:r>
+            <a:r>
+              <a:rPr lang="en-US" altLang="ko-KR" sz="1400" dirty="0">
+                <a:solidFill>
+                  <a:srgbClr val="0000FF"/>
+                </a:solidFill>
+                <a:latin typeface="+mj-lt"/>
+                <a:ea typeface="맑은 고딕" panose="020B0503020000020004" pitchFamily="50" charset="-127"/>
+              </a:rPr>
+              <a:t>/</a:t>
+            </a:r>
+            <a:r>
+              <a:rPr lang="ko-KR" altLang="en-US" sz="1400" dirty="0">
+                <a:solidFill>
+                  <a:srgbClr val="0000FF"/>
+                </a:solidFill>
+                <a:latin typeface="+mj-lt"/>
+                <a:ea typeface="맑은 고딕" panose="020B0503020000020004" pitchFamily="50" charset="-127"/>
+              </a:rPr>
+              <a:t>라이브러리가 있는지 지속적으로 공부</a:t>
+            </a:r>
+          </a:p>
+          <a:p>
+            <a:pPr defTabSz="1038977">
+              <a:lnSpc>
+                <a:spcPct val="150000"/>
+              </a:lnSpc>
+            </a:pPr>
+            <a:r>
+              <a:rPr lang="en-US" altLang="ko-KR" sz="1400" dirty="0">
+                <a:solidFill>
+                  <a:prstClr val="black"/>
+                </a:solidFill>
+                <a:latin typeface="+mj-lt"/>
+                <a:ea typeface="맑은 고딕" panose="020B0503020000020004" pitchFamily="50" charset="-127"/>
+              </a:rPr>
+              <a:t> . </a:t>
+            </a:r>
+            <a:r>
+              <a:rPr lang="en-US" altLang="ko-KR" sz="1400" dirty="0">
+                <a:solidFill>
+                  <a:srgbClr val="0000FF"/>
+                </a:solidFill>
+                <a:latin typeface="+mj-lt"/>
+                <a:ea typeface="맑은 고딕" panose="020B0503020000020004" pitchFamily="50" charset="-127"/>
+              </a:rPr>
+              <a:t>Refactoring</a:t>
+            </a:r>
+            <a:r>
+              <a:rPr lang="ko-KR" altLang="en-US" sz="1400" dirty="0">
+                <a:solidFill>
+                  <a:srgbClr val="0000FF"/>
+                </a:solidFill>
+                <a:latin typeface="+mj-lt"/>
+                <a:ea typeface="맑은 고딕" panose="020B0503020000020004" pitchFamily="50" charset="-127"/>
+              </a:rPr>
+              <a:t> 꾸준히 </a:t>
+            </a:r>
+            <a:r>
+              <a:rPr lang="ko-KR" altLang="en-US" sz="1400" dirty="0">
+                <a:solidFill>
+                  <a:prstClr val="black"/>
+                </a:solidFill>
+                <a:latin typeface="+mj-lt"/>
+                <a:ea typeface="맑은 고딕" panose="020B0503020000020004" pitchFamily="50" charset="-127"/>
+              </a:rPr>
+              <a:t>생각하고 시도</a:t>
+            </a:r>
+            <a:endParaRPr lang="en-US" altLang="ko-KR" sz="1400" dirty="0">
+              <a:solidFill>
+                <a:prstClr val="black"/>
+              </a:solidFill>
+              <a:latin typeface="+mj-lt"/>
+              <a:ea typeface="맑은 고딕" panose="020B0503020000020004" pitchFamily="50" charset="-127"/>
+            </a:endParaRPr>
+          </a:p>
+          <a:p>
+            <a:pPr defTabSz="1038977">
+              <a:lnSpc>
+                <a:spcPct val="150000"/>
+              </a:lnSpc>
+            </a:pPr>
+            <a:r>
+              <a:rPr lang="en-US" altLang="ko-KR" sz="1400" dirty="0">
+                <a:solidFill>
+                  <a:prstClr val="black"/>
+                </a:solidFill>
+                <a:latin typeface="+mj-lt"/>
+                <a:ea typeface="맑은 고딕" panose="020B0503020000020004" pitchFamily="50" charset="-127"/>
+              </a:rPr>
+              <a:t> . Commit/PR </a:t>
+            </a:r>
+            <a:r>
+              <a:rPr lang="ko-KR" altLang="en-US" sz="1400" dirty="0">
+                <a:solidFill>
+                  <a:prstClr val="black"/>
+                </a:solidFill>
+                <a:latin typeface="+mj-lt"/>
+                <a:ea typeface="맑은 고딕" panose="020B0503020000020004" pitchFamily="50" charset="-127"/>
+              </a:rPr>
+              <a:t>단위 및 </a:t>
+            </a:r>
+            <a:r>
+              <a:rPr lang="en-US" altLang="ko-KR" sz="1400" dirty="0">
+                <a:solidFill>
+                  <a:prstClr val="black"/>
+                </a:solidFill>
+                <a:latin typeface="+mj-lt"/>
+                <a:ea typeface="맑은 고딕" panose="020B0503020000020004" pitchFamily="50" charset="-127"/>
+              </a:rPr>
+              <a:t>Merge</a:t>
+            </a:r>
+            <a:r>
+              <a:rPr lang="ko-KR" altLang="en-US" sz="1400" dirty="0">
+                <a:solidFill>
+                  <a:prstClr val="black"/>
+                </a:solidFill>
+                <a:latin typeface="+mj-lt"/>
+                <a:ea typeface="맑은 고딕" panose="020B0503020000020004" pitchFamily="50" charset="-127"/>
+              </a:rPr>
+              <a:t>등 </a:t>
+            </a:r>
+            <a:r>
+              <a:rPr lang="en-US" altLang="ko-KR" sz="1400" dirty="0">
+                <a:solidFill>
+                  <a:srgbClr val="0000FF"/>
+                </a:solidFill>
+                <a:latin typeface="+mj-lt"/>
+                <a:ea typeface="맑은 고딕" panose="020B0503020000020004" pitchFamily="50" charset="-127"/>
+              </a:rPr>
+              <a:t>Code Review </a:t>
+            </a:r>
+            <a:r>
+              <a:rPr lang="ko-KR" altLang="en-US" sz="1400" dirty="0">
+                <a:solidFill>
+                  <a:srgbClr val="0000FF"/>
+                </a:solidFill>
+                <a:latin typeface="+mj-lt"/>
+                <a:ea typeface="맑은 고딕" panose="020B0503020000020004" pitchFamily="50" charset="-127"/>
+              </a:rPr>
+              <a:t>정책</a:t>
+            </a:r>
+            <a:r>
+              <a:rPr lang="ko-KR" altLang="en-US" sz="1400" dirty="0">
+                <a:solidFill>
+                  <a:prstClr val="black"/>
+                </a:solidFill>
+                <a:latin typeface="+mj-lt"/>
+                <a:ea typeface="맑은 고딕" panose="020B0503020000020004" pitchFamily="50" charset="-127"/>
+              </a:rPr>
+              <a:t>을 정하여</a:t>
+            </a:r>
+          </a:p>
+          <a:p>
+            <a:pPr defTabSz="1038977">
+              <a:lnSpc>
+                <a:spcPct val="150000"/>
+              </a:lnSpc>
+            </a:pPr>
+            <a:r>
+              <a:rPr lang="ko-KR" altLang="en-US" sz="1400" dirty="0">
+                <a:solidFill>
+                  <a:prstClr val="black"/>
+                </a:solidFill>
+                <a:latin typeface="+mj-lt"/>
+                <a:ea typeface="맑은 고딕" panose="020B0503020000020004" pitchFamily="50" charset="-127"/>
+              </a:rPr>
+              <a:t>    효율적으로 개발하며</a:t>
+            </a:r>
+            <a:r>
+              <a:rPr lang="en-US" altLang="ko-KR" sz="1400" dirty="0">
+                <a:solidFill>
+                  <a:prstClr val="black"/>
+                </a:solidFill>
+                <a:latin typeface="+mj-lt"/>
+                <a:ea typeface="맑은 고딕" panose="020B0503020000020004" pitchFamily="50" charset="-127"/>
+              </a:rPr>
+              <a:t>, </a:t>
+            </a:r>
+            <a:r>
+              <a:rPr lang="ko-KR" altLang="en-US" sz="1400" dirty="0">
+                <a:solidFill>
+                  <a:prstClr val="black"/>
+                </a:solidFill>
+                <a:latin typeface="+mj-lt"/>
+                <a:ea typeface="맑은 고딕" panose="020B0503020000020004" pitchFamily="50" charset="-127"/>
+              </a:rPr>
+              <a:t>양질의 코드를 만들자</a:t>
+            </a:r>
+            <a:endParaRPr lang="en-US" altLang="ko-KR" sz="1400" dirty="0">
+              <a:solidFill>
+                <a:prstClr val="black"/>
+              </a:solidFill>
+              <a:latin typeface="+mj-lt"/>
+              <a:ea typeface="맑은 고딕" panose="020B0503020000020004" pitchFamily="50" charset="-127"/>
+            </a:endParaRPr>
+          </a:p>
+        </p:txBody>
+      </p:sp>
+      <p:sp>
+        <p:nvSpPr>
+          <p:cNvPr id="2" name="사각형: 둥근 모서리 1">
+            <a:extLst>
+              <a:ext uri="{FF2B5EF4-FFF2-40B4-BE49-F238E27FC236}">
+                <a16:creationId xmlns:a16="http://schemas.microsoft.com/office/drawing/2014/main" id="{469CF4CC-DCF5-4F2C-BEA8-C7C9398D6865}"/>
+              </a:ext>
+            </a:extLst>
+          </p:cNvPr>
+          <p:cNvSpPr/>
+          <p:nvPr/>
+        </p:nvSpPr>
+        <p:spPr>
+          <a:xfrm>
+            <a:off x="309880" y="3779520"/>
+            <a:ext cx="2219960" cy="2760810"/>
+          </a:xfrm>
+          <a:prstGeom prst="roundRect">
+            <a:avLst/>
+          </a:prstGeom>
+          <a:noFill/>
+          <a:ln>
+            <a:solidFill>
+              <a:schemeClr val="accent6">
+                <a:lumMod val="60000"/>
+                <a:lumOff val="40000"/>
+              </a:schemeClr>
+            </a:solidFill>
+            <a:prstDash val="sysDot"/>
+          </a:ln>
+        </p:spPr>
+        <p:style>
+          <a:lnRef idx="2">
+            <a:schemeClr val="accent1">
+              <a:shade val="50000"/>
+            </a:schemeClr>
+          </a:lnRef>
+          <a:fillRef idx="1">
+            <a:schemeClr val="accent1"/>
+          </a:fillRef>
+          <a:effectRef idx="0">
+            <a:schemeClr val="accent1"/>
+          </a:effectRef>
+          <a:fontRef idx="minor">
+            <a:schemeClr val="lt1"/>
+          </a:fontRef>
+        </p:style>
+        <p:txBody>
+          <a:bodyPr rtlCol="0" anchor="ctr"/>
+          <a:lstStyle/>
+          <a:p>
+            <a:pPr algn="ctr"/>
+            <a:endParaRPr lang="ko-KR" altLang="en-US" dirty="0"/>
+          </a:p>
+        </p:txBody>
+      </p:sp>
+      <p:sp>
+        <p:nvSpPr>
+          <p:cNvPr id="3" name="직사각형 2">
+            <a:extLst>
+              <a:ext uri="{FF2B5EF4-FFF2-40B4-BE49-F238E27FC236}">
+                <a16:creationId xmlns:a16="http://schemas.microsoft.com/office/drawing/2014/main" id="{85CBB1E9-69DF-4A51-AA24-9184907C4E13}"/>
+              </a:ext>
+            </a:extLst>
+          </p:cNvPr>
+          <p:cNvSpPr/>
+          <p:nvPr/>
+        </p:nvSpPr>
+        <p:spPr>
+          <a:xfrm>
+            <a:off x="805797" y="3640773"/>
+            <a:ext cx="1228126" cy="277494"/>
+          </a:xfrm>
+          <a:prstGeom prst="rect">
+            <a:avLst/>
+          </a:prstGeom>
+          <a:solidFill>
+            <a:schemeClr val="accent6">
+              <a:lumMod val="40000"/>
+              <a:lumOff val="60000"/>
+            </a:schemeClr>
+          </a:solidFill>
+          <a:ln>
+            <a:noFill/>
+          </a:ln>
+        </p:spPr>
+        <p:style>
+          <a:lnRef idx="2">
+            <a:schemeClr val="accent1">
+              <a:shade val="50000"/>
+            </a:schemeClr>
+          </a:lnRef>
+          <a:fillRef idx="1">
+            <a:schemeClr val="accent1"/>
+          </a:fillRef>
+          <a:effectRef idx="0">
+            <a:schemeClr val="accent1"/>
+          </a:effectRef>
+          <a:fontRef idx="minor">
+            <a:schemeClr val="lt1"/>
+          </a:fontRef>
+        </p:style>
+        <p:txBody>
+          <a:bodyPr wrap="none" lIns="0" tIns="0" rIns="0" bIns="0" rtlCol="0" anchor="ctr"/>
+          <a:lstStyle/>
+          <a:p>
+            <a:pPr algn="ctr"/>
+            <a:r>
+              <a:rPr lang="en-US" altLang="ko-KR" sz="1600" b="1" dirty="0">
+                <a:solidFill>
+                  <a:schemeClr val="tx1"/>
+                </a:solidFill>
+              </a:rPr>
+              <a:t>Keep</a:t>
+            </a:r>
+            <a:endParaRPr lang="ko-KR" altLang="en-US" sz="1600" b="1" dirty="0">
+              <a:solidFill>
+                <a:schemeClr val="tx1"/>
+              </a:solidFill>
+            </a:endParaRPr>
+          </a:p>
+        </p:txBody>
+      </p:sp>
+      <p:sp>
+        <p:nvSpPr>
+          <p:cNvPr id="14" name="사각형: 둥근 모서리 13">
+            <a:extLst>
+              <a:ext uri="{FF2B5EF4-FFF2-40B4-BE49-F238E27FC236}">
+                <a16:creationId xmlns:a16="http://schemas.microsoft.com/office/drawing/2014/main" id="{DBDD2BF0-3D21-4022-B856-FF05792762AB}"/>
+              </a:ext>
+            </a:extLst>
+          </p:cNvPr>
+          <p:cNvSpPr/>
+          <p:nvPr/>
+        </p:nvSpPr>
+        <p:spPr>
+          <a:xfrm>
+            <a:off x="2691166" y="3779520"/>
+            <a:ext cx="3745193" cy="2760810"/>
+          </a:xfrm>
+          <a:prstGeom prst="roundRect">
+            <a:avLst/>
+          </a:prstGeom>
+          <a:noFill/>
+          <a:ln>
+            <a:solidFill>
+              <a:schemeClr val="accent6">
+                <a:lumMod val="60000"/>
+                <a:lumOff val="40000"/>
+              </a:schemeClr>
+            </a:solidFill>
+            <a:prstDash val="sysDot"/>
+          </a:ln>
+        </p:spPr>
+        <p:style>
+          <a:lnRef idx="2">
+            <a:schemeClr val="accent1">
+              <a:shade val="50000"/>
+            </a:schemeClr>
+          </a:lnRef>
+          <a:fillRef idx="1">
+            <a:schemeClr val="accent1"/>
+          </a:fillRef>
+          <a:effectRef idx="0">
+            <a:schemeClr val="accent1"/>
+          </a:effectRef>
+          <a:fontRef idx="minor">
+            <a:schemeClr val="lt1"/>
+          </a:fontRef>
+        </p:style>
+        <p:txBody>
+          <a:bodyPr rtlCol="0" anchor="ctr"/>
+          <a:lstStyle/>
+          <a:p>
+            <a:pPr algn="ctr"/>
+            <a:endParaRPr lang="ko-KR" altLang="en-US" dirty="0"/>
+          </a:p>
+        </p:txBody>
+      </p:sp>
+      <p:sp>
+        <p:nvSpPr>
+          <p:cNvPr id="15" name="직사각형 14">
+            <a:extLst>
+              <a:ext uri="{FF2B5EF4-FFF2-40B4-BE49-F238E27FC236}">
+                <a16:creationId xmlns:a16="http://schemas.microsoft.com/office/drawing/2014/main" id="{D7D95667-A870-4223-8887-8A62D237CE36}"/>
+              </a:ext>
+            </a:extLst>
+          </p:cNvPr>
+          <p:cNvSpPr/>
+          <p:nvPr/>
+        </p:nvSpPr>
+        <p:spPr>
+          <a:xfrm>
+            <a:off x="3840480" y="3640773"/>
+            <a:ext cx="1228126" cy="277494"/>
+          </a:xfrm>
+          <a:prstGeom prst="rect">
+            <a:avLst/>
+          </a:prstGeom>
+          <a:solidFill>
+            <a:schemeClr val="accent6">
+              <a:lumMod val="40000"/>
+              <a:lumOff val="60000"/>
+            </a:schemeClr>
+          </a:solidFill>
+          <a:ln>
+            <a:noFill/>
+          </a:ln>
+        </p:spPr>
+        <p:style>
+          <a:lnRef idx="2">
+            <a:schemeClr val="accent1">
+              <a:shade val="50000"/>
+            </a:schemeClr>
+          </a:lnRef>
+          <a:fillRef idx="1">
+            <a:schemeClr val="accent1"/>
+          </a:fillRef>
+          <a:effectRef idx="0">
+            <a:schemeClr val="accent1"/>
+          </a:effectRef>
+          <a:fontRef idx="minor">
+            <a:schemeClr val="lt1"/>
+          </a:fontRef>
+        </p:style>
+        <p:txBody>
+          <a:bodyPr wrap="none" lIns="0" tIns="0" rIns="0" bIns="0" rtlCol="0" anchor="ctr"/>
+          <a:lstStyle/>
+          <a:p>
+            <a:pPr algn="ctr"/>
+            <a:r>
+              <a:rPr lang="en-US" altLang="ko-KR" sz="1600" b="1" dirty="0">
+                <a:solidFill>
+                  <a:schemeClr val="tx1"/>
+                </a:solidFill>
+              </a:rPr>
+              <a:t>Problem</a:t>
+            </a:r>
+            <a:endParaRPr lang="ko-KR" altLang="en-US" sz="1600" b="1" dirty="0">
+              <a:solidFill>
+                <a:schemeClr val="tx1"/>
+              </a:solidFill>
+            </a:endParaRPr>
+          </a:p>
+        </p:txBody>
+      </p:sp>
+      <p:sp>
+        <p:nvSpPr>
+          <p:cNvPr id="16" name="사각형: 둥근 모서리 15">
+            <a:extLst>
+              <a:ext uri="{FF2B5EF4-FFF2-40B4-BE49-F238E27FC236}">
+                <a16:creationId xmlns:a16="http://schemas.microsoft.com/office/drawing/2014/main" id="{8417AC42-C6BA-4781-A649-A446B14D76AA}"/>
+              </a:ext>
+            </a:extLst>
+          </p:cNvPr>
+          <p:cNvSpPr/>
+          <p:nvPr/>
+        </p:nvSpPr>
+        <p:spPr>
+          <a:xfrm>
+            <a:off x="6602767" y="3779519"/>
+            <a:ext cx="5279353" cy="2760805"/>
+          </a:xfrm>
+          <a:prstGeom prst="roundRect">
+            <a:avLst/>
+          </a:prstGeom>
+          <a:noFill/>
+          <a:ln>
+            <a:solidFill>
+              <a:schemeClr val="accent6">
+                <a:lumMod val="60000"/>
+                <a:lumOff val="40000"/>
+              </a:schemeClr>
+            </a:solidFill>
+            <a:prstDash val="sysDot"/>
+          </a:ln>
+        </p:spPr>
+        <p:style>
+          <a:lnRef idx="2">
+            <a:schemeClr val="accent1">
+              <a:shade val="50000"/>
+            </a:schemeClr>
+          </a:lnRef>
+          <a:fillRef idx="1">
+            <a:schemeClr val="accent1"/>
+          </a:fillRef>
+          <a:effectRef idx="0">
+            <a:schemeClr val="accent1"/>
+          </a:effectRef>
+          <a:fontRef idx="minor">
+            <a:schemeClr val="lt1"/>
+          </a:fontRef>
+        </p:style>
+        <p:txBody>
+          <a:bodyPr rtlCol="0" anchor="ctr"/>
+          <a:lstStyle/>
+          <a:p>
+            <a:pPr algn="ctr"/>
+            <a:endParaRPr lang="ko-KR" altLang="en-US" dirty="0"/>
+          </a:p>
+        </p:txBody>
+      </p:sp>
+      <p:sp>
+        <p:nvSpPr>
+          <p:cNvPr id="17" name="직사각형 16">
+            <a:extLst>
+              <a:ext uri="{FF2B5EF4-FFF2-40B4-BE49-F238E27FC236}">
+                <a16:creationId xmlns:a16="http://schemas.microsoft.com/office/drawing/2014/main" id="{C6BA324D-AC38-4EF6-AE7B-42DB1F8F273D}"/>
+              </a:ext>
+            </a:extLst>
+          </p:cNvPr>
+          <p:cNvSpPr/>
+          <p:nvPr/>
+        </p:nvSpPr>
+        <p:spPr>
+          <a:xfrm>
+            <a:off x="8628380" y="3640773"/>
+            <a:ext cx="1228126" cy="277494"/>
+          </a:xfrm>
+          <a:prstGeom prst="rect">
+            <a:avLst/>
+          </a:prstGeom>
+          <a:solidFill>
+            <a:schemeClr val="accent6">
+              <a:lumMod val="40000"/>
+              <a:lumOff val="60000"/>
+            </a:schemeClr>
+          </a:solidFill>
+          <a:ln>
+            <a:noFill/>
+          </a:ln>
+        </p:spPr>
+        <p:style>
+          <a:lnRef idx="2">
+            <a:schemeClr val="accent1">
+              <a:shade val="50000"/>
+            </a:schemeClr>
+          </a:lnRef>
+          <a:fillRef idx="1">
+            <a:schemeClr val="accent1"/>
+          </a:fillRef>
+          <a:effectRef idx="0">
+            <a:schemeClr val="accent1"/>
+          </a:effectRef>
+          <a:fontRef idx="minor">
+            <a:schemeClr val="lt1"/>
+          </a:fontRef>
+        </p:style>
+        <p:txBody>
+          <a:bodyPr wrap="none" lIns="0" tIns="0" rIns="0" bIns="0" rtlCol="0" anchor="ctr"/>
+          <a:lstStyle/>
+          <a:p>
+            <a:pPr algn="ctr"/>
+            <a:r>
+              <a:rPr lang="en-US" altLang="ko-KR" sz="1600" b="1" dirty="0">
+                <a:solidFill>
+                  <a:schemeClr val="tx1"/>
+                </a:solidFill>
+              </a:rPr>
+              <a:t>Try</a:t>
+            </a:r>
+            <a:endParaRPr lang="ko-KR" altLang="en-US" sz="1600" b="1" dirty="0">
+              <a:solidFill>
+                <a:schemeClr val="tx1"/>
+              </a:solidFill>
+            </a:endParaRPr>
+          </a:p>
+        </p:txBody>
+      </p:sp>
+    </p:spTree>
+    <p:extLst>
+      <p:ext uri="{BB962C8B-B14F-4D97-AF65-F5344CB8AC3E}">
+        <p14:creationId xmlns:p14="http://schemas.microsoft.com/office/powerpoint/2010/main" val="1895717775"/>
+      </p:ext>
+    </p:extLst>
+  </p:cSld>
+  <p:clrMapOvr>
+    <a:masterClrMapping/>
+  </p:clrMapOvr>
+</p:sld>
+</file>
+
+<file path=ppt/slides/slide15.xml><?xml version="1.0" encoding="utf-8"?>
 <p:sld xmlns:a="http://schemas.openxmlformats.org/drawingml/2006/main" xmlns:r="http://schemas.openxmlformats.org/officeDocument/2006/relationships" xmlns:p="http://schemas.openxmlformats.org/presentationml/2006/main">
   <p:cSld>
     <p:spTree>
@@ -5766,7 +7586,7 @@
               </a:lnSpc>
             </a:pPr>
             <a:r>
-              <a:rPr lang="ko-KR" altLang="en-US" sz="8800" b="1" dirty="0">
+              <a:rPr lang="ko-KR" altLang="en-US" sz="6000" b="1" dirty="0">
                 <a:solidFill>
                   <a:prstClr val="black"/>
                 </a:solidFill>
@@ -5776,7 +7596,7 @@
               <a:t>감사합니다</a:t>
             </a:r>
             <a:r>
-              <a:rPr lang="en-US" altLang="ko-KR" sz="8800" b="1">
+              <a:rPr lang="en-US" altLang="ko-KR" sz="6000" b="1" dirty="0">
                 <a:solidFill>
                   <a:prstClr val="black"/>
                 </a:solidFill>
@@ -5785,7 +7605,7 @@
               </a:rPr>
               <a:t>.</a:t>
             </a:r>
-            <a:endParaRPr lang="en-US" altLang="ko-KR" sz="8800" b="1" dirty="0">
+            <a:endParaRPr lang="en-US" altLang="ko-KR" sz="6000" b="1" dirty="0">
               <a:solidFill>
                 <a:srgbClr val="0000FF"/>
               </a:solidFill>
@@ -5808,7 +7628,7 @@
 </p:sld>
 </file>
 
-<file path=ppt/slides/slide15.xml><?xml version="1.0" encoding="utf-8"?>
+<file path=ppt/slides/slide16.xml><?xml version="1.0" encoding="utf-8"?>
 <p:sld xmlns:a="http://schemas.openxmlformats.org/drawingml/2006/main" xmlns:r="http://schemas.openxmlformats.org/officeDocument/2006/relationships" xmlns:p="http://schemas.openxmlformats.org/presentationml/2006/main">
   <p:cSld>
     <p:spTree>
@@ -7379,7 +9199,7 @@
 </p:sld>
 </file>
 
-<file path=ppt/slides/slide16.xml><?xml version="1.0" encoding="utf-8"?>
+<file path=ppt/slides/slide17.xml><?xml version="1.0" encoding="utf-8"?>
 <p:sld xmlns:a="http://schemas.openxmlformats.org/drawingml/2006/main" xmlns:r="http://schemas.openxmlformats.org/officeDocument/2006/relationships" xmlns:p="http://schemas.openxmlformats.org/presentationml/2006/main">
   <p:cSld>
     <p:spTree>
@@ -9297,15 +11117,82 @@
               <a:t>| </a:t>
             </a:r>
             <a:r>
-              <a:rPr lang="ko-KR" altLang="en-US" sz="2400" dirty="0">
+              <a:rPr lang="en-US" altLang="ko-KR" sz="2400" dirty="0">
                 <a:solidFill>
                   <a:prstClr val="black"/>
                 </a:solidFill>
                 <a:latin typeface="HY견고딕" panose="02030600000101010101" pitchFamily="18" charset="-127"/>
                 <a:ea typeface="HY견고딕" panose="02030600000101010101" pitchFamily="18" charset="-127"/>
               </a:rPr>
-              <a:t>개요</a:t>
-            </a:r>
+              <a:t>We</a:t>
+            </a:r>
+            <a:r>
+              <a:rPr lang="ko-KR" altLang="en-US" sz="2400" dirty="0">
+                <a:solidFill>
+                  <a:prstClr val="black"/>
+                </a:solidFill>
+                <a:latin typeface="HY견고딕" panose="02030600000101010101" pitchFamily="18" charset="-127"/>
+                <a:ea typeface="HY견고딕" panose="02030600000101010101" pitchFamily="18" charset="-127"/>
+              </a:rPr>
+              <a:t> </a:t>
+            </a:r>
+            <a:r>
+              <a:rPr lang="en-US" altLang="ko-KR" sz="2400" dirty="0">
+                <a:solidFill>
+                  <a:prstClr val="black"/>
+                </a:solidFill>
+                <a:latin typeface="HY견고딕" panose="02030600000101010101" pitchFamily="18" charset="-127"/>
+                <a:ea typeface="HY견고딕" panose="02030600000101010101" pitchFamily="18" charset="-127"/>
+              </a:rPr>
+              <a:t>are</a:t>
+            </a:r>
+            <a:r>
+              <a:rPr lang="ko-KR" altLang="en-US" sz="2400" dirty="0">
+                <a:solidFill>
+                  <a:prstClr val="black"/>
+                </a:solidFill>
+                <a:latin typeface="HY견고딕" panose="02030600000101010101" pitchFamily="18" charset="-127"/>
+                <a:ea typeface="HY견고딕" panose="02030600000101010101" pitchFamily="18" charset="-127"/>
+              </a:rPr>
+              <a:t> </a:t>
+            </a:r>
+            <a:r>
+              <a:rPr lang="en-US" altLang="ko-KR" sz="2400" dirty="0">
+                <a:solidFill>
+                  <a:prstClr val="black"/>
+                </a:solidFill>
+                <a:latin typeface="HY견고딕" panose="02030600000101010101" pitchFamily="18" charset="-127"/>
+                <a:ea typeface="HY견고딕" panose="02030600000101010101" pitchFamily="18" charset="-127"/>
+              </a:rPr>
+              <a:t>the</a:t>
+            </a:r>
+            <a:r>
+              <a:rPr lang="ko-KR" altLang="en-US" sz="2400" dirty="0">
+                <a:solidFill>
+                  <a:prstClr val="black"/>
+                </a:solidFill>
+                <a:latin typeface="HY견고딕" panose="02030600000101010101" pitchFamily="18" charset="-127"/>
+                <a:ea typeface="HY견고딕" panose="02030600000101010101" pitchFamily="18" charset="-127"/>
+              </a:rPr>
+              <a:t> </a:t>
+            </a:r>
+            <a:r>
+              <a:rPr lang="en-US" altLang="ko-KR" sz="2400" dirty="0">
+                <a:solidFill>
+                  <a:prstClr val="black"/>
+                </a:solidFill>
+                <a:latin typeface="HY견고딕" panose="02030600000101010101" pitchFamily="18" charset="-127"/>
+                <a:ea typeface="HY견고딕" panose="02030600000101010101" pitchFamily="18" charset="-127"/>
+              </a:rPr>
+              <a:t>TEAM!</a:t>
+            </a:r>
+            <a:endParaRPr lang="ko-KR" altLang="en-US" sz="2400" dirty="0">
+              <a:solidFill>
+                <a:prstClr val="black"/>
+              </a:solidFill>
+              <a:latin typeface="HY견고딕" panose="02030600000101010101" pitchFamily="18" charset="-127"/>
+              <a:ea typeface="HY견고딕" panose="02030600000101010101" pitchFamily="18" charset="-127"/>
+            </a:endParaRPr>
           </a:p>
         </p:txBody>
       </p:sp>
@@ -9317,8 +11204,8 @@
         </p:nvSpPr>
         <p:spPr>
           <a:xfrm>
-            <a:off x="273126" y="1124744"/>
-            <a:ext cx="11273831" cy="4059637"/>
+            <a:off x="273127" y="1124744"/>
+            <a:ext cx="4142120" cy="2116285"/>
           </a:xfrm>
           <a:prstGeom prst="rect">
             <a:avLst/>
@@ -9326,8 +11213,8 @@
           <a:noFill/>
         </p:spPr>
         <p:txBody>
-          <a:bodyPr wrap="square" rtlCol="0">
-            <a:spAutoFit/>
+          <a:bodyPr wrap="none" rtlCol="0">
+            <a:noAutofit/>
           </a:bodyPr>
           <a:lstStyle/>
           <a:p>
@@ -9337,32 +11224,25 @@
               </a:lnSpc>
             </a:pPr>
             <a:r>
-              <a:rPr lang="ko-KR" altLang="en-US" sz="1867" dirty="0">
-                <a:solidFill>
-                  <a:prstClr val="black"/>
-                </a:solidFill>
-                <a:latin typeface="HY견고딕" panose="02030600000101010101" pitchFamily="18" charset="-127"/>
+              <a:rPr lang="ko-KR" altLang="en-US" b="1" dirty="0">
+                <a:solidFill>
+                  <a:prstClr val="black"/>
+                </a:solidFill>
+                <a:latin typeface="+mj-lt"/>
                 <a:ea typeface="HY견고딕" panose="02030600000101010101" pitchFamily="18" charset="-127"/>
               </a:rPr>
-              <a:t>■ 프로젝트를 통해 </a:t>
-            </a:r>
-            <a:r>
-              <a:rPr lang="ko-KR" altLang="en-US" sz="1867" dirty="0" err="1">
-                <a:solidFill>
-                  <a:prstClr val="black"/>
-                </a:solidFill>
-                <a:latin typeface="HY견고딕" panose="02030600000101010101" pitchFamily="18" charset="-127"/>
+              <a:t>■ </a:t>
+            </a:r>
+            <a:r>
+              <a:rPr lang="en-US" altLang="ko-KR" b="1" dirty="0">
+                <a:solidFill>
+                  <a:prstClr val="black"/>
+                </a:solidFill>
+                <a:latin typeface="+mj-lt"/>
                 <a:ea typeface="HY견고딕" panose="02030600000101010101" pitchFamily="18" charset="-127"/>
               </a:rPr>
-              <a:t>배운점</a:t>
-            </a:r>
-            <a:endParaRPr lang="en-US" altLang="ko-KR" sz="1867" dirty="0">
-              <a:solidFill>
-                <a:prstClr val="black"/>
-              </a:solidFill>
-              <a:latin typeface="HY견고딕" panose="02030600000101010101" pitchFamily="18" charset="-127"/>
-              <a:ea typeface="HY견고딕" panose="02030600000101010101" pitchFamily="18" charset="-127"/>
-            </a:endParaRPr>
+              <a:t>Ground Rule</a:t>
+            </a:r>
           </a:p>
           <a:p>
             <a:pPr defTabSz="1038977">
@@ -9371,61 +11251,35 @@
               </a:lnSpc>
             </a:pPr>
             <a:r>
-              <a:rPr lang="en-US" altLang="ko-KR" sz="1867" dirty="0">
-                <a:solidFill>
-                  <a:prstClr val="black"/>
-                </a:solidFill>
-                <a:latin typeface="맑은 고딕" panose="020B0503020000020004" pitchFamily="50" charset="-127"/>
-                <a:ea typeface="맑은 고딕" panose="020B0503020000020004" pitchFamily="50" charset="-127"/>
-              </a:rPr>
-              <a:t>    - </a:t>
-            </a:r>
-            <a:r>
-              <a:rPr lang="en-US" altLang="ko-KR" sz="1867" dirty="0">
-                <a:solidFill>
-                  <a:srgbClr val="0000FF"/>
-                </a:solidFill>
-                <a:latin typeface="맑은 고딕" panose="020B0503020000020004" pitchFamily="50" charset="-127"/>
-                <a:ea typeface="맑은 고딕" panose="020B0503020000020004" pitchFamily="50" charset="-127"/>
-              </a:rPr>
-              <a:t>Clean Code, </a:t>
-            </a:r>
-            <a:r>
-              <a:rPr lang="en-US" altLang="ko-KR" sz="1867" dirty="0">
-                <a:solidFill>
-                  <a:srgbClr val="0000FF"/>
-                </a:solidFill>
-                <a:latin typeface="맑은 고딕" panose="020B0503020000020004" pitchFamily="50" charset="-127"/>
-              </a:rPr>
-              <a:t>TDD, Refactoring</a:t>
-            </a:r>
-            <a:r>
-              <a:rPr lang="en-US" altLang="ko-KR" sz="1867" dirty="0">
-                <a:solidFill>
-                  <a:srgbClr val="0000FF"/>
-                </a:solidFill>
-                <a:latin typeface="맑은 고딕" panose="020B0503020000020004" pitchFamily="50" charset="-127"/>
-                <a:ea typeface="맑은 고딕" panose="020B0503020000020004" pitchFamily="50" charset="-127"/>
-              </a:rPr>
-              <a:t>, Secure Coding </a:t>
-            </a:r>
-            <a:r>
-              <a:rPr lang="ko-KR" altLang="en-US" sz="1867" dirty="0">
-                <a:solidFill>
-                  <a:prstClr val="black"/>
-                </a:solidFill>
-                <a:latin typeface="맑은 고딕" panose="020B0503020000020004" pitchFamily="50" charset="-127"/>
-                <a:ea typeface="맑은 고딕" panose="020B0503020000020004" pitchFamily="50" charset="-127"/>
-              </a:rPr>
-              <a:t>등의 지식을 활용한 코드 구현 및 리뷰</a:t>
-            </a:r>
-            <a:endParaRPr lang="en-US" altLang="ko-KR" sz="1867" dirty="0">
-              <a:solidFill>
-                <a:prstClr val="black"/>
-              </a:solidFill>
-              <a:latin typeface="맑은 고딕" panose="020B0503020000020004" pitchFamily="50" charset="-127"/>
-              <a:ea typeface="맑은 고딕" panose="020B0503020000020004" pitchFamily="50" charset="-127"/>
-            </a:endParaRPr>
+              <a:rPr lang="ko-KR" altLang="en-US" sz="1600" dirty="0">
+                <a:solidFill>
+                  <a:prstClr val="black"/>
+                </a:solidFill>
+                <a:latin typeface="+mj-lt"/>
+                <a:ea typeface="맑은 고딕" panose="020B0503020000020004" pitchFamily="50" charset="-127"/>
+              </a:rPr>
+              <a:t> </a:t>
+            </a:r>
+            <a:r>
+              <a:rPr lang="en-US" altLang="ko-KR" sz="1600" dirty="0">
+                <a:solidFill>
+                  <a:prstClr val="black"/>
+                </a:solidFill>
+                <a:latin typeface="+mj-lt"/>
+                <a:ea typeface="맑은 고딕" panose="020B0503020000020004" pitchFamily="50" charset="-127"/>
+              </a:rPr>
+              <a:t>. </a:t>
+            </a:r>
+            <a:r>
+              <a:rPr lang="ko-KR" altLang="en-US" sz="1600" dirty="0">
+                <a:solidFill>
+                  <a:prstClr val="black"/>
+                </a:solidFill>
+                <a:latin typeface="+mj-lt"/>
+                <a:ea typeface="맑은 고딕" panose="020B0503020000020004" pitchFamily="50" charset="-127"/>
+              </a:rPr>
+              <a:t>매일 인사하기</a:t>
+            </a:r>
           </a:p>
           <a:p>
             <a:pPr defTabSz="1038977">
@@ -9434,96 +11288,35 @@
               </a:lnSpc>
             </a:pPr>
             <a:r>
-              <a:rPr lang="en-US" altLang="ko-KR" sz="1867" dirty="0">
-                <a:solidFill>
-                  <a:prstClr val="black"/>
-                </a:solidFill>
-                <a:latin typeface="맑은 고딕" panose="020B0503020000020004" pitchFamily="50" charset="-127"/>
-                <a:ea typeface="맑은 고딕" panose="020B0503020000020004" pitchFamily="50" charset="-127"/>
-              </a:rPr>
-              <a:t>    - Version Control System(</a:t>
-            </a:r>
-            <a:r>
-              <a:rPr lang="en-US" altLang="ko-KR" sz="1867" dirty="0" err="1">
-                <a:solidFill>
-                  <a:prstClr val="black"/>
-                </a:solidFill>
-                <a:latin typeface="맑은 고딕" panose="020B0503020000020004" pitchFamily="50" charset="-127"/>
-                <a:ea typeface="맑은 고딕" panose="020B0503020000020004" pitchFamily="50" charset="-127"/>
-              </a:rPr>
-              <a:t>git,github</a:t>
-            </a:r>
-            <a:r>
-              <a:rPr lang="en-US" altLang="ko-KR" sz="1867" dirty="0">
-                <a:solidFill>
-                  <a:prstClr val="black"/>
-                </a:solidFill>
-                <a:latin typeface="맑은 고딕" panose="020B0503020000020004" pitchFamily="50" charset="-127"/>
-                <a:ea typeface="맑은 고딕" panose="020B0503020000020004" pitchFamily="50" charset="-127"/>
-              </a:rPr>
-              <a:t>)</a:t>
-            </a:r>
-            <a:r>
-              <a:rPr lang="ko-KR" altLang="en-US" sz="1867" dirty="0">
-                <a:solidFill>
-                  <a:prstClr val="black"/>
-                </a:solidFill>
-                <a:latin typeface="맑은 고딕" panose="020B0503020000020004" pitchFamily="50" charset="-127"/>
-                <a:ea typeface="맑은 고딕" panose="020B0503020000020004" pitchFamily="50" charset="-127"/>
-              </a:rPr>
-              <a:t>을 사용하여 </a:t>
-            </a:r>
-            <a:r>
-              <a:rPr lang="ko-KR" altLang="en-US" sz="1867" dirty="0">
-                <a:solidFill>
-                  <a:srgbClr val="0000FF"/>
-                </a:solidFill>
-                <a:latin typeface="맑은 고딕" panose="020B0503020000020004" pitchFamily="50" charset="-127"/>
-                <a:ea typeface="맑은 고딕" panose="020B0503020000020004" pitchFamily="50" charset="-127"/>
-              </a:rPr>
-              <a:t>팀 단위 공유 및 소스 코드 관리 연습</a:t>
-            </a:r>
-            <a:endParaRPr lang="en-US" altLang="ko-KR" sz="1867" dirty="0">
-              <a:solidFill>
-                <a:srgbClr val="0000FF"/>
-              </a:solidFill>
-              <a:latin typeface="맑은 고딕" panose="020B0503020000020004" pitchFamily="50" charset="-127"/>
-              <a:ea typeface="맑은 고딕" panose="020B0503020000020004" pitchFamily="50" charset="-127"/>
-            </a:endParaRPr>
-          </a:p>
-          <a:p>
-            <a:pPr defTabSz="1038977">
-              <a:lnSpc>
-                <a:spcPct val="250000"/>
-              </a:lnSpc>
-            </a:pPr>
-            <a:r>
-              <a:rPr lang="ko-KR" altLang="en-US" sz="1867" b="1" dirty="0">
-                <a:solidFill>
-                  <a:prstClr val="black"/>
-                </a:solidFill>
-                <a:latin typeface="HY견고딕" panose="02030600000101010101" pitchFamily="18" charset="-127"/>
-                <a:ea typeface="HY견고딕" panose="02030600000101010101" pitchFamily="18" charset="-127"/>
-              </a:rPr>
-              <a:t>■ </a:t>
-            </a:r>
-            <a:r>
-              <a:rPr lang="ko-KR" altLang="en-US" sz="1867" b="1" dirty="0">
-                <a:solidFill>
-                  <a:prstClr val="black"/>
-                </a:solidFill>
-                <a:latin typeface="맑은 고딕" panose="020B0503020000020004" pitchFamily="50" charset="-127"/>
-                <a:ea typeface="맑은 고딕" panose="020B0503020000020004" pitchFamily="50" charset="-127"/>
-              </a:rPr>
-              <a:t>팀 구성</a:t>
-            </a:r>
-            <a:endParaRPr lang="en-US" altLang="ko-KR" sz="1867" b="1" dirty="0">
-              <a:solidFill>
-                <a:prstClr val="black"/>
-              </a:solidFill>
-              <a:latin typeface="맑은 고딕" panose="020B0503020000020004" pitchFamily="50" charset="-127"/>
-              <a:ea typeface="맑은 고딕" panose="020B0503020000020004" pitchFamily="50" charset="-127"/>
-            </a:endParaRPr>
+              <a:rPr lang="ko-KR" altLang="en-US" sz="1600" dirty="0">
+                <a:solidFill>
+                  <a:prstClr val="black"/>
+                </a:solidFill>
+                <a:latin typeface="+mj-lt"/>
+                <a:ea typeface="맑은 고딕" panose="020B0503020000020004" pitchFamily="50" charset="-127"/>
+              </a:rPr>
+              <a:t> </a:t>
+            </a:r>
+            <a:r>
+              <a:rPr lang="en-US" altLang="ko-KR" sz="1600" dirty="0">
+                <a:solidFill>
+                  <a:prstClr val="black"/>
+                </a:solidFill>
+                <a:latin typeface="+mj-lt"/>
+                <a:ea typeface="맑은 고딕" panose="020B0503020000020004" pitchFamily="50" charset="-127"/>
+              </a:rPr>
+              <a:t>. </a:t>
+            </a:r>
+            <a:r>
+              <a:rPr lang="ko-KR" altLang="en-US" sz="1600" dirty="0">
+                <a:solidFill>
+                  <a:prstClr val="black"/>
+                </a:solidFill>
+                <a:latin typeface="+mj-lt"/>
+                <a:ea typeface="맑은 고딕" panose="020B0503020000020004" pitchFamily="50" charset="-127"/>
+              </a:rPr>
+              <a:t>힘들어하는 사람 도와 주기</a:t>
+            </a:r>
           </a:p>
           <a:p>
             <a:pPr defTabSz="1038977">
@@ -9532,126 +11325,35 @@
               </a:lnSpc>
             </a:pPr>
             <a:r>
-              <a:rPr lang="en-US" altLang="ko-KR" sz="1867" dirty="0">
-                <a:solidFill>
-                  <a:prstClr val="black"/>
-                </a:solidFill>
-                <a:latin typeface="맑은 고딕" panose="020B0503020000020004" pitchFamily="50" charset="-127"/>
-                <a:ea typeface="맑은 고딕" panose="020B0503020000020004" pitchFamily="50" charset="-127"/>
-              </a:rPr>
-              <a:t>    - </a:t>
-            </a:r>
-            <a:r>
-              <a:rPr lang="ko-KR" altLang="en-US" sz="1867" dirty="0">
-                <a:solidFill>
-                  <a:prstClr val="black"/>
-                </a:solidFill>
-                <a:latin typeface="맑은 고딕" panose="020B0503020000020004" pitchFamily="50" charset="-127"/>
-                <a:ea typeface="맑은 고딕" panose="020B0503020000020004" pitchFamily="50" charset="-127"/>
-              </a:rPr>
-              <a:t>정재웅</a:t>
-            </a:r>
-            <a:r>
-              <a:rPr lang="en-US" altLang="ko-KR" sz="1867" dirty="0">
-                <a:solidFill>
-                  <a:prstClr val="black"/>
-                </a:solidFill>
-                <a:latin typeface="맑은 고딕" panose="020B0503020000020004" pitchFamily="50" charset="-127"/>
-                <a:ea typeface="맑은 고딕" panose="020B0503020000020004" pitchFamily="50" charset="-127"/>
-              </a:rPr>
-              <a:t>, </a:t>
-            </a:r>
-            <a:r>
-              <a:rPr lang="ko-KR" altLang="en-US" sz="1867" dirty="0" err="1">
-                <a:solidFill>
-                  <a:prstClr val="black"/>
-                </a:solidFill>
-                <a:latin typeface="맑은 고딕" panose="020B0503020000020004" pitchFamily="50" charset="-127"/>
-                <a:ea typeface="맑은 고딕" panose="020B0503020000020004" pitchFamily="50" charset="-127"/>
-              </a:rPr>
-              <a:t>윤진순</a:t>
-            </a:r>
-            <a:r>
-              <a:rPr lang="en-US" altLang="ko-KR" sz="1867" dirty="0">
-                <a:solidFill>
-                  <a:prstClr val="black"/>
-                </a:solidFill>
-                <a:latin typeface="맑은 고딕" panose="020B0503020000020004" pitchFamily="50" charset="-127"/>
-                <a:ea typeface="맑은 고딕" panose="020B0503020000020004" pitchFamily="50" charset="-127"/>
-              </a:rPr>
-              <a:t>, </a:t>
-            </a:r>
-            <a:r>
-              <a:rPr lang="ko-KR" altLang="en-US" sz="1867" dirty="0" err="1">
-                <a:solidFill>
-                  <a:prstClr val="black"/>
-                </a:solidFill>
-                <a:latin typeface="맑은 고딕" panose="020B0503020000020004" pitchFamily="50" charset="-127"/>
-                <a:ea typeface="맑은 고딕" panose="020B0503020000020004" pitchFamily="50" charset="-127"/>
-              </a:rPr>
-              <a:t>권혁무</a:t>
-            </a:r>
-            <a:r>
-              <a:rPr lang="en-US" altLang="ko-KR" sz="1867" dirty="0">
-                <a:solidFill>
-                  <a:prstClr val="black"/>
-                </a:solidFill>
-                <a:latin typeface="맑은 고딕" panose="020B0503020000020004" pitchFamily="50" charset="-127"/>
-                <a:ea typeface="맑은 고딕" panose="020B0503020000020004" pitchFamily="50" charset="-127"/>
-              </a:rPr>
-              <a:t>, </a:t>
-            </a:r>
-            <a:r>
-              <a:rPr lang="ko-KR" altLang="en-US" sz="1867" dirty="0">
-                <a:solidFill>
-                  <a:prstClr val="black"/>
-                </a:solidFill>
-                <a:latin typeface="맑은 고딕" panose="020B0503020000020004" pitchFamily="50" charset="-127"/>
-                <a:ea typeface="맑은 고딕" panose="020B0503020000020004" pitchFamily="50" charset="-127"/>
-              </a:rPr>
-              <a:t>김우중</a:t>
-            </a:r>
-            <a:endParaRPr lang="en-US" altLang="ko-KR" sz="1867" dirty="0">
-              <a:solidFill>
-                <a:prstClr val="black"/>
-              </a:solidFill>
-              <a:latin typeface="맑은 고딕" panose="020B0503020000020004" pitchFamily="50" charset="-127"/>
-              <a:ea typeface="맑은 고딕" panose="020B0503020000020004" pitchFamily="50" charset="-127"/>
-            </a:endParaRPr>
-          </a:p>
-          <a:p>
-            <a:pPr defTabSz="1038977">
-              <a:lnSpc>
-                <a:spcPct val="250000"/>
-              </a:lnSpc>
-            </a:pPr>
-            <a:r>
-              <a:rPr lang="ko-KR" altLang="en-US" sz="1867" b="1" dirty="0">
-                <a:solidFill>
-                  <a:prstClr val="black"/>
-                </a:solidFill>
-                <a:latin typeface="HY견고딕" panose="02030600000101010101" pitchFamily="18" charset="-127"/>
-                <a:ea typeface="HY견고딕" panose="02030600000101010101" pitchFamily="18" charset="-127"/>
-              </a:rPr>
-              <a:t>■ </a:t>
-            </a:r>
-            <a:r>
-              <a:rPr lang="ko-KR" altLang="en-US" sz="1867" b="1" dirty="0">
-                <a:solidFill>
-                  <a:prstClr val="black"/>
-                </a:solidFill>
-                <a:latin typeface="맑은 고딕" panose="020B0503020000020004" pitchFamily="50" charset="-127"/>
-                <a:ea typeface="맑은 고딕" panose="020B0503020000020004" pitchFamily="50" charset="-127"/>
-              </a:rPr>
-              <a:t>목표</a:t>
-            </a:r>
-            <a:endParaRPr lang="en-US" altLang="ko-KR" sz="1867" b="1" dirty="0">
-              <a:solidFill>
-                <a:prstClr val="black"/>
-              </a:solidFill>
-              <a:latin typeface="맑은 고딕" panose="020B0503020000020004" pitchFamily="50" charset="-127"/>
-              <a:ea typeface="맑은 고딕" panose="020B0503020000020004" pitchFamily="50" charset="-127"/>
-            </a:endParaRPr>
+              <a:rPr lang="ko-KR" altLang="en-US" sz="1600" dirty="0">
+                <a:solidFill>
+                  <a:prstClr val="black"/>
+                </a:solidFill>
+                <a:latin typeface="+mj-lt"/>
+                <a:ea typeface="맑은 고딕" panose="020B0503020000020004" pitchFamily="50" charset="-127"/>
+              </a:rPr>
+              <a:t> </a:t>
+            </a:r>
+            <a:r>
+              <a:rPr lang="en-US" altLang="ko-KR" sz="1600" dirty="0">
+                <a:solidFill>
+                  <a:prstClr val="black"/>
+                </a:solidFill>
+                <a:latin typeface="+mj-lt"/>
+                <a:ea typeface="맑은 고딕" panose="020B0503020000020004" pitchFamily="50" charset="-127"/>
+              </a:rPr>
+              <a:t>. </a:t>
+            </a:r>
+            <a:r>
+              <a:rPr lang="ko-KR" altLang="en-US" sz="1600" dirty="0">
+                <a:solidFill>
+                  <a:prstClr val="black"/>
+                </a:solidFill>
+                <a:latin typeface="+mj-lt"/>
+                <a:ea typeface="맑은 고딕" panose="020B0503020000020004" pitchFamily="50" charset="-127"/>
+              </a:rPr>
+              <a:t>리뷰 잘 해주기</a:t>
+            </a:r>
           </a:p>
           <a:p>
             <a:pPr defTabSz="1038977">
@@ -9660,54 +11362,1466 @@
               </a:lnSpc>
             </a:pPr>
             <a:r>
-              <a:rPr lang="en-US" altLang="ko-KR" sz="1867" dirty="0">
-                <a:solidFill>
-                  <a:prstClr val="black"/>
-                </a:solidFill>
-                <a:latin typeface="맑은 고딕" panose="020B0503020000020004" pitchFamily="50" charset="-127"/>
-                <a:ea typeface="맑은 고딕" panose="020B0503020000020004" pitchFamily="50" charset="-127"/>
-              </a:rPr>
-              <a:t>    - </a:t>
-            </a:r>
-            <a:r>
-              <a:rPr lang="ko-KR" altLang="en-US" sz="1867" dirty="0">
-                <a:solidFill>
-                  <a:srgbClr val="0000FF"/>
-                </a:solidFill>
-                <a:latin typeface="맑은 고딕" panose="020B0503020000020004" pitchFamily="50" charset="-127"/>
-                <a:ea typeface="맑은 고딕" panose="020B0503020000020004" pitchFamily="50" charset="-127"/>
-              </a:rPr>
-              <a:t>사원 정보를 관리하는 프로그램</a:t>
-            </a:r>
-            <a:r>
-              <a:rPr lang="ko-KR" altLang="en-US" sz="1867" dirty="0">
-                <a:solidFill>
-                  <a:prstClr val="black"/>
-                </a:solidFill>
-                <a:latin typeface="맑은 고딕" panose="020B0503020000020004" pitchFamily="50" charset="-127"/>
-                <a:ea typeface="맑은 고딕" panose="020B0503020000020004" pitchFamily="50" charset="-127"/>
-              </a:rPr>
-              <a:t>을 구현</a:t>
-            </a:r>
-            <a:endParaRPr lang="en-US" altLang="ko-KR" sz="1867" dirty="0">
+              <a:rPr lang="ko-KR" altLang="en-US" sz="1600" dirty="0">
+                <a:solidFill>
+                  <a:prstClr val="black"/>
+                </a:solidFill>
+                <a:latin typeface="+mj-lt"/>
+                <a:ea typeface="맑은 고딕" panose="020B0503020000020004" pitchFamily="50" charset="-127"/>
+              </a:rPr>
+              <a:t> </a:t>
+            </a:r>
+            <a:r>
+              <a:rPr lang="en-US" altLang="ko-KR" sz="1600" dirty="0">
+                <a:solidFill>
+                  <a:prstClr val="black"/>
+                </a:solidFill>
+                <a:latin typeface="+mj-lt"/>
+                <a:ea typeface="맑은 고딕" panose="020B0503020000020004" pitchFamily="50" charset="-127"/>
+              </a:rPr>
+              <a:t>. </a:t>
+            </a:r>
+            <a:r>
+              <a:rPr lang="ko-KR" altLang="en-US" sz="1600" dirty="0">
+                <a:solidFill>
+                  <a:prstClr val="black"/>
+                </a:solidFill>
+                <a:latin typeface="+mj-lt"/>
+                <a:ea typeface="맑은 고딕" panose="020B0503020000020004" pitchFamily="50" charset="-127"/>
+              </a:rPr>
+              <a:t>코멘트 한 개씩 꼭 달기</a:t>
+            </a:r>
+            <a:endParaRPr lang="en-US" altLang="ko-KR" sz="1600" dirty="0">
               <a:solidFill>
-                <a:prstClr val="black"/>
+                <a:srgbClr val="0000FF"/>
               </a:solidFill>
-              <a:latin typeface="맑은 고딕" panose="020B0503020000020004" pitchFamily="50" charset="-127"/>
+              <a:latin typeface="+mj-lt"/>
               <a:ea typeface="맑은 고딕" panose="020B0503020000020004" pitchFamily="50" charset="-127"/>
             </a:endParaRPr>
           </a:p>
+        </p:txBody>
+      </p:sp>
+      <p:sp>
+        <p:nvSpPr>
+          <p:cNvPr id="6" name="TextBox 5">
+            <a:extLst>
+              <a:ext uri="{FF2B5EF4-FFF2-40B4-BE49-F238E27FC236}">
+                <a16:creationId xmlns:a16="http://schemas.microsoft.com/office/drawing/2014/main" id="{604BCA4C-7E23-4C4A-997E-B1D9797ED3AD}"/>
+              </a:ext>
+            </a:extLst>
+          </p:cNvPr>
+          <p:cNvSpPr txBox="1"/>
+          <p:nvPr/>
+        </p:nvSpPr>
+        <p:spPr>
+          <a:xfrm>
+            <a:off x="273127" y="3407916"/>
+            <a:ext cx="4142120" cy="3075264"/>
+          </a:xfrm>
+          <a:prstGeom prst="rect">
+            <a:avLst/>
+          </a:prstGeom>
+          <a:noFill/>
+        </p:spPr>
+        <p:txBody>
+          <a:bodyPr wrap="none" rtlCol="0">
+            <a:noAutofit/>
+          </a:bodyPr>
+          <a:lstStyle/>
           <a:p>
             <a:pPr defTabSz="1038977">
               <a:lnSpc>
                 <a:spcPct val="150000"/>
               </a:lnSpc>
             </a:pPr>
-            <a:endParaRPr lang="en-US" altLang="ko-KR" sz="1867" dirty="0">
+            <a:r>
+              <a:rPr lang="ko-KR" altLang="en-US" b="1" dirty="0">
+                <a:solidFill>
+                  <a:prstClr val="black"/>
+                </a:solidFill>
+                <a:latin typeface="+mj-lt"/>
+                <a:ea typeface="HY견고딕" panose="02030600000101010101" pitchFamily="18" charset="-127"/>
+              </a:rPr>
+              <a:t>■ </a:t>
+            </a:r>
+            <a:r>
+              <a:rPr lang="ko-KR" altLang="en-US" b="1" dirty="0">
+                <a:solidFill>
+                  <a:prstClr val="black"/>
+                </a:solidFill>
+                <a:latin typeface="+mj-lt"/>
+                <a:ea typeface="맑은 고딕" panose="020B0503020000020004" pitchFamily="50" charset="-127"/>
+              </a:rPr>
+              <a:t>요구 사항 분배</a:t>
+            </a:r>
+            <a:endParaRPr lang="en-US" altLang="ko-KR" b="1" dirty="0">
               <a:solidFill>
                 <a:prstClr val="black"/>
               </a:solidFill>
-              <a:latin typeface="맑은 고딕" panose="020B0503020000020004" pitchFamily="50" charset="-127"/>
+              <a:latin typeface="+mj-lt"/>
+              <a:ea typeface="HY견고딕" panose="02030600000101010101" pitchFamily="18" charset="-127"/>
+            </a:endParaRPr>
+          </a:p>
+          <a:p>
+            <a:pPr defTabSz="1038977">
+              <a:lnSpc>
+                <a:spcPct val="150000"/>
+              </a:lnSpc>
+            </a:pPr>
+            <a:r>
+              <a:rPr lang="en-US" altLang="ko-KR" sz="1600" dirty="0">
+                <a:solidFill>
+                  <a:prstClr val="black"/>
+                </a:solidFill>
+                <a:latin typeface="+mj-lt"/>
+                <a:ea typeface="맑은 고딕" panose="020B0503020000020004" pitchFamily="50" charset="-127"/>
+              </a:rPr>
+              <a:t> . </a:t>
+            </a:r>
+            <a:r>
+              <a:rPr lang="ko-KR" altLang="en-US" sz="1600" dirty="0">
+                <a:solidFill>
+                  <a:prstClr val="black"/>
+                </a:solidFill>
+                <a:latin typeface="+mj-lt"/>
+                <a:ea typeface="맑은 고딕" panose="020B0503020000020004" pitchFamily="50" charset="-127"/>
+              </a:rPr>
+              <a:t>디자인 설계 </a:t>
+            </a:r>
+            <a:r>
+              <a:rPr lang="en-US" altLang="ko-KR" sz="1600" dirty="0">
+                <a:solidFill>
+                  <a:prstClr val="black"/>
+                </a:solidFill>
+                <a:latin typeface="+mj-lt"/>
+                <a:ea typeface="맑은 고딕" panose="020B0503020000020004" pitchFamily="50" charset="-127"/>
+              </a:rPr>
+              <a:t>: </a:t>
+            </a:r>
+            <a:r>
+              <a:rPr lang="ko-KR" altLang="en-US" sz="1600" dirty="0">
+                <a:solidFill>
+                  <a:prstClr val="black"/>
+                </a:solidFill>
+                <a:latin typeface="+mj-lt"/>
+                <a:ea typeface="맑은 고딕" panose="020B0503020000020004" pitchFamily="50" charset="-127"/>
+              </a:rPr>
+              <a:t>전체</a:t>
+            </a:r>
+          </a:p>
+          <a:p>
+            <a:pPr defTabSz="1038977">
+              <a:lnSpc>
+                <a:spcPct val="150000"/>
+              </a:lnSpc>
+            </a:pPr>
+            <a:r>
+              <a:rPr lang="ko-KR" altLang="en-US" sz="1600" dirty="0">
+                <a:solidFill>
+                  <a:prstClr val="black"/>
+                </a:solidFill>
+                <a:latin typeface="+mj-lt"/>
+                <a:ea typeface="맑은 고딕" panose="020B0503020000020004" pitchFamily="50" charset="-127"/>
+              </a:rPr>
+              <a:t> </a:t>
+            </a:r>
+            <a:r>
+              <a:rPr lang="en-US" altLang="ko-KR" sz="1600" dirty="0">
+                <a:solidFill>
+                  <a:prstClr val="black"/>
+                </a:solidFill>
+                <a:latin typeface="+mj-lt"/>
+                <a:ea typeface="맑은 고딕" panose="020B0503020000020004" pitchFamily="50" charset="-127"/>
+              </a:rPr>
+              <a:t>. </a:t>
+            </a:r>
+            <a:r>
+              <a:rPr lang="ko-KR" altLang="en-US" sz="1600" dirty="0">
+                <a:solidFill>
+                  <a:prstClr val="black"/>
+                </a:solidFill>
+                <a:latin typeface="+mj-lt"/>
+                <a:ea typeface="맑은 고딕" panose="020B0503020000020004" pitchFamily="50" charset="-127"/>
+              </a:rPr>
+              <a:t>함수 별 분배</a:t>
+            </a:r>
+          </a:p>
+          <a:p>
+            <a:pPr defTabSz="1038977">
+              <a:lnSpc>
+                <a:spcPct val="150000"/>
+              </a:lnSpc>
+            </a:pPr>
+            <a:r>
+              <a:rPr lang="ko-KR" altLang="en-US" sz="1600" dirty="0">
+                <a:solidFill>
+                  <a:prstClr val="black"/>
+                </a:solidFill>
+                <a:latin typeface="+mj-lt"/>
+                <a:ea typeface="맑은 고딕" panose="020B0503020000020004" pitchFamily="50" charset="-127"/>
+              </a:rPr>
+              <a:t>   </a:t>
+            </a:r>
+            <a:r>
+              <a:rPr lang="en-US" altLang="ko-KR" sz="1600" dirty="0">
+                <a:solidFill>
+                  <a:prstClr val="black"/>
+                </a:solidFill>
+                <a:latin typeface="+mj-lt"/>
+                <a:ea typeface="맑은 고딕" panose="020B0503020000020004" pitchFamily="50" charset="-127"/>
+              </a:rPr>
+              <a:t>1) ADD : </a:t>
+            </a:r>
+            <a:r>
+              <a:rPr lang="ko-KR" altLang="en-US" sz="1600" dirty="0">
+                <a:solidFill>
+                  <a:prstClr val="black"/>
+                </a:solidFill>
+                <a:latin typeface="+mj-lt"/>
+                <a:ea typeface="맑은 고딕" panose="020B0503020000020004" pitchFamily="50" charset="-127"/>
+              </a:rPr>
+              <a:t>김우중 님</a:t>
+            </a:r>
+          </a:p>
+          <a:p>
+            <a:pPr defTabSz="1038977">
+              <a:lnSpc>
+                <a:spcPct val="150000"/>
+              </a:lnSpc>
+            </a:pPr>
+            <a:r>
+              <a:rPr lang="ko-KR" altLang="en-US" sz="1600" dirty="0">
+                <a:solidFill>
+                  <a:prstClr val="black"/>
+                </a:solidFill>
+                <a:latin typeface="+mj-lt"/>
+                <a:ea typeface="맑은 고딕" panose="020B0503020000020004" pitchFamily="50" charset="-127"/>
+              </a:rPr>
+              <a:t>   </a:t>
+            </a:r>
+            <a:r>
+              <a:rPr lang="en-US" altLang="ko-KR" sz="1600" dirty="0">
+                <a:solidFill>
+                  <a:prstClr val="black"/>
+                </a:solidFill>
+                <a:latin typeface="+mj-lt"/>
+                <a:ea typeface="맑은 고딕" panose="020B0503020000020004" pitchFamily="50" charset="-127"/>
+              </a:rPr>
+              <a:t>2) Search : </a:t>
+            </a:r>
+            <a:r>
+              <a:rPr lang="ko-KR" altLang="en-US" sz="1600" dirty="0" err="1">
+                <a:solidFill>
+                  <a:prstClr val="black"/>
+                </a:solidFill>
+                <a:latin typeface="+mj-lt"/>
+                <a:ea typeface="맑은 고딕" panose="020B0503020000020004" pitchFamily="50" charset="-127"/>
+              </a:rPr>
+              <a:t>윤진순</a:t>
+            </a:r>
+            <a:r>
+              <a:rPr lang="ko-KR" altLang="en-US" sz="1600" dirty="0">
+                <a:solidFill>
+                  <a:prstClr val="black"/>
+                </a:solidFill>
+                <a:latin typeface="+mj-lt"/>
+                <a:ea typeface="맑은 고딕" panose="020B0503020000020004" pitchFamily="50" charset="-127"/>
+              </a:rPr>
+              <a:t> 님</a:t>
+            </a:r>
+          </a:p>
+          <a:p>
+            <a:pPr defTabSz="1038977">
+              <a:lnSpc>
+                <a:spcPct val="150000"/>
+              </a:lnSpc>
+            </a:pPr>
+            <a:r>
+              <a:rPr lang="ko-KR" altLang="en-US" sz="1600" dirty="0">
+                <a:solidFill>
+                  <a:prstClr val="black"/>
+                </a:solidFill>
+                <a:latin typeface="+mj-lt"/>
+                <a:ea typeface="맑은 고딕" panose="020B0503020000020004" pitchFamily="50" charset="-127"/>
+              </a:rPr>
+              <a:t>   </a:t>
+            </a:r>
+            <a:r>
+              <a:rPr lang="en-US" altLang="ko-KR" sz="1600" dirty="0">
+                <a:solidFill>
+                  <a:prstClr val="black"/>
+                </a:solidFill>
+                <a:latin typeface="+mj-lt"/>
+                <a:ea typeface="맑은 고딕" panose="020B0503020000020004" pitchFamily="50" charset="-127"/>
+              </a:rPr>
+              <a:t>3) Modify : </a:t>
+            </a:r>
+            <a:r>
+              <a:rPr lang="ko-KR" altLang="en-US" sz="1600" dirty="0" err="1">
+                <a:solidFill>
+                  <a:prstClr val="black"/>
+                </a:solidFill>
+                <a:latin typeface="+mj-lt"/>
+                <a:ea typeface="맑은 고딕" panose="020B0503020000020004" pitchFamily="50" charset="-127"/>
+              </a:rPr>
+              <a:t>권혁무</a:t>
+            </a:r>
+            <a:r>
+              <a:rPr lang="ko-KR" altLang="en-US" sz="1600" dirty="0">
+                <a:solidFill>
+                  <a:prstClr val="black"/>
+                </a:solidFill>
+                <a:latin typeface="+mj-lt"/>
+                <a:ea typeface="맑은 고딕" panose="020B0503020000020004" pitchFamily="50" charset="-127"/>
+              </a:rPr>
+              <a:t> 님</a:t>
+            </a:r>
+          </a:p>
+          <a:p>
+            <a:pPr defTabSz="1038977">
+              <a:lnSpc>
+                <a:spcPct val="150000"/>
+              </a:lnSpc>
+            </a:pPr>
+            <a:r>
+              <a:rPr lang="ko-KR" altLang="en-US" sz="1600" dirty="0">
+                <a:solidFill>
+                  <a:prstClr val="black"/>
+                </a:solidFill>
+                <a:latin typeface="+mj-lt"/>
+                <a:ea typeface="맑은 고딕" panose="020B0503020000020004" pitchFamily="50" charset="-127"/>
+              </a:rPr>
+              <a:t>   </a:t>
+            </a:r>
+            <a:r>
+              <a:rPr lang="en-US" altLang="ko-KR" sz="1600" dirty="0">
+                <a:solidFill>
+                  <a:prstClr val="black"/>
+                </a:solidFill>
+                <a:latin typeface="+mj-lt"/>
+                <a:ea typeface="맑은 고딕" panose="020B0503020000020004" pitchFamily="50" charset="-127"/>
+              </a:rPr>
+              <a:t>4) Delete : </a:t>
+            </a:r>
+            <a:r>
+              <a:rPr lang="ko-KR" altLang="en-US" sz="1600" dirty="0">
+                <a:solidFill>
+                  <a:prstClr val="black"/>
+                </a:solidFill>
+                <a:latin typeface="+mj-lt"/>
+                <a:ea typeface="맑은 고딕" panose="020B0503020000020004" pitchFamily="50" charset="-127"/>
+              </a:rPr>
+              <a:t>정재웅 님</a:t>
+            </a:r>
+          </a:p>
+          <a:p>
+            <a:pPr defTabSz="1038977">
+              <a:lnSpc>
+                <a:spcPct val="150000"/>
+              </a:lnSpc>
+            </a:pPr>
+            <a:r>
+              <a:rPr lang="ko-KR" altLang="en-US" sz="1600" dirty="0">
+                <a:solidFill>
+                  <a:prstClr val="black"/>
+                </a:solidFill>
+                <a:latin typeface="+mj-lt"/>
+                <a:ea typeface="맑은 고딕" panose="020B0503020000020004" pitchFamily="50" charset="-127"/>
+              </a:rPr>
+              <a:t>   </a:t>
+            </a:r>
+            <a:r>
+              <a:rPr lang="en-US" altLang="ko-KR" sz="1600" dirty="0">
+                <a:solidFill>
+                  <a:prstClr val="black"/>
+                </a:solidFill>
+                <a:latin typeface="+mj-lt"/>
+                <a:ea typeface="맑은 고딕" panose="020B0503020000020004" pitchFamily="50" charset="-127"/>
+              </a:rPr>
+              <a:t>5) Main : </a:t>
+            </a:r>
+            <a:r>
+              <a:rPr lang="ko-KR" altLang="en-US" sz="1600" dirty="0">
+                <a:solidFill>
+                  <a:prstClr val="black"/>
+                </a:solidFill>
+                <a:latin typeface="+mj-lt"/>
+                <a:ea typeface="맑은 고딕" panose="020B0503020000020004" pitchFamily="50" charset="-127"/>
+              </a:rPr>
+              <a:t>김우중</a:t>
+            </a:r>
+            <a:r>
+              <a:rPr lang="en-US" altLang="ko-KR" sz="1600" dirty="0">
+                <a:solidFill>
+                  <a:prstClr val="black"/>
+                </a:solidFill>
+                <a:latin typeface="+mj-lt"/>
+                <a:ea typeface="맑은 고딕" panose="020B0503020000020004" pitchFamily="50" charset="-127"/>
+              </a:rPr>
+              <a:t>/</a:t>
+            </a:r>
+            <a:r>
+              <a:rPr lang="ko-KR" altLang="en-US" sz="1600" dirty="0">
+                <a:solidFill>
+                  <a:prstClr val="black"/>
+                </a:solidFill>
+                <a:latin typeface="+mj-lt"/>
+                <a:ea typeface="맑은 고딕" panose="020B0503020000020004" pitchFamily="50" charset="-127"/>
+              </a:rPr>
+              <a:t>정재웅 님</a:t>
+            </a:r>
+            <a:endParaRPr lang="en-US" altLang="ko-KR" sz="1600" dirty="0">
+              <a:solidFill>
+                <a:prstClr val="black"/>
+              </a:solidFill>
+              <a:latin typeface="+mj-lt"/>
+              <a:ea typeface="맑은 고딕" panose="020B0503020000020004" pitchFamily="50" charset="-127"/>
+            </a:endParaRPr>
+          </a:p>
+        </p:txBody>
+      </p:sp>
+      <p:sp>
+        <p:nvSpPr>
+          <p:cNvPr id="7" name="TextBox 6">
+            <a:extLst>
+              <a:ext uri="{FF2B5EF4-FFF2-40B4-BE49-F238E27FC236}">
+                <a16:creationId xmlns:a16="http://schemas.microsoft.com/office/drawing/2014/main" id="{A92DACE5-C7DB-4E79-8016-5435BCBB1FD6}"/>
+              </a:ext>
+            </a:extLst>
+          </p:cNvPr>
+          <p:cNvSpPr txBox="1"/>
+          <p:nvPr/>
+        </p:nvSpPr>
+        <p:spPr>
+          <a:xfrm>
+            <a:off x="3876232" y="1124745"/>
+            <a:ext cx="5930536" cy="2304255"/>
+          </a:xfrm>
+          <a:prstGeom prst="rect">
+            <a:avLst/>
+          </a:prstGeom>
+          <a:noFill/>
+        </p:spPr>
+        <p:txBody>
+          <a:bodyPr wrap="none" rtlCol="0">
+            <a:noAutofit/>
+          </a:bodyPr>
+          <a:lstStyle/>
+          <a:p>
+            <a:pPr defTabSz="1038977">
+              <a:lnSpc>
+                <a:spcPct val="150000"/>
+              </a:lnSpc>
+            </a:pPr>
+            <a:r>
+              <a:rPr lang="ko-KR" altLang="en-US" b="1" dirty="0">
+                <a:solidFill>
+                  <a:prstClr val="black"/>
+                </a:solidFill>
+                <a:latin typeface="+mj-lt"/>
+                <a:ea typeface="HY견고딕" panose="02030600000101010101" pitchFamily="18" charset="-127"/>
+              </a:rPr>
+              <a:t>■ 코딩 스타일</a:t>
+            </a:r>
+            <a:endParaRPr lang="en-US" altLang="ko-KR" b="1" dirty="0">
+              <a:solidFill>
+                <a:prstClr val="black"/>
+              </a:solidFill>
+              <a:latin typeface="+mj-lt"/>
+              <a:ea typeface="HY견고딕" panose="02030600000101010101" pitchFamily="18" charset="-127"/>
+            </a:endParaRPr>
+          </a:p>
+          <a:p>
+            <a:pPr defTabSz="1038977">
+              <a:lnSpc>
+                <a:spcPct val="150000"/>
+              </a:lnSpc>
+            </a:pPr>
+            <a:r>
+              <a:rPr lang="en-US" altLang="ko-KR" sz="1600" dirty="0">
+                <a:solidFill>
+                  <a:prstClr val="black"/>
+                </a:solidFill>
+                <a:latin typeface="+mj-lt"/>
+                <a:ea typeface="맑은 고딕" panose="020B0503020000020004" pitchFamily="50" charset="-127"/>
+              </a:rPr>
+              <a:t> . </a:t>
+            </a:r>
+            <a:r>
+              <a:rPr lang="ko-KR" altLang="en-US" sz="1600" dirty="0">
+                <a:solidFill>
+                  <a:prstClr val="black"/>
+                </a:solidFill>
+                <a:latin typeface="+mj-lt"/>
+                <a:ea typeface="맑은 고딕" panose="020B0503020000020004" pitchFamily="50" charset="-127"/>
+              </a:rPr>
+              <a:t>코드 </a:t>
+            </a:r>
+            <a:r>
+              <a:rPr lang="ko-KR" altLang="en-US" sz="1600" dirty="0">
+                <a:solidFill>
+                  <a:srgbClr val="0000FF"/>
+                </a:solidFill>
+                <a:latin typeface="+mj-lt"/>
+                <a:ea typeface="맑은 고딕" panose="020B0503020000020004" pitchFamily="50" charset="-127"/>
+              </a:rPr>
+              <a:t>자동 정렬</a:t>
+            </a:r>
+            <a:r>
+              <a:rPr lang="en-US" altLang="ko-KR" sz="1600" dirty="0">
+                <a:solidFill>
+                  <a:prstClr val="black"/>
+                </a:solidFill>
+                <a:latin typeface="+mj-lt"/>
+                <a:ea typeface="맑은 고딕" panose="020B0503020000020004" pitchFamily="50" charset="-127"/>
+              </a:rPr>
+              <a:t>(IntelliJ Reformat Code </a:t>
+            </a:r>
+            <a:r>
+              <a:rPr lang="ko-KR" altLang="en-US" sz="1600" dirty="0">
+                <a:solidFill>
+                  <a:prstClr val="black"/>
+                </a:solidFill>
+                <a:latin typeface="+mj-lt"/>
+                <a:ea typeface="맑은 고딕" panose="020B0503020000020004" pitchFamily="50" charset="-127"/>
+              </a:rPr>
+              <a:t>기능</a:t>
+            </a:r>
+            <a:r>
+              <a:rPr lang="en-US" altLang="ko-KR" sz="1600" dirty="0">
+                <a:solidFill>
+                  <a:prstClr val="black"/>
+                </a:solidFill>
+                <a:latin typeface="+mj-lt"/>
+                <a:ea typeface="맑은 고딕" panose="020B0503020000020004" pitchFamily="50" charset="-127"/>
+              </a:rPr>
+              <a:t>) </a:t>
+            </a:r>
+            <a:r>
+              <a:rPr lang="ko-KR" altLang="en-US" sz="1600" dirty="0">
+                <a:solidFill>
+                  <a:prstClr val="black"/>
+                </a:solidFill>
+                <a:latin typeface="+mj-lt"/>
+                <a:ea typeface="맑은 고딕" panose="020B0503020000020004" pitchFamily="50" charset="-127"/>
+              </a:rPr>
+              <a:t>사용</a:t>
+            </a:r>
+          </a:p>
+          <a:p>
+            <a:pPr defTabSz="1038977">
+              <a:lnSpc>
+                <a:spcPct val="150000"/>
+              </a:lnSpc>
+            </a:pPr>
+            <a:r>
+              <a:rPr lang="en-US" altLang="ko-KR" sz="1600" dirty="0">
+                <a:solidFill>
+                  <a:prstClr val="black"/>
+                </a:solidFill>
+                <a:latin typeface="+mj-lt"/>
+                <a:ea typeface="맑은 고딕" panose="020B0503020000020004" pitchFamily="50" charset="-127"/>
+              </a:rPr>
+              <a:t> . </a:t>
+            </a:r>
+            <a:r>
+              <a:rPr lang="ko-KR" altLang="en-US" sz="1600" dirty="0">
+                <a:solidFill>
+                  <a:srgbClr val="0000FF"/>
+                </a:solidFill>
+                <a:latin typeface="+mj-lt"/>
+                <a:ea typeface="맑은 고딕" panose="020B0503020000020004" pitchFamily="50" charset="-127"/>
+              </a:rPr>
+              <a:t>보편적인 </a:t>
+            </a:r>
+            <a:r>
+              <a:rPr lang="en-US" altLang="ko-KR" sz="1600" dirty="0">
+                <a:solidFill>
+                  <a:srgbClr val="0000FF"/>
+                </a:solidFill>
+                <a:latin typeface="+mj-lt"/>
+                <a:ea typeface="맑은 고딕" panose="020B0503020000020004" pitchFamily="50" charset="-127"/>
+              </a:rPr>
+              <a:t>Java Naming Rule</a:t>
+            </a:r>
+            <a:r>
+              <a:rPr lang="ko-KR" altLang="en-US" sz="1600" dirty="0">
+                <a:solidFill>
+                  <a:prstClr val="black"/>
+                </a:solidFill>
+                <a:latin typeface="+mj-lt"/>
+                <a:ea typeface="맑은 고딕" panose="020B0503020000020004" pitchFamily="50" charset="-127"/>
+              </a:rPr>
+              <a:t>에 따름</a:t>
+            </a:r>
+          </a:p>
+          <a:p>
+            <a:pPr defTabSz="1038977">
+              <a:lnSpc>
+                <a:spcPct val="150000"/>
+              </a:lnSpc>
+            </a:pPr>
+            <a:r>
+              <a:rPr lang="ko-KR" altLang="en-US" sz="1600" dirty="0">
+                <a:solidFill>
+                  <a:prstClr val="black"/>
+                </a:solidFill>
+                <a:latin typeface="+mj-lt"/>
+                <a:ea typeface="맑은 고딕" panose="020B0503020000020004" pitchFamily="50" charset="-127"/>
+              </a:rPr>
+              <a:t>   </a:t>
+            </a:r>
+            <a:r>
+              <a:rPr lang="en-US" altLang="ko-KR" sz="1600" dirty="0">
+                <a:solidFill>
+                  <a:prstClr val="black"/>
+                </a:solidFill>
+                <a:latin typeface="+mj-lt"/>
+                <a:ea typeface="맑은 고딕" panose="020B0503020000020004" pitchFamily="50" charset="-127"/>
+              </a:rPr>
+              <a:t>1) CamelCase </a:t>
+            </a:r>
+            <a:r>
+              <a:rPr lang="ko-KR" altLang="en-US" sz="1600" dirty="0">
+                <a:solidFill>
+                  <a:prstClr val="black"/>
+                </a:solidFill>
+                <a:latin typeface="+mj-lt"/>
+                <a:ea typeface="맑은 고딕" panose="020B0503020000020004" pitchFamily="50" charset="-127"/>
+              </a:rPr>
+              <a:t>활용</a:t>
+            </a:r>
+          </a:p>
+          <a:p>
+            <a:pPr defTabSz="1038977">
+              <a:lnSpc>
+                <a:spcPct val="150000"/>
+              </a:lnSpc>
+            </a:pPr>
+            <a:r>
+              <a:rPr lang="ko-KR" altLang="en-US" sz="1600" dirty="0">
+                <a:solidFill>
+                  <a:prstClr val="black"/>
+                </a:solidFill>
+                <a:latin typeface="+mj-lt"/>
+                <a:ea typeface="맑은 고딕" panose="020B0503020000020004" pitchFamily="50" charset="-127"/>
+              </a:rPr>
+              <a:t>   </a:t>
+            </a:r>
+            <a:r>
+              <a:rPr lang="en-US" altLang="ko-KR" sz="1600" dirty="0">
+                <a:solidFill>
+                  <a:prstClr val="black"/>
+                </a:solidFill>
+                <a:latin typeface="+mj-lt"/>
+                <a:ea typeface="맑은 고딕" panose="020B0503020000020004" pitchFamily="50" charset="-127"/>
+              </a:rPr>
+              <a:t>2) </a:t>
+            </a:r>
+            <a:r>
+              <a:rPr lang="ko-KR" altLang="en-US" sz="1600" dirty="0">
+                <a:solidFill>
+                  <a:prstClr val="black"/>
+                </a:solidFill>
+                <a:latin typeface="+mj-lt"/>
+                <a:ea typeface="맑은 고딕" panose="020B0503020000020004" pitchFamily="50" charset="-127"/>
+              </a:rPr>
+              <a:t>클래스는 대문자로 시작</a:t>
+            </a:r>
+            <a:r>
+              <a:rPr lang="en-US" altLang="ko-KR" sz="1600" dirty="0">
+                <a:solidFill>
+                  <a:prstClr val="black"/>
+                </a:solidFill>
+                <a:latin typeface="+mj-lt"/>
+                <a:ea typeface="맑은 고딕" panose="020B0503020000020004" pitchFamily="50" charset="-127"/>
+              </a:rPr>
+              <a:t>(Name)</a:t>
+            </a:r>
+          </a:p>
+          <a:p>
+            <a:pPr defTabSz="1038977">
+              <a:lnSpc>
+                <a:spcPct val="150000"/>
+              </a:lnSpc>
+            </a:pPr>
+            <a:r>
+              <a:rPr lang="en-US" altLang="ko-KR" sz="1600" dirty="0">
+                <a:solidFill>
+                  <a:prstClr val="black"/>
+                </a:solidFill>
+                <a:latin typeface="+mj-lt"/>
+                <a:ea typeface="맑은 고딕" panose="020B0503020000020004" pitchFamily="50" charset="-127"/>
+              </a:rPr>
+              <a:t>   3) </a:t>
+            </a:r>
+            <a:r>
+              <a:rPr lang="ko-KR" altLang="en-US" sz="1600" dirty="0">
+                <a:solidFill>
+                  <a:prstClr val="black"/>
+                </a:solidFill>
+                <a:latin typeface="+mj-lt"/>
+                <a:ea typeface="맑은 고딕" panose="020B0503020000020004" pitchFamily="50" charset="-127"/>
+              </a:rPr>
+              <a:t>메소드</a:t>
+            </a:r>
+            <a:r>
+              <a:rPr lang="en-US" altLang="ko-KR" sz="1600" dirty="0">
+                <a:solidFill>
+                  <a:prstClr val="black"/>
+                </a:solidFill>
+                <a:latin typeface="+mj-lt"/>
+                <a:ea typeface="맑은 고딕" panose="020B0503020000020004" pitchFamily="50" charset="-127"/>
+              </a:rPr>
+              <a:t>/</a:t>
+            </a:r>
+            <a:r>
+              <a:rPr lang="ko-KR" altLang="en-US" sz="1600" dirty="0">
+                <a:solidFill>
+                  <a:prstClr val="black"/>
+                </a:solidFill>
+                <a:latin typeface="+mj-lt"/>
+                <a:ea typeface="맑은 고딕" panose="020B0503020000020004" pitchFamily="50" charset="-127"/>
+              </a:rPr>
+              <a:t>필드는 소문자로 시작</a:t>
+            </a:r>
+            <a:r>
+              <a:rPr lang="en-US" altLang="ko-KR" sz="1600" dirty="0">
+                <a:solidFill>
+                  <a:prstClr val="black"/>
+                </a:solidFill>
+                <a:latin typeface="+mj-lt"/>
+                <a:ea typeface="맑은 고딕" panose="020B0503020000020004" pitchFamily="50" charset="-127"/>
+              </a:rPr>
+              <a:t>(</a:t>
+            </a:r>
+            <a:r>
+              <a:rPr lang="en-US" altLang="ko-KR" sz="1600" dirty="0" err="1">
+                <a:solidFill>
+                  <a:prstClr val="black"/>
+                </a:solidFill>
+                <a:latin typeface="+mj-lt"/>
+                <a:ea typeface="맑은 고딕" panose="020B0503020000020004" pitchFamily="50" charset="-127"/>
+              </a:rPr>
+              <a:t>getName</a:t>
+            </a:r>
+            <a:r>
+              <a:rPr lang="en-US" altLang="ko-KR" sz="1600" dirty="0">
+                <a:solidFill>
+                  <a:prstClr val="black"/>
+                </a:solidFill>
+                <a:latin typeface="+mj-lt"/>
+                <a:ea typeface="맑은 고딕" panose="020B0503020000020004" pitchFamily="50" charset="-127"/>
+              </a:rPr>
+              <a:t>(), name)</a:t>
+            </a:r>
+          </a:p>
+        </p:txBody>
+      </p:sp>
+      <p:sp>
+        <p:nvSpPr>
+          <p:cNvPr id="8" name="TextBox 7">
+            <a:extLst>
+              <a:ext uri="{FF2B5EF4-FFF2-40B4-BE49-F238E27FC236}">
+                <a16:creationId xmlns:a16="http://schemas.microsoft.com/office/drawing/2014/main" id="{7B9CA3CA-427D-408F-8751-5A7BBE252852}"/>
+              </a:ext>
+            </a:extLst>
+          </p:cNvPr>
+          <p:cNvSpPr txBox="1"/>
+          <p:nvPr/>
+        </p:nvSpPr>
+        <p:spPr>
+          <a:xfrm>
+            <a:off x="3876231" y="3407916"/>
+            <a:ext cx="8042642" cy="1666228"/>
+          </a:xfrm>
+          <a:prstGeom prst="rect">
+            <a:avLst/>
+          </a:prstGeom>
+          <a:noFill/>
+        </p:spPr>
+        <p:txBody>
+          <a:bodyPr wrap="none" rtlCol="0">
+            <a:noAutofit/>
+          </a:bodyPr>
+          <a:lstStyle/>
+          <a:p>
+            <a:pPr defTabSz="1038977">
+              <a:lnSpc>
+                <a:spcPct val="150000"/>
+              </a:lnSpc>
+            </a:pPr>
+            <a:r>
+              <a:rPr lang="ko-KR" altLang="en-US" b="1" dirty="0">
+                <a:solidFill>
+                  <a:prstClr val="black"/>
+                </a:solidFill>
+                <a:latin typeface="+mj-lt"/>
+                <a:ea typeface="HY견고딕" panose="02030600000101010101" pitchFamily="18" charset="-127"/>
+              </a:rPr>
+              <a:t>■ 리뷰 정책</a:t>
+            </a:r>
+            <a:endParaRPr lang="en-US" altLang="ko-KR" b="1" dirty="0">
+              <a:solidFill>
+                <a:prstClr val="black"/>
+              </a:solidFill>
+              <a:latin typeface="+mj-lt"/>
+              <a:ea typeface="HY견고딕" panose="02030600000101010101" pitchFamily="18" charset="-127"/>
+            </a:endParaRPr>
+          </a:p>
+          <a:p>
+            <a:pPr defTabSz="1038977">
+              <a:lnSpc>
+                <a:spcPct val="150000"/>
+              </a:lnSpc>
+            </a:pPr>
+            <a:r>
+              <a:rPr lang="en-US" altLang="ko-KR" sz="1600" dirty="0">
+                <a:solidFill>
+                  <a:prstClr val="black"/>
+                </a:solidFill>
+                <a:latin typeface="+mj-lt"/>
+                <a:ea typeface="맑은 고딕" panose="020B0503020000020004" pitchFamily="50" charset="-127"/>
+              </a:rPr>
+              <a:t> . </a:t>
+            </a:r>
+            <a:r>
+              <a:rPr lang="en-US" altLang="ko-KR" sz="1600" dirty="0">
+                <a:solidFill>
+                  <a:srgbClr val="0000FF"/>
+                </a:solidFill>
+                <a:latin typeface="+mj-lt"/>
+                <a:ea typeface="맑은 고딕" panose="020B0503020000020004" pitchFamily="50" charset="-127"/>
+              </a:rPr>
+              <a:t>1</a:t>
+            </a:r>
+            <a:r>
+              <a:rPr lang="ko-KR" altLang="en-US" sz="1600" dirty="0">
+                <a:solidFill>
+                  <a:srgbClr val="0000FF"/>
+                </a:solidFill>
+                <a:latin typeface="+mj-lt"/>
+                <a:ea typeface="맑은 고딕" panose="020B0503020000020004" pitchFamily="50" charset="-127"/>
+              </a:rPr>
+              <a:t>시간 이내 </a:t>
+            </a:r>
+            <a:r>
+              <a:rPr lang="ko-KR" altLang="en-US" sz="1600" dirty="0">
+                <a:solidFill>
+                  <a:prstClr val="black"/>
+                </a:solidFill>
+                <a:latin typeface="+mj-lt"/>
+                <a:ea typeface="맑은 고딕" panose="020B0503020000020004" pitchFamily="50" charset="-127"/>
+              </a:rPr>
+              <a:t>리뷰</a:t>
+            </a:r>
+            <a:r>
+              <a:rPr lang="en-US" altLang="ko-KR" sz="1600" dirty="0">
+                <a:solidFill>
+                  <a:prstClr val="black"/>
+                </a:solidFill>
+                <a:latin typeface="+mj-lt"/>
+                <a:ea typeface="맑은 고딕" panose="020B0503020000020004" pitchFamily="50" charset="-127"/>
+              </a:rPr>
+              <a:t> </a:t>
+            </a:r>
+            <a:r>
+              <a:rPr lang="ko-KR" altLang="en-US" sz="1600" dirty="0">
+                <a:solidFill>
+                  <a:prstClr val="black"/>
+                </a:solidFill>
+                <a:latin typeface="+mj-lt"/>
+                <a:ea typeface="맑은 고딕" panose="020B0503020000020004" pitchFamily="50" charset="-127"/>
+              </a:rPr>
+              <a:t>진행</a:t>
+            </a:r>
+            <a:r>
+              <a:rPr lang="en-US" altLang="ko-KR" sz="1600" dirty="0">
+                <a:solidFill>
+                  <a:prstClr val="black"/>
+                </a:solidFill>
+                <a:latin typeface="+mj-lt"/>
+                <a:ea typeface="맑은 고딕" panose="020B0503020000020004" pitchFamily="50" charset="-127"/>
+              </a:rPr>
+              <a:t>(Office </a:t>
+            </a:r>
+            <a:r>
+              <a:rPr lang="ko-KR" altLang="en-US" sz="1600" dirty="0">
+                <a:solidFill>
+                  <a:prstClr val="black"/>
+                </a:solidFill>
+                <a:latin typeface="+mj-lt"/>
+                <a:ea typeface="맑은 고딕" panose="020B0503020000020004" pitchFamily="50" charset="-127"/>
+              </a:rPr>
+              <a:t>시간 기준</a:t>
+            </a:r>
+            <a:r>
+              <a:rPr lang="en-US" altLang="ko-KR" sz="1600" dirty="0">
+                <a:solidFill>
+                  <a:prstClr val="black"/>
+                </a:solidFill>
+                <a:latin typeface="+mj-lt"/>
+                <a:ea typeface="맑은 고딕" panose="020B0503020000020004" pitchFamily="50" charset="-127"/>
+              </a:rPr>
+              <a:t>)</a:t>
+            </a:r>
+            <a:endParaRPr lang="ko-KR" altLang="en-US" sz="1600" dirty="0">
+              <a:solidFill>
+                <a:prstClr val="black"/>
+              </a:solidFill>
+              <a:latin typeface="+mj-lt"/>
+              <a:ea typeface="맑은 고딕" panose="020B0503020000020004" pitchFamily="50" charset="-127"/>
+            </a:endParaRPr>
+          </a:p>
+          <a:p>
+            <a:pPr defTabSz="1038977">
+              <a:lnSpc>
+                <a:spcPct val="150000"/>
+              </a:lnSpc>
+            </a:pPr>
+            <a:r>
+              <a:rPr lang="en-US" altLang="ko-KR" sz="1600" dirty="0">
+                <a:solidFill>
+                  <a:prstClr val="black"/>
+                </a:solidFill>
+                <a:latin typeface="+mj-lt"/>
+                <a:ea typeface="맑은 고딕" panose="020B0503020000020004" pitchFamily="50" charset="-127"/>
+              </a:rPr>
+              <a:t> . </a:t>
+            </a:r>
+            <a:r>
+              <a:rPr lang="ko-KR" altLang="en-US" sz="1600" dirty="0">
+                <a:solidFill>
+                  <a:prstClr val="black"/>
+                </a:solidFill>
+                <a:latin typeface="+mj-lt"/>
+                <a:ea typeface="맑은 고딕" panose="020B0503020000020004" pitchFamily="50" charset="-127"/>
+              </a:rPr>
+              <a:t>코드 </a:t>
+            </a:r>
+            <a:r>
+              <a:rPr lang="en-US" altLang="ko-KR" sz="1600" dirty="0">
+                <a:solidFill>
+                  <a:prstClr val="black"/>
+                </a:solidFill>
+                <a:latin typeface="+mj-lt"/>
+                <a:ea typeface="맑은 고딕" panose="020B0503020000020004" pitchFamily="50" charset="-127"/>
+              </a:rPr>
+              <a:t>Logic </a:t>
+            </a:r>
+            <a:r>
+              <a:rPr lang="ko-KR" altLang="en-US" sz="1600" dirty="0">
+                <a:solidFill>
+                  <a:prstClr val="black"/>
+                </a:solidFill>
+                <a:latin typeface="+mj-lt"/>
+                <a:ea typeface="맑은 고딕" panose="020B0503020000020004" pitchFamily="50" charset="-127"/>
+              </a:rPr>
+              <a:t>보다는 </a:t>
+            </a:r>
+            <a:r>
+              <a:rPr lang="en-US" altLang="ko-KR" sz="1600" dirty="0">
+                <a:solidFill>
+                  <a:srgbClr val="0000FF"/>
+                </a:solidFill>
+                <a:latin typeface="+mj-lt"/>
+                <a:ea typeface="맑은 고딕" panose="020B0503020000020004" pitchFamily="50" charset="-127"/>
+              </a:rPr>
+              <a:t>Code Smell </a:t>
+            </a:r>
+            <a:r>
+              <a:rPr lang="ko-KR" altLang="en-US" sz="1600" dirty="0">
+                <a:solidFill>
+                  <a:srgbClr val="0000FF"/>
+                </a:solidFill>
+                <a:latin typeface="+mj-lt"/>
+                <a:ea typeface="맑은 고딕" panose="020B0503020000020004" pitchFamily="50" charset="-127"/>
+              </a:rPr>
+              <a:t>이나 </a:t>
+            </a:r>
+            <a:r>
+              <a:rPr lang="en-US" altLang="ko-KR" sz="1600" dirty="0">
+                <a:solidFill>
+                  <a:srgbClr val="0000FF"/>
+                </a:solidFill>
+                <a:latin typeface="+mj-lt"/>
+                <a:ea typeface="맑은 고딕" panose="020B0503020000020004" pitchFamily="50" charset="-127"/>
+              </a:rPr>
+              <a:t>Style</a:t>
+            </a:r>
+            <a:r>
+              <a:rPr lang="ko-KR" altLang="en-US" sz="1600" dirty="0">
+                <a:solidFill>
+                  <a:prstClr val="black"/>
+                </a:solidFill>
+                <a:latin typeface="+mj-lt"/>
+                <a:ea typeface="맑은 고딕" panose="020B0503020000020004" pitchFamily="50" charset="-127"/>
+              </a:rPr>
+              <a:t>에 대한 </a:t>
+            </a:r>
+            <a:r>
+              <a:rPr lang="en-US" altLang="ko-KR" sz="1600" dirty="0">
+                <a:solidFill>
+                  <a:prstClr val="black"/>
+                </a:solidFill>
+                <a:latin typeface="+mj-lt"/>
+                <a:ea typeface="맑은 고딕" panose="020B0503020000020004" pitchFamily="50" charset="-127"/>
+              </a:rPr>
+              <a:t>Review</a:t>
+            </a:r>
+            <a:r>
+              <a:rPr lang="ko-KR" altLang="en-US" sz="1600" dirty="0">
+                <a:solidFill>
+                  <a:prstClr val="black"/>
+                </a:solidFill>
+                <a:latin typeface="+mj-lt"/>
+                <a:ea typeface="맑은 고딕" panose="020B0503020000020004" pitchFamily="50" charset="-127"/>
+              </a:rPr>
+              <a:t>를 위주로 진행</a:t>
+            </a:r>
+          </a:p>
+          <a:p>
+            <a:pPr defTabSz="1038977">
+              <a:lnSpc>
+                <a:spcPct val="150000"/>
+              </a:lnSpc>
+            </a:pPr>
+            <a:r>
+              <a:rPr lang="en-US" altLang="ko-KR" sz="1600" dirty="0">
+                <a:solidFill>
+                  <a:prstClr val="black"/>
+                </a:solidFill>
+                <a:latin typeface="+mj-lt"/>
+                <a:ea typeface="맑은 고딕" panose="020B0503020000020004" pitchFamily="50" charset="-127"/>
+              </a:rPr>
+              <a:t> . </a:t>
+            </a:r>
+            <a:r>
+              <a:rPr lang="ko-KR" altLang="en-US" sz="1600" dirty="0">
+                <a:solidFill>
+                  <a:prstClr val="black"/>
+                </a:solidFill>
+                <a:latin typeface="+mj-lt"/>
+                <a:ea typeface="맑은 고딕" panose="020B0503020000020004" pitchFamily="50" charset="-127"/>
+              </a:rPr>
+              <a:t>팀원 </a:t>
+            </a:r>
+            <a:r>
+              <a:rPr lang="en-US" altLang="ko-KR" sz="1600" dirty="0">
+                <a:solidFill>
+                  <a:prstClr val="black"/>
+                </a:solidFill>
+                <a:latin typeface="+mj-lt"/>
+                <a:ea typeface="맑은 고딕" panose="020B0503020000020004" pitchFamily="50" charset="-127"/>
+              </a:rPr>
+              <a:t>2</a:t>
+            </a:r>
+            <a:r>
+              <a:rPr lang="ko-KR" altLang="en-US" sz="1600" dirty="0">
+                <a:solidFill>
+                  <a:prstClr val="black"/>
+                </a:solidFill>
+                <a:latin typeface="+mj-lt"/>
+                <a:ea typeface="맑은 고딕" panose="020B0503020000020004" pitchFamily="50" charset="-127"/>
+              </a:rPr>
+              <a:t>명 이상 </a:t>
+            </a:r>
+            <a:r>
+              <a:rPr lang="en-US" altLang="ko-KR" sz="1600" dirty="0">
+                <a:solidFill>
+                  <a:prstClr val="black"/>
+                </a:solidFill>
+                <a:latin typeface="+mj-lt"/>
+                <a:ea typeface="맑은 고딕" panose="020B0503020000020004" pitchFamily="50" charset="-127"/>
+              </a:rPr>
+              <a:t>Approve</a:t>
+            </a:r>
+            <a:r>
+              <a:rPr lang="ko-KR" altLang="en-US" sz="1600" dirty="0">
+                <a:solidFill>
+                  <a:prstClr val="black"/>
+                </a:solidFill>
+                <a:latin typeface="+mj-lt"/>
+                <a:ea typeface="맑은 고딕" panose="020B0503020000020004" pitchFamily="50" charset="-127"/>
+              </a:rPr>
+              <a:t>이 완료되어야 </a:t>
+            </a:r>
+            <a:r>
+              <a:rPr lang="en-US" altLang="ko-KR" sz="1600" dirty="0">
+                <a:solidFill>
+                  <a:prstClr val="black"/>
+                </a:solidFill>
+                <a:latin typeface="+mj-lt"/>
+                <a:ea typeface="맑은 고딕" panose="020B0503020000020004" pitchFamily="50" charset="-127"/>
+              </a:rPr>
+              <a:t>Merge(</a:t>
+            </a:r>
+            <a:r>
+              <a:rPr lang="ko-KR" altLang="en-US" sz="1600" dirty="0">
+                <a:solidFill>
+                  <a:prstClr val="black"/>
+                </a:solidFill>
+                <a:latin typeface="+mj-lt"/>
+                <a:ea typeface="맑은 고딕" panose="020B0503020000020004" pitchFamily="50" charset="-127"/>
+              </a:rPr>
+              <a:t>단</a:t>
+            </a:r>
+            <a:r>
+              <a:rPr lang="en-US" altLang="ko-KR" sz="1600" dirty="0">
+                <a:solidFill>
+                  <a:prstClr val="black"/>
+                </a:solidFill>
+                <a:latin typeface="+mj-lt"/>
+                <a:ea typeface="맑은 고딕" panose="020B0503020000020004" pitchFamily="50" charset="-127"/>
+              </a:rPr>
+              <a:t>, </a:t>
+            </a:r>
+            <a:r>
+              <a:rPr lang="ko-KR" altLang="en-US" sz="1600" dirty="0">
+                <a:solidFill>
+                  <a:prstClr val="black"/>
+                </a:solidFill>
+                <a:latin typeface="+mj-lt"/>
+                <a:ea typeface="맑은 고딕" panose="020B0503020000020004" pitchFamily="50" charset="-127"/>
+              </a:rPr>
+              <a:t>구조가 변경은 전체 </a:t>
+            </a:r>
+            <a:r>
+              <a:rPr lang="en-US" altLang="ko-KR" sz="1600" dirty="0">
+                <a:solidFill>
+                  <a:prstClr val="black"/>
+                </a:solidFill>
+                <a:latin typeface="+mj-lt"/>
+                <a:ea typeface="맑은 고딕" panose="020B0503020000020004" pitchFamily="50" charset="-127"/>
+              </a:rPr>
+              <a:t>Approve </a:t>
+            </a:r>
+            <a:r>
+              <a:rPr lang="ko-KR" altLang="en-US" sz="1600" dirty="0">
+                <a:solidFill>
+                  <a:prstClr val="black"/>
+                </a:solidFill>
+                <a:latin typeface="+mj-lt"/>
+                <a:ea typeface="맑은 고딕" panose="020B0503020000020004" pitchFamily="50" charset="-127"/>
+              </a:rPr>
+              <a:t>필요</a:t>
+            </a:r>
+            <a:endParaRPr lang="en-US" altLang="ko-KR" sz="1600" dirty="0">
+              <a:solidFill>
+                <a:srgbClr val="0000FF"/>
+              </a:solidFill>
+              <a:latin typeface="+mj-lt"/>
+              <a:ea typeface="맑은 고딕" panose="020B0503020000020004" pitchFamily="50" charset="-127"/>
+            </a:endParaRPr>
+          </a:p>
+        </p:txBody>
+      </p:sp>
+      <p:sp>
+        <p:nvSpPr>
+          <p:cNvPr id="9" name="TextBox 8">
+            <a:extLst>
+              <a:ext uri="{FF2B5EF4-FFF2-40B4-BE49-F238E27FC236}">
+                <a16:creationId xmlns:a16="http://schemas.microsoft.com/office/drawing/2014/main" id="{2CD47711-48B4-4B0D-B91E-2E12F32692D8}"/>
+              </a:ext>
+            </a:extLst>
+          </p:cNvPr>
+          <p:cNvSpPr txBox="1"/>
+          <p:nvPr/>
+        </p:nvSpPr>
+        <p:spPr>
+          <a:xfrm>
+            <a:off x="3876231" y="5026008"/>
+            <a:ext cx="8042642" cy="1666228"/>
+          </a:xfrm>
+          <a:prstGeom prst="rect">
+            <a:avLst/>
+          </a:prstGeom>
+          <a:noFill/>
+        </p:spPr>
+        <p:txBody>
+          <a:bodyPr wrap="none" rtlCol="0">
+            <a:noAutofit/>
+          </a:bodyPr>
+          <a:lstStyle/>
+          <a:p>
+            <a:pPr defTabSz="1038977">
+              <a:lnSpc>
+                <a:spcPct val="150000"/>
+              </a:lnSpc>
+            </a:pPr>
+            <a:r>
+              <a:rPr lang="ko-KR" altLang="en-US" b="1" dirty="0">
+                <a:solidFill>
+                  <a:prstClr val="black"/>
+                </a:solidFill>
+                <a:latin typeface="+mj-lt"/>
+                <a:ea typeface="HY견고딕" panose="02030600000101010101" pitchFamily="18" charset="-127"/>
+              </a:rPr>
+              <a:t>■ </a:t>
+            </a:r>
+            <a:r>
+              <a:rPr lang="en-US" altLang="ko-KR" b="1" dirty="0">
+                <a:solidFill>
+                  <a:prstClr val="black"/>
+                </a:solidFill>
+                <a:latin typeface="+mj-lt"/>
+                <a:ea typeface="HY견고딕" panose="02030600000101010101" pitchFamily="18" charset="-127"/>
+              </a:rPr>
+              <a:t>branch </a:t>
+            </a:r>
+            <a:r>
+              <a:rPr lang="ko-KR" altLang="en-US" b="1" dirty="0">
+                <a:solidFill>
+                  <a:prstClr val="black"/>
+                </a:solidFill>
+                <a:latin typeface="+mj-lt"/>
+                <a:ea typeface="HY견고딕" panose="02030600000101010101" pitchFamily="18" charset="-127"/>
+              </a:rPr>
+              <a:t>정책</a:t>
+            </a:r>
+            <a:endParaRPr lang="en-US" altLang="ko-KR" b="1" dirty="0">
+              <a:solidFill>
+                <a:prstClr val="black"/>
+              </a:solidFill>
+              <a:latin typeface="+mj-lt"/>
+              <a:ea typeface="HY견고딕" panose="02030600000101010101" pitchFamily="18" charset="-127"/>
+            </a:endParaRPr>
+          </a:p>
+          <a:p>
+            <a:pPr defTabSz="1038977">
+              <a:lnSpc>
+                <a:spcPct val="150000"/>
+              </a:lnSpc>
+            </a:pPr>
+            <a:r>
+              <a:rPr lang="en-US" altLang="ko-KR" sz="1600" dirty="0">
+                <a:solidFill>
+                  <a:prstClr val="black"/>
+                </a:solidFill>
+                <a:latin typeface="+mj-lt"/>
+                <a:ea typeface="맑은 고딕" panose="020B0503020000020004" pitchFamily="50" charset="-127"/>
+              </a:rPr>
+              <a:t> . </a:t>
+            </a:r>
+            <a:r>
+              <a:rPr lang="ko-KR" altLang="en-US" sz="1600" dirty="0">
+                <a:solidFill>
+                  <a:prstClr val="black"/>
+                </a:solidFill>
+                <a:latin typeface="+mj-lt"/>
+                <a:ea typeface="맑은 고딕" panose="020B0503020000020004" pitchFamily="50" charset="-127"/>
+              </a:rPr>
+              <a:t>개발 </a:t>
+            </a:r>
+            <a:r>
+              <a:rPr lang="en-US" altLang="ko-KR" sz="1600" dirty="0">
+                <a:solidFill>
+                  <a:prstClr val="black"/>
+                </a:solidFill>
+                <a:latin typeface="+mj-lt"/>
+                <a:ea typeface="맑은 고딕" panose="020B0503020000020004" pitchFamily="50" charset="-127"/>
+              </a:rPr>
+              <a:t>Branch</a:t>
+            </a:r>
+            <a:r>
+              <a:rPr lang="ko-KR" altLang="en-US" sz="1600" dirty="0">
+                <a:solidFill>
+                  <a:prstClr val="black"/>
+                </a:solidFill>
+                <a:latin typeface="+mj-lt"/>
+                <a:ea typeface="맑은 고딕" panose="020B0503020000020004" pitchFamily="50" charset="-127"/>
+              </a:rPr>
+              <a:t>는 </a:t>
+            </a:r>
+            <a:r>
+              <a:rPr lang="en-US" altLang="ko-KR" sz="1600" dirty="0">
+                <a:solidFill>
+                  <a:prstClr val="black"/>
+                </a:solidFill>
+                <a:latin typeface="+mj-lt"/>
+                <a:ea typeface="맑은 고딕" panose="020B0503020000020004" pitchFamily="50" charset="-127"/>
+              </a:rPr>
+              <a:t>dev</a:t>
+            </a:r>
+            <a:r>
+              <a:rPr lang="ko-KR" altLang="en-US" sz="1600" dirty="0">
+                <a:solidFill>
+                  <a:prstClr val="black"/>
+                </a:solidFill>
+                <a:latin typeface="+mj-lt"/>
+                <a:ea typeface="맑은 고딕" panose="020B0503020000020004" pitchFamily="50" charset="-127"/>
+              </a:rPr>
+              <a:t>로 시작하도록 생성</a:t>
+            </a:r>
+          </a:p>
+          <a:p>
+            <a:pPr defTabSz="1038977">
+              <a:lnSpc>
+                <a:spcPct val="150000"/>
+              </a:lnSpc>
+            </a:pPr>
+            <a:r>
+              <a:rPr lang="ko-KR" altLang="en-US" sz="1600" dirty="0">
+                <a:solidFill>
+                  <a:prstClr val="black"/>
+                </a:solidFill>
+                <a:latin typeface="+mj-lt"/>
+                <a:ea typeface="맑은 고딕" panose="020B0503020000020004" pitchFamily="50" charset="-127"/>
+              </a:rPr>
+              <a:t> </a:t>
+            </a:r>
+            <a:r>
+              <a:rPr lang="en-US" altLang="ko-KR" sz="1600" dirty="0">
+                <a:solidFill>
+                  <a:prstClr val="black"/>
+                </a:solidFill>
+                <a:latin typeface="+mj-lt"/>
+                <a:ea typeface="맑은 고딕" panose="020B0503020000020004" pitchFamily="50" charset="-127"/>
+              </a:rPr>
+              <a:t>. </a:t>
+            </a:r>
+            <a:r>
+              <a:rPr lang="ko-KR" altLang="en-US" sz="1600" dirty="0">
+                <a:solidFill>
+                  <a:prstClr val="black"/>
+                </a:solidFill>
+                <a:latin typeface="+mj-lt"/>
+                <a:ea typeface="맑은 고딕" panose="020B0503020000020004" pitchFamily="50" charset="-127"/>
+              </a:rPr>
+              <a:t>개발 파트를 분담하여 개인 </a:t>
+            </a:r>
+            <a:r>
+              <a:rPr lang="en-US" altLang="ko-KR" sz="1600" dirty="0">
+                <a:solidFill>
+                  <a:prstClr val="black"/>
+                </a:solidFill>
+                <a:latin typeface="+mj-lt"/>
+                <a:ea typeface="맑은 고딕" panose="020B0503020000020004" pitchFamily="50" charset="-127"/>
+              </a:rPr>
+              <a:t>Branch </a:t>
+            </a:r>
+            <a:r>
+              <a:rPr lang="ko-KR" altLang="en-US" sz="1600" dirty="0">
+                <a:solidFill>
+                  <a:prstClr val="black"/>
+                </a:solidFill>
+                <a:latin typeface="+mj-lt"/>
+                <a:ea typeface="맑은 고딕" panose="020B0503020000020004" pitchFamily="50" charset="-127"/>
+              </a:rPr>
+              <a:t>에서 개발</a:t>
+            </a:r>
+          </a:p>
+          <a:p>
+            <a:pPr defTabSz="1038977">
+              <a:lnSpc>
+                <a:spcPct val="150000"/>
+              </a:lnSpc>
+            </a:pPr>
+            <a:r>
+              <a:rPr lang="ko-KR" altLang="en-US" sz="1600" dirty="0">
+                <a:solidFill>
+                  <a:prstClr val="black"/>
+                </a:solidFill>
+                <a:latin typeface="+mj-lt"/>
+                <a:ea typeface="맑은 고딕" panose="020B0503020000020004" pitchFamily="50" charset="-127"/>
+              </a:rPr>
+              <a:t> </a:t>
+            </a:r>
+            <a:r>
+              <a:rPr lang="en-US" altLang="ko-KR" sz="1600" dirty="0">
+                <a:solidFill>
+                  <a:prstClr val="black"/>
+                </a:solidFill>
+                <a:latin typeface="+mj-lt"/>
+                <a:ea typeface="맑은 고딕" panose="020B0503020000020004" pitchFamily="50" charset="-127"/>
+              </a:rPr>
+              <a:t>. Main </a:t>
+            </a:r>
+            <a:r>
+              <a:rPr lang="ko-KR" altLang="en-US" sz="1600" dirty="0">
+                <a:solidFill>
+                  <a:prstClr val="black"/>
+                </a:solidFill>
+                <a:latin typeface="+mj-lt"/>
+                <a:ea typeface="맑은 고딕" panose="020B0503020000020004" pitchFamily="50" charset="-127"/>
+              </a:rPr>
+              <a:t>으로 </a:t>
+            </a:r>
+            <a:r>
+              <a:rPr lang="en-US" altLang="ko-KR" sz="1600" dirty="0">
+                <a:solidFill>
+                  <a:prstClr val="black"/>
+                </a:solidFill>
+                <a:latin typeface="+mj-lt"/>
+                <a:ea typeface="맑은 고딕" panose="020B0503020000020004" pitchFamily="50" charset="-127"/>
+              </a:rPr>
+              <a:t>PR </a:t>
+            </a:r>
+            <a:r>
+              <a:rPr lang="ko-KR" altLang="en-US" sz="1600" dirty="0">
+                <a:solidFill>
+                  <a:prstClr val="black"/>
+                </a:solidFill>
+                <a:latin typeface="+mj-lt"/>
+                <a:ea typeface="맑은 고딕" panose="020B0503020000020004" pitchFamily="50" charset="-127"/>
+              </a:rPr>
+              <a:t>전 </a:t>
+            </a:r>
+            <a:r>
+              <a:rPr lang="en-US" altLang="ko-KR" sz="1600" dirty="0">
+                <a:solidFill>
+                  <a:srgbClr val="0000FF"/>
+                </a:solidFill>
+                <a:latin typeface="+mj-lt"/>
+                <a:ea typeface="맑은 고딕" panose="020B0503020000020004" pitchFamily="50" charset="-127"/>
+              </a:rPr>
+              <a:t>Local</a:t>
+            </a:r>
+            <a:r>
+              <a:rPr lang="ko-KR" altLang="en-US" sz="1600" dirty="0">
+                <a:solidFill>
+                  <a:srgbClr val="0000FF"/>
+                </a:solidFill>
+                <a:latin typeface="+mj-lt"/>
+                <a:ea typeface="맑은 고딕" panose="020B0503020000020004" pitchFamily="50" charset="-127"/>
+              </a:rPr>
+              <a:t>에서 </a:t>
+            </a:r>
+            <a:r>
+              <a:rPr lang="en-US" altLang="ko-KR" sz="1600" dirty="0">
+                <a:solidFill>
+                  <a:srgbClr val="0000FF"/>
+                </a:solidFill>
+                <a:latin typeface="+mj-lt"/>
+                <a:ea typeface="맑은 고딕" panose="020B0503020000020004" pitchFamily="50" charset="-127"/>
+              </a:rPr>
+              <a:t>Fetch </a:t>
+            </a:r>
+            <a:r>
+              <a:rPr lang="ko-KR" altLang="en-US" sz="1600" dirty="0">
+                <a:solidFill>
+                  <a:srgbClr val="0000FF"/>
+                </a:solidFill>
+                <a:latin typeface="+mj-lt"/>
+                <a:ea typeface="맑은 고딕" panose="020B0503020000020004" pitchFamily="50" charset="-127"/>
+              </a:rPr>
+              <a:t>하여 최신 코드 상태</a:t>
+            </a:r>
+            <a:r>
+              <a:rPr lang="ko-KR" altLang="en-US" sz="1600" dirty="0">
+                <a:solidFill>
+                  <a:prstClr val="black"/>
+                </a:solidFill>
+                <a:latin typeface="+mj-lt"/>
+                <a:ea typeface="맑은 고딕" panose="020B0503020000020004" pitchFamily="50" charset="-127"/>
+              </a:rPr>
+              <a:t>로 업데이트</a:t>
+            </a:r>
+            <a:endParaRPr lang="en-US" altLang="ko-KR" sz="1600" dirty="0">
+              <a:solidFill>
+                <a:srgbClr val="0000FF"/>
+              </a:solidFill>
+              <a:latin typeface="+mj-lt"/>
               <a:ea typeface="맑은 고딕" panose="020B0503020000020004" pitchFamily="50" charset="-127"/>
             </a:endParaRPr>
           </a:p>
@@ -9829,7 +12943,7 @@
                 <a:latin typeface="HY견고딕" panose="02030600000101010101" pitchFamily="18" charset="-127"/>
                 <a:ea typeface="HY견고딕" panose="02030600000101010101" pitchFamily="18" charset="-127"/>
               </a:rPr>
-              <a:t>요구 사항</a:t>
+              <a:t>요구 사항 분석</a:t>
             </a:r>
           </a:p>
         </p:txBody>
@@ -10207,12 +13321,57 @@
           </a:p>
         </p:txBody>
       </p:sp>
+      <p:pic>
+        <p:nvPicPr>
+          <p:cNvPr id="2050" name="Picture 2" descr="KakaoTalk_20220414_151939046 (1)">
+            <a:extLst>
+              <a:ext uri="{FF2B5EF4-FFF2-40B4-BE49-F238E27FC236}">
+                <a16:creationId xmlns:a16="http://schemas.microsoft.com/office/drawing/2014/main" id="{C359721F-3621-49FE-8BA3-BBC31A9A36D7}"/>
+              </a:ext>
+            </a:extLst>
+          </p:cNvPr>
+          <p:cNvPicPr>
+            <a:picLocks noChangeAspect="1" noChangeArrowheads="1"/>
+          </p:cNvPicPr>
+          <p:nvPr/>
+        </p:nvPicPr>
+        <p:blipFill rotWithShape="1">
+          <a:blip r:embed="rId2">
+            <a:extLst>
+              <a:ext uri="{28A0092B-C50C-407E-A947-70E740481C1C}">
+                <a14:useLocalDpi xmlns:a14="http://schemas.microsoft.com/office/drawing/2010/main" val="0"/>
+              </a:ext>
+            </a:extLst>
+          </a:blip>
+          <a:srcRect l="6184" r="7507" b="6100"/>
+          <a:stretch/>
+        </p:blipFill>
+        <p:spPr bwMode="auto">
+          <a:xfrm>
+            <a:off x="6096000" y="2455152"/>
+            <a:ext cx="5156201" cy="3600609"/>
+          </a:xfrm>
+          <a:prstGeom prst="rect">
+            <a:avLst/>
+          </a:prstGeom>
+          <a:noFill/>
+          <a:extLst>
+            <a:ext uri="{909E8E84-426E-40DD-AFC4-6F175D3DCCD1}">
+              <a14:hiddenFill xmlns:a14="http://schemas.microsoft.com/office/drawing/2010/main">
+                <a:solidFill>
+                  <a:srgbClr val="FFFFFF"/>
+                </a:solidFill>
+              </a14:hiddenFill>
+            </a:ext>
+          </a:extLst>
+        </p:spPr>
+      </p:pic>
       <p:sp>
         <p:nvSpPr>
-          <p:cNvPr id="2" name="사각형: 둥근 모서리 1">
+          <p:cNvPr id="8" name="직사각형 7">
             <a:extLst>
               <a:ext uri="{FF2B5EF4-FFF2-40B4-BE49-F238E27FC236}">
-                <a16:creationId xmlns:a16="http://schemas.microsoft.com/office/drawing/2014/main" id="{37BDECB1-3A2F-4024-A32B-1B396A07D03C}"/>
+                <a16:creationId xmlns:a16="http://schemas.microsoft.com/office/drawing/2014/main" id="{6DB77192-F2C3-49B2-9E1F-ECF3CBFDBA81}"/>
               </a:ext>
             </a:extLst>
           </p:cNvPr>
@@ -10221,17 +13380,21 @@
         </p:nvSpPr>
         <p:spPr>
           <a:xfrm>
-            <a:off x="4171405" y="5532170"/>
-            <a:ext cx="3988526" cy="690204"/>
+            <a:off x="7665351" y="2172390"/>
+            <a:ext cx="2017497" cy="277494"/>
           </a:xfrm>
-          <a:prstGeom prst="roundRect">
+          <a:prstGeom prst="rect">
             <a:avLst/>
           </a:prstGeom>
           <a:solidFill>
-            <a:schemeClr val="accent5">
-              <a:lumMod val="75000"/>
+            <a:schemeClr val="accent6">
+              <a:lumMod val="40000"/>
+              <a:lumOff val="60000"/>
             </a:schemeClr>
           </a:solidFill>
+          <a:ln>
+            <a:noFill/>
+          </a:ln>
         </p:spPr>
         <p:style>
           <a:lnRef idx="2">
@@ -10250,77 +13413,21 @@
           </a:fontRef>
         </p:style>
         <p:txBody>
-          <a:bodyPr rtlCol="0" anchor="ctr"/>
+          <a:bodyPr wrap="none" lIns="0" tIns="0" rIns="0" bIns="0" rtlCol="0" anchor="ctr"/>
           <a:lstStyle/>
           <a:p>
             <a:pPr algn="ctr"/>
             <a:r>
-              <a:rPr lang="ko-KR" altLang="en-US" sz="2400" dirty="0"/>
-              <a:t>매우 단순</a:t>
-            </a:r>
-            <a:r>
-              <a:rPr lang="en-US" altLang="ko-KR" sz="2400" dirty="0"/>
-              <a:t>?</a:t>
-            </a:r>
-            <a:r>
-              <a:rPr lang="ko-KR" altLang="en-US" sz="2400" dirty="0"/>
-              <a:t>해 보인다</a:t>
-            </a:r>
-            <a:r>
-              <a:rPr lang="en-US" altLang="ko-KR" sz="2400" dirty="0"/>
-              <a:t>!!!</a:t>
-            </a:r>
-            <a:endParaRPr lang="ko-KR" altLang="en-US" sz="2400" dirty="0"/>
+              <a:rPr lang="ko-KR" altLang="en-US" sz="1600" b="1" dirty="0">
+                <a:solidFill>
+                  <a:schemeClr val="tx1"/>
+                </a:solidFill>
+              </a:rPr>
+              <a:t>최초 설계</a:t>
+            </a:r>
           </a:p>
         </p:txBody>
       </p:sp>
-      <p:pic>
-        <p:nvPicPr>
-          <p:cNvPr id="2050" name="Picture 2" descr="KakaoTalk_20220414_151939046 (1)">
-            <a:extLst>
-              <a:ext uri="{FF2B5EF4-FFF2-40B4-BE49-F238E27FC236}">
-                <a16:creationId xmlns:a16="http://schemas.microsoft.com/office/drawing/2014/main" id="{C359721F-3621-49FE-8BA3-BBC31A9A36D7}"/>
-              </a:ext>
-            </a:extLst>
-          </p:cNvPr>
-          <p:cNvPicPr>
-            <a:picLocks noChangeAspect="1" noChangeArrowheads="1"/>
-          </p:cNvPicPr>
-          <p:nvPr/>
-        </p:nvPicPr>
-        <p:blipFill>
-          <a:blip r:embed="rId2">
-            <a:extLst>
-              <a:ext uri="{28A0092B-C50C-407E-A947-70E740481C1C}">
-                <a14:useLocalDpi xmlns:a14="http://schemas.microsoft.com/office/drawing/2010/main" val="0"/>
-              </a:ext>
-            </a:extLst>
-          </a:blip>
-          <a:srcRect/>
-          <a:stretch>
-            <a:fillRect/>
-          </a:stretch>
-        </p:blipFill>
-        <p:spPr bwMode="auto">
-          <a:xfrm>
-            <a:off x="5753938" y="1277419"/>
-            <a:ext cx="5974145" cy="3834512"/>
-          </a:xfrm>
-          <a:prstGeom prst="rect">
-            <a:avLst/>
-          </a:prstGeom>
-          <a:noFill/>
-          <a:extLst>
-            <a:ext uri="{909E8E84-426E-40DD-AFC4-6F175D3DCCD1}">
-              <a14:hiddenFill xmlns:a14="http://schemas.microsoft.com/office/drawing/2010/main">
-                <a:solidFill>
-                  <a:srgbClr val="FFFFFF"/>
-                </a:solidFill>
-              </a14:hiddenFill>
-            </a:ext>
-          </a:extLst>
-        </p:spPr>
-      </p:pic>
     </p:spTree>
     <p:extLst>
       <p:ext uri="{BB962C8B-B14F-4D97-AF65-F5344CB8AC3E}">
@@ -11739,7 +14846,7 @@
                 <a:latin typeface="HY견고딕" panose="02030600000101010101" pitchFamily="18" charset="-127"/>
                 <a:ea typeface="HY견고딕" panose="02030600000101010101" pitchFamily="18" charset="-127"/>
               </a:rPr>
-              <a:t>요구 사항</a:t>
+              <a:t>요구 사항 분석</a:t>
             </a:r>
           </a:p>
         </p:txBody>
@@ -12568,7 +15675,7 @@
           <p:nvPr>
             <p:extLst>
               <p:ext uri="{D42A27DB-BD31-4B8C-83A1-F6EECF244321}">
-                <p14:modId xmlns:p14="http://schemas.microsoft.com/office/powerpoint/2010/main" val="1629523442"/>
+                <p14:modId xmlns:p14="http://schemas.microsoft.com/office/powerpoint/2010/main" val="1428500338"/>
               </p:ext>
             </p:extLst>
           </p:nvPr>
@@ -13082,7 +16189,7 @@
                           <a:ea typeface="+mn-ea"/>
                           <a:cs typeface="+mn-cs"/>
                         </a:rPr>
-                        <a:t>name</a:t>
+                        <a:t>Name</a:t>
                       </a:r>
                     </a:p>
                   </a:txBody>
@@ -14059,7 +17166,7 @@
                 <a:latin typeface="HY견고딕" panose="02030600000101010101" pitchFamily="18" charset="-127"/>
                 <a:ea typeface="HY견고딕" panose="02030600000101010101" pitchFamily="18" charset="-127"/>
               </a:rPr>
-              <a:t>요구 사항</a:t>
+              <a:t>요구 사항 분석</a:t>
             </a:r>
           </a:p>
         </p:txBody>
@@ -14779,8 +17886,8 @@
         </p:nvSpPr>
         <p:spPr>
           <a:xfrm>
-            <a:off x="10720251" y="2960915"/>
-            <a:ext cx="1198621" cy="2011680"/>
+            <a:off x="10720251" y="3091227"/>
+            <a:ext cx="1198621" cy="1881367"/>
           </a:xfrm>
           <a:prstGeom prst="ellipse">
             <a:avLst/>
@@ -14830,8 +17937,8 @@
         </p:nvSpPr>
         <p:spPr>
           <a:xfrm>
-            <a:off x="10641874" y="1998823"/>
-            <a:ext cx="1132115" cy="999248"/>
+            <a:off x="10641874" y="1988662"/>
+            <a:ext cx="1132115" cy="1102566"/>
           </a:xfrm>
           <a:prstGeom prst="rect">
             <a:avLst/>
@@ -14850,43 +17957,6 @@
               </a:lnSpc>
             </a:pPr>
             <a:r>
-              <a:rPr lang="en-US" altLang="ko-KR" sz="1200" b="1" dirty="0">
-                <a:solidFill>
-                  <a:prstClr val="black"/>
-                </a:solidFill>
-                <a:latin typeface="맑은 고딕"/>
-                <a:ea typeface="맑은 고딕" panose="020B0503020000020004" pitchFamily="50" charset="-127"/>
-              </a:rPr>
-              <a:t>1</a:t>
-            </a:r>
-            <a:r>
-              <a:rPr lang="ko-KR" altLang="en-US" sz="1200" b="1" dirty="0">
-                <a:solidFill>
-                  <a:prstClr val="black"/>
-                </a:solidFill>
-                <a:latin typeface="맑은 고딕"/>
-                <a:ea typeface="맑은 고딕" panose="020B0503020000020004" pitchFamily="50" charset="-127"/>
-              </a:rPr>
-              <a:t>차 </a:t>
-            </a:r>
-            <a:r>
-              <a:rPr lang="en-US" altLang="ko-KR" sz="1200" b="1" dirty="0">
-                <a:solidFill>
-                  <a:prstClr val="black"/>
-                </a:solidFill>
-                <a:latin typeface="맑은 고딕"/>
-                <a:ea typeface="맑은 고딕" panose="020B0503020000020004" pitchFamily="50" charset="-127"/>
-              </a:rPr>
-              <a:t>Refactoring</a:t>
-            </a:r>
-          </a:p>
-          <a:p>
-            <a:pPr algn="ctr" defTabSz="1038977">
-              <a:lnSpc>
-                <a:spcPct val="150000"/>
-              </a:lnSpc>
-            </a:pPr>
-            <a:r>
               <a:rPr lang="ko-KR" altLang="en-US" sz="1200" b="1" dirty="0">
                 <a:solidFill>
                   <a:prstClr val="black"/>
@@ -14918,7 +17988,7 @@
                 <a:latin typeface="맑은 고딕"/>
                 <a:ea typeface="맑은 고딕" panose="020B0503020000020004" pitchFamily="50" charset="-127"/>
               </a:rPr>
-              <a:t>빠르고 편하게 찾기 위해</a:t>
+              <a:t>빠르고 편하게 검색 위해</a:t>
             </a:r>
             <a:endParaRPr lang="en-US" altLang="ko-KR" sz="1200" b="1" dirty="0">
               <a:solidFill>
@@ -14937,6 +18007,23 @@
             <a:r>
               <a:rPr lang="en-US" altLang="ko-KR" sz="1200" b="1" dirty="0">
                 <a:solidFill>
+                  <a:prstClr val="black"/>
+                </a:solidFill>
+                <a:latin typeface="맑은 고딕"/>
+                <a:ea typeface="맑은 고딕" panose="020B0503020000020004" pitchFamily="50" charset="-127"/>
+              </a:rPr>
+              <a:t>Name, Phone</a:t>
+            </a:r>
+          </a:p>
+          <a:p>
+            <a:pPr algn="ctr" defTabSz="1038977">
+              <a:lnSpc>
+                <a:spcPct val="150000"/>
+              </a:lnSpc>
+            </a:pPr>
+            <a:r>
+              <a:rPr lang="en-US" altLang="ko-KR" sz="1200" b="1" dirty="0">
+                <a:solidFill>
                   <a:srgbClr val="0000FF"/>
                 </a:solidFill>
                 <a:latin typeface="맑은 고딕"/>
@@ -14960,6 +18047,176 @@
               </a:solidFill>
               <a:latin typeface="맑은 고딕"/>
               <a:ea typeface="맑은 고딕" panose="020B0503020000020004" pitchFamily="50" charset="-127"/>
+            </a:endParaRPr>
+          </a:p>
+        </p:txBody>
+      </p:sp>
+      <p:sp>
+        <p:nvSpPr>
+          <p:cNvPr id="15" name="TextBox 14">
+            <a:extLst>
+              <a:ext uri="{FF2B5EF4-FFF2-40B4-BE49-F238E27FC236}">
+                <a16:creationId xmlns:a16="http://schemas.microsoft.com/office/drawing/2014/main" id="{77E73819-46FC-4403-80A5-D37CE62A1AE3}"/>
+              </a:ext>
+            </a:extLst>
+          </p:cNvPr>
+          <p:cNvSpPr txBox="1"/>
+          <p:nvPr/>
+        </p:nvSpPr>
+        <p:spPr>
+          <a:xfrm>
+            <a:off x="10753503" y="5012569"/>
+            <a:ext cx="1132115" cy="384107"/>
+          </a:xfrm>
+          <a:prstGeom prst="rect">
+            <a:avLst/>
+          </a:prstGeom>
+          <a:noFill/>
+        </p:spPr>
+        <p:txBody>
+          <a:bodyPr wrap="none" rtlCol="0" anchor="ctr" anchorCtr="0">
+            <a:noAutofit/>
+          </a:bodyPr>
+          <a:lstStyle/>
+          <a:p>
+            <a:pPr algn="ctr" defTabSz="1038977">
+              <a:lnSpc>
+                <a:spcPct val="150000"/>
+              </a:lnSpc>
+            </a:pPr>
+            <a:r>
+              <a:rPr lang="ko-KR" altLang="en-US" sz="1000" b="1" dirty="0">
+                <a:solidFill>
+                  <a:prstClr val="black"/>
+                </a:solidFill>
+                <a:latin typeface="맑은 고딕"/>
+                <a:ea typeface="맑은 고딕" panose="020B0503020000020004" pitchFamily="50" charset="-127"/>
+              </a:rPr>
+              <a:t>추후에 </a:t>
+            </a:r>
+            <a:r>
+              <a:rPr lang="en-US" altLang="ko-KR" sz="1000" b="1" dirty="0">
+                <a:solidFill>
+                  <a:srgbClr val="0000FF"/>
+                </a:solidFill>
+                <a:latin typeface="맑은 고딕"/>
+                <a:ea typeface="맑은 고딕" panose="020B0503020000020004" pitchFamily="50" charset="-127"/>
+              </a:rPr>
+              <a:t>Birthday</a:t>
+            </a:r>
+          </a:p>
+          <a:p>
+            <a:pPr algn="ctr" defTabSz="1038977">
+              <a:lnSpc>
+                <a:spcPct val="150000"/>
+              </a:lnSpc>
+            </a:pPr>
+            <a:r>
+              <a:rPr lang="en-US" altLang="ko-KR" sz="1000" b="1" dirty="0">
+                <a:latin typeface="맑은 고딕"/>
+                <a:ea typeface="맑은 고딕" panose="020B0503020000020004" pitchFamily="50" charset="-127"/>
+              </a:rPr>
+              <a:t>Class</a:t>
+            </a:r>
+            <a:r>
+              <a:rPr lang="ko-KR" altLang="en-US" sz="1000" b="1" dirty="0">
+                <a:solidFill>
+                  <a:prstClr val="black"/>
+                </a:solidFill>
+                <a:latin typeface="맑은 고딕"/>
+                <a:ea typeface="맑은 고딕" panose="020B0503020000020004" pitchFamily="50" charset="-127"/>
+              </a:rPr>
+              <a:t> 추가</a:t>
+            </a:r>
+            <a:endParaRPr lang="en-US" altLang="ko-KR" sz="1000" b="1" dirty="0">
+              <a:solidFill>
+                <a:prstClr val="black"/>
+              </a:solidFill>
+              <a:latin typeface="맑은 고딕"/>
+              <a:ea typeface="맑은 고딕" panose="020B0503020000020004" pitchFamily="50" charset="-127"/>
+            </a:endParaRPr>
+          </a:p>
+        </p:txBody>
+      </p:sp>
+      <p:sp>
+        <p:nvSpPr>
+          <p:cNvPr id="17" name="직사각형 16">
+            <a:extLst>
+              <a:ext uri="{FF2B5EF4-FFF2-40B4-BE49-F238E27FC236}">
+                <a16:creationId xmlns:a16="http://schemas.microsoft.com/office/drawing/2014/main" id="{1437840D-B981-40AA-A1B3-F59680439403}"/>
+              </a:ext>
+            </a:extLst>
+          </p:cNvPr>
+          <p:cNvSpPr/>
+          <p:nvPr/>
+        </p:nvSpPr>
+        <p:spPr>
+          <a:xfrm>
+            <a:off x="7890057" y="1638690"/>
+            <a:ext cx="2017497" cy="277494"/>
+          </a:xfrm>
+          <a:prstGeom prst="rect">
+            <a:avLst/>
+          </a:prstGeom>
+          <a:solidFill>
+            <a:schemeClr val="accent6">
+              <a:lumMod val="40000"/>
+              <a:lumOff val="60000"/>
+            </a:schemeClr>
+          </a:solidFill>
+          <a:ln>
+            <a:noFill/>
+          </a:ln>
+        </p:spPr>
+        <p:style>
+          <a:lnRef idx="2">
+            <a:schemeClr val="accent1">
+              <a:shade val="50000"/>
+            </a:schemeClr>
+          </a:lnRef>
+          <a:fillRef idx="1">
+            <a:schemeClr val="accent1"/>
+          </a:fillRef>
+          <a:effectRef idx="0">
+            <a:schemeClr val="accent1"/>
+          </a:effectRef>
+          <a:fontRef idx="minor">
+            <a:schemeClr val="lt1"/>
+          </a:fontRef>
+        </p:style>
+        <p:txBody>
+          <a:bodyPr wrap="none" lIns="0" tIns="0" rIns="0" bIns="0" rtlCol="0" anchor="ctr"/>
+          <a:lstStyle/>
+          <a:p>
+            <a:pPr algn="ctr"/>
+            <a:r>
+              <a:rPr lang="en-US" altLang="ko-KR" sz="1600" b="1" dirty="0">
+                <a:solidFill>
+                  <a:schemeClr val="tx1"/>
+                </a:solidFill>
+              </a:rPr>
+              <a:t>1</a:t>
+            </a:r>
+            <a:r>
+              <a:rPr lang="ko-KR" altLang="en-US" sz="1600" b="1" dirty="0">
+                <a:solidFill>
+                  <a:schemeClr val="tx1"/>
+                </a:solidFill>
+              </a:rPr>
+              <a:t>차 </a:t>
+            </a:r>
+            <a:r>
+              <a:rPr lang="en-US" altLang="ko-KR" sz="1600" b="1" dirty="0">
+                <a:solidFill>
+                  <a:schemeClr val="tx1"/>
+                </a:solidFill>
+              </a:rPr>
+              <a:t>Refactoring</a:t>
+            </a:r>
+            <a:endParaRPr lang="ko-KR" altLang="en-US" sz="1600" b="1" dirty="0">
+              <a:solidFill>
+                <a:schemeClr val="tx1"/>
+              </a:solidFill>
             </a:endParaRPr>
           </a:p>
         </p:txBody>
@@ -15075,7 +18332,7 @@
             <a:r>
               <a:rPr lang="en-US" altLang="ko-KR" sz="2400" dirty="0">
                 <a:solidFill>
-                  <a:prstClr val="black"/>
+                  <a:srgbClr val="0000FF"/>
                 </a:solidFill>
                 <a:latin typeface="HY견고딕" panose="02030600000101010101" pitchFamily="18" charset="-127"/>
                 <a:ea typeface="HY견고딕" panose="02030600000101010101" pitchFamily="18" charset="-127"/>
@@ -15085,7 +18342,7 @@
             <a:r>
               <a:rPr lang="ko-KR" altLang="en-US" sz="2400" dirty="0">
                 <a:solidFill>
-                  <a:prstClr val="black"/>
+                  <a:srgbClr val="0000FF"/>
                 </a:solidFill>
                 <a:latin typeface="HY견고딕" panose="02030600000101010101" pitchFamily="18" charset="-127"/>
                 <a:ea typeface="HY견고딕" panose="02030600000101010101" pitchFamily="18" charset="-127"/>
@@ -15390,7 +18647,7 @@
       </p:sp>
       <p:sp>
         <p:nvSpPr>
-          <p:cNvPr id="3" name="화살표: 오른쪽 2">
+          <p:cNvPr id="3" name="화살표: 줄무늬가 있는 오른쪽 2">
             <a:extLst>
               <a:ext uri="{FF2B5EF4-FFF2-40B4-BE49-F238E27FC236}">
                 <a16:creationId xmlns:a16="http://schemas.microsoft.com/office/drawing/2014/main" id="{1F5A19D9-F908-4522-B0E8-227CE79C0CB8}"/>
@@ -15405,14 +18662,18 @@
             <a:off x="5286103" y="3429000"/>
             <a:ext cx="809897" cy="742406"/>
           </a:xfrm>
-          <a:prstGeom prst="rightArrow">
+          <a:prstGeom prst="stripedRightArrow">
             <a:avLst/>
           </a:prstGeom>
           <a:solidFill>
             <a:schemeClr val="accent5">
               <a:lumMod val="75000"/>
+              <a:alpha val="80000"/>
             </a:schemeClr>
           </a:solidFill>
+          <a:ln>
+            <a:noFill/>
+          </a:ln>
         </p:spPr>
         <p:style>
           <a:lnRef idx="2">
@@ -15550,7 +18811,7 @@
             <a:r>
               <a:rPr lang="en-US" altLang="ko-KR" sz="2400" dirty="0">
                 <a:solidFill>
-                  <a:prstClr val="black"/>
+                  <a:srgbClr val="0000FF"/>
                 </a:solidFill>
                 <a:latin typeface="HY견고딕" panose="02030600000101010101" pitchFamily="18" charset="-127"/>
                 <a:ea typeface="HY견고딕" panose="02030600000101010101" pitchFamily="18" charset="-127"/>
@@ -15560,12 +18821,22 @@
             <a:r>
               <a:rPr lang="ko-KR" altLang="en-US" sz="2400" dirty="0">
                 <a:solidFill>
-                  <a:prstClr val="black"/>
+                  <a:srgbClr val="0000FF"/>
                 </a:solidFill>
                 <a:latin typeface="HY견고딕" panose="02030600000101010101" pitchFamily="18" charset="-127"/>
                 <a:ea typeface="HY견고딕" panose="02030600000101010101" pitchFamily="18" charset="-127"/>
               </a:rPr>
-              <a:t>차 </a:t>
+              <a:t>차</a:t>
+            </a:r>
+            <a:r>
+              <a:rPr lang="ko-KR" altLang="en-US" sz="2400" dirty="0">
+                <a:solidFill>
+                  <a:prstClr val="black"/>
+                </a:solidFill>
+                <a:latin typeface="HY견고딕" panose="02030600000101010101" pitchFamily="18" charset="-127"/>
+                <a:ea typeface="HY견고딕" panose="02030600000101010101" pitchFamily="18" charset="-127"/>
+              </a:rPr>
+              <a:t> </a:t>
             </a:r>
             <a:r>
               <a:rPr lang="en-US" altLang="ko-KR" sz="2400" dirty="0">
@@ -15695,7 +18966,7 @@
                 <a:latin typeface="맑은 고딕"/>
                 <a:ea typeface="맑은 고딕" panose="020B0503020000020004" pitchFamily="50" charset="-127"/>
               </a:rPr>
-              <a:t>조건에 맞는 사번 조회</a:t>
+              <a:t>사번 조회</a:t>
             </a:r>
             <a:r>
               <a:rPr lang="en-US" altLang="ko-KR" b="1" dirty="0">
@@ -15786,57 +19057,6 @@
       </p:pic>
       <p:sp>
         <p:nvSpPr>
-          <p:cNvPr id="10" name="화살표: 오른쪽 9">
-            <a:extLst>
-              <a:ext uri="{FF2B5EF4-FFF2-40B4-BE49-F238E27FC236}">
-                <a16:creationId xmlns:a16="http://schemas.microsoft.com/office/drawing/2014/main" id="{6D52AF68-C6B4-46F7-9F2A-056A98B53EDE}"/>
-              </a:ext>
-            </a:extLst>
-          </p:cNvPr>
-          <p:cNvSpPr/>
-          <p:nvPr/>
-        </p:nvSpPr>
-        <p:spPr>
-          <a:xfrm>
-            <a:off x="5286103" y="3429000"/>
-            <a:ext cx="809897" cy="742406"/>
-          </a:xfrm>
-          <a:prstGeom prst="rightArrow">
-            <a:avLst/>
-          </a:prstGeom>
-          <a:solidFill>
-            <a:schemeClr val="accent5">
-              <a:lumMod val="75000"/>
-            </a:schemeClr>
-          </a:solidFill>
-        </p:spPr>
-        <p:style>
-          <a:lnRef idx="2">
-            <a:schemeClr val="accent1">
-              <a:shade val="50000"/>
-            </a:schemeClr>
-          </a:lnRef>
-          <a:fillRef idx="1">
-            <a:schemeClr val="accent1"/>
-          </a:fillRef>
-          <a:effectRef idx="0">
-            <a:schemeClr val="accent1"/>
-          </a:effectRef>
-          <a:fontRef idx="minor">
-            <a:schemeClr val="lt1"/>
-          </a:fontRef>
-        </p:style>
-        <p:txBody>
-          <a:bodyPr rtlCol="0" anchor="ctr"/>
-          <a:lstStyle/>
-          <a:p>
-            <a:pPr algn="ctr"/>
-            <a:endParaRPr lang="ko-KR" altLang="en-US" dirty="0"/>
-          </a:p>
-        </p:txBody>
-      </p:sp>
-      <p:sp>
-        <p:nvSpPr>
           <p:cNvPr id="14" name="TextBox 13">
             <a:extLst>
               <a:ext uri="{FF2B5EF4-FFF2-40B4-BE49-F238E27FC236}">
@@ -15905,6 +19125,61 @@
               <a:latin typeface="맑은 고딕"/>
               <a:ea typeface="맑은 고딕" panose="020B0503020000020004" pitchFamily="50" charset="-127"/>
             </a:endParaRPr>
+          </a:p>
+        </p:txBody>
+      </p:sp>
+      <p:sp>
+        <p:nvSpPr>
+          <p:cNvPr id="9" name="화살표: 줄무늬가 있는 오른쪽 8">
+            <a:extLst>
+              <a:ext uri="{FF2B5EF4-FFF2-40B4-BE49-F238E27FC236}">
+                <a16:creationId xmlns:a16="http://schemas.microsoft.com/office/drawing/2014/main" id="{C8C804BA-87C1-4E58-A681-ED9484508479}"/>
+              </a:ext>
+            </a:extLst>
+          </p:cNvPr>
+          <p:cNvSpPr/>
+          <p:nvPr/>
+        </p:nvSpPr>
+        <p:spPr>
+          <a:xfrm>
+            <a:off x="5286103" y="3429000"/>
+            <a:ext cx="809897" cy="742406"/>
+          </a:xfrm>
+          <a:prstGeom prst="stripedRightArrow">
+            <a:avLst/>
+          </a:prstGeom>
+          <a:solidFill>
+            <a:schemeClr val="accent5">
+              <a:lumMod val="75000"/>
+              <a:alpha val="80000"/>
+            </a:schemeClr>
+          </a:solidFill>
+          <a:ln>
+            <a:noFill/>
+          </a:ln>
+        </p:spPr>
+        <p:style>
+          <a:lnRef idx="2">
+            <a:schemeClr val="accent1">
+              <a:shade val="50000"/>
+            </a:schemeClr>
+          </a:lnRef>
+          <a:fillRef idx="1">
+            <a:schemeClr val="accent1"/>
+          </a:fillRef>
+          <a:effectRef idx="0">
+            <a:schemeClr val="accent1"/>
+          </a:effectRef>
+          <a:fontRef idx="minor">
+            <a:schemeClr val="lt1"/>
+          </a:fontRef>
+        </p:style>
+        <p:txBody>
+          <a:bodyPr rtlCol="0" anchor="ctr"/>
+          <a:lstStyle/>
+          <a:p>
+            <a:pPr algn="ctr"/>
+            <a:endParaRPr lang="ko-KR" altLang="en-US" dirty="0"/>
           </a:p>
         </p:txBody>
       </p:sp>
@@ -16014,22 +19289,22 @@
                 <a:latin typeface="맑은 고딕"/>
                 <a:ea typeface="맑은 고딕" panose="020B0503020000020004" pitchFamily="50" charset="-127"/>
               </a:rPr>
-              <a:t>기존에는 조회된 </a:t>
+              <a:t>기존에는 </a:t>
             </a:r>
             <a:r>
               <a:rPr lang="ko-KR" altLang="en-US" b="1" dirty="0">
                 <a:solidFill>
-                  <a:srgbClr val="FF0000"/>
-                </a:solidFill>
-                <a:latin typeface="맑은 고딕"/>
-                <a:ea typeface="맑은 고딕" panose="020B0503020000020004" pitchFamily="50" charset="-127"/>
-              </a:rPr>
-              <a:t>모든 결과를 </a:t>
+                  <a:srgbClr val="C00000"/>
+                </a:solidFill>
+                <a:latin typeface="맑은 고딕"/>
+                <a:ea typeface="맑은 고딕" panose="020B0503020000020004" pitchFamily="50" charset="-127"/>
+              </a:rPr>
+              <a:t>조회된 모든 결과를 </a:t>
             </a:r>
             <a:r>
               <a:rPr lang="en-US" altLang="ko-KR" b="1" dirty="0">
                 <a:solidFill>
-                  <a:srgbClr val="FF0000"/>
+                  <a:srgbClr val="C00000"/>
                 </a:solidFill>
                 <a:latin typeface="맑은 고딕"/>
                 <a:ea typeface="맑은 고딕" panose="020B0503020000020004" pitchFamily="50" charset="-127"/>
@@ -16039,7 +19314,7 @@
             <a:r>
               <a:rPr lang="ko-KR" altLang="en-US" b="1" dirty="0">
                 <a:solidFill>
-                  <a:srgbClr val="FF0000"/>
+                  <a:srgbClr val="C00000"/>
                 </a:solidFill>
                 <a:latin typeface="맑은 고딕"/>
                 <a:ea typeface="맑은 고딕" panose="020B0503020000020004" pitchFamily="50" charset="-127"/>
@@ -16353,57 +19628,6 @@
       </p:pic>
       <p:sp>
         <p:nvSpPr>
-          <p:cNvPr id="10" name="화살표: 오른쪽 9">
-            <a:extLst>
-              <a:ext uri="{FF2B5EF4-FFF2-40B4-BE49-F238E27FC236}">
-                <a16:creationId xmlns:a16="http://schemas.microsoft.com/office/drawing/2014/main" id="{8E3108D7-683A-4CC7-974B-813308C89E17}"/>
-              </a:ext>
-            </a:extLst>
-          </p:cNvPr>
-          <p:cNvSpPr/>
-          <p:nvPr/>
-        </p:nvSpPr>
-        <p:spPr>
-          <a:xfrm>
-            <a:off x="5286103" y="3429000"/>
-            <a:ext cx="809897" cy="742406"/>
-          </a:xfrm>
-          <a:prstGeom prst="rightArrow">
-            <a:avLst/>
-          </a:prstGeom>
-          <a:solidFill>
-            <a:schemeClr val="accent5">
-              <a:lumMod val="75000"/>
-            </a:schemeClr>
-          </a:solidFill>
-        </p:spPr>
-        <p:style>
-          <a:lnRef idx="2">
-            <a:schemeClr val="accent1">
-              <a:shade val="50000"/>
-            </a:schemeClr>
-          </a:lnRef>
-          <a:fillRef idx="1">
-            <a:schemeClr val="accent1"/>
-          </a:fillRef>
-          <a:effectRef idx="0">
-            <a:schemeClr val="accent1"/>
-          </a:effectRef>
-          <a:fontRef idx="minor">
-            <a:schemeClr val="lt1"/>
-          </a:fontRef>
-        </p:style>
-        <p:txBody>
-          <a:bodyPr rtlCol="0" anchor="ctr"/>
-          <a:lstStyle/>
-          <a:p>
-            <a:pPr algn="ctr"/>
-            <a:endParaRPr lang="ko-KR" altLang="en-US" dirty="0"/>
-          </a:p>
-        </p:txBody>
-      </p:sp>
-      <p:sp>
-        <p:nvSpPr>
           <p:cNvPr id="11" name="TextBox 10">
             <a:extLst>
               <a:ext uri="{FF2B5EF4-FFF2-40B4-BE49-F238E27FC236}">
@@ -16537,7 +19761,7 @@
             <a:r>
               <a:rPr lang="en-US" altLang="ko-KR" sz="2400" dirty="0">
                 <a:solidFill>
-                  <a:prstClr val="black"/>
+                  <a:srgbClr val="0000FF"/>
                 </a:solidFill>
                 <a:latin typeface="HY견고딕" panose="02030600000101010101" pitchFamily="18" charset="-127"/>
                 <a:ea typeface="HY견고딕" panose="02030600000101010101" pitchFamily="18" charset="-127"/>
@@ -16547,12 +19771,22 @@
             <a:r>
               <a:rPr lang="ko-KR" altLang="en-US" sz="2400" dirty="0">
                 <a:solidFill>
-                  <a:prstClr val="black"/>
+                  <a:srgbClr val="0000FF"/>
                 </a:solidFill>
                 <a:latin typeface="HY견고딕" panose="02030600000101010101" pitchFamily="18" charset="-127"/>
                 <a:ea typeface="HY견고딕" panose="02030600000101010101" pitchFamily="18" charset="-127"/>
               </a:rPr>
-              <a:t>차 </a:t>
+              <a:t>차</a:t>
+            </a:r>
+            <a:r>
+              <a:rPr lang="ko-KR" altLang="en-US" sz="2400" dirty="0">
+                <a:solidFill>
+                  <a:prstClr val="black"/>
+                </a:solidFill>
+                <a:latin typeface="HY견고딕" panose="02030600000101010101" pitchFamily="18" charset="-127"/>
+                <a:ea typeface="HY견고딕" panose="02030600000101010101" pitchFamily="18" charset="-127"/>
+              </a:rPr>
+              <a:t> </a:t>
             </a:r>
             <a:r>
               <a:rPr lang="en-US" altLang="ko-KR" sz="2400" dirty="0">
@@ -16571,6 +19805,61 @@
               <a:latin typeface="HY견고딕" panose="02030600000101010101" pitchFamily="18" charset="-127"/>
               <a:ea typeface="HY견고딕" panose="02030600000101010101" pitchFamily="18" charset="-127"/>
             </a:endParaRPr>
+          </a:p>
+        </p:txBody>
+      </p:sp>
+      <p:sp>
+        <p:nvSpPr>
+          <p:cNvPr id="12" name="화살표: 줄무늬가 있는 오른쪽 11">
+            <a:extLst>
+              <a:ext uri="{FF2B5EF4-FFF2-40B4-BE49-F238E27FC236}">
+                <a16:creationId xmlns:a16="http://schemas.microsoft.com/office/drawing/2014/main" id="{C12AD851-2550-46FC-9B84-10CB692DA2D5}"/>
+              </a:ext>
+            </a:extLst>
+          </p:cNvPr>
+          <p:cNvSpPr/>
+          <p:nvPr/>
+        </p:nvSpPr>
+        <p:spPr>
+          <a:xfrm>
+            <a:off x="5286103" y="3429000"/>
+            <a:ext cx="809897" cy="742406"/>
+          </a:xfrm>
+          <a:prstGeom prst="stripedRightArrow">
+            <a:avLst/>
+          </a:prstGeom>
+          <a:solidFill>
+            <a:schemeClr val="accent5">
+              <a:lumMod val="75000"/>
+              <a:alpha val="80000"/>
+            </a:schemeClr>
+          </a:solidFill>
+          <a:ln>
+            <a:noFill/>
+          </a:ln>
+        </p:spPr>
+        <p:style>
+          <a:lnRef idx="2">
+            <a:schemeClr val="accent1">
+              <a:shade val="50000"/>
+            </a:schemeClr>
+          </a:lnRef>
+          <a:fillRef idx="1">
+            <a:schemeClr val="accent1"/>
+          </a:fillRef>
+          <a:effectRef idx="0">
+            <a:schemeClr val="accent1"/>
+          </a:effectRef>
+          <a:fontRef idx="minor">
+            <a:schemeClr val="lt1"/>
+          </a:fontRef>
+        </p:style>
+        <p:txBody>
+          <a:bodyPr rtlCol="0" anchor="ctr"/>
+          <a:lstStyle/>
+          <a:p>
+            <a:pPr algn="ctr"/>
+            <a:endParaRPr lang="ko-KR" altLang="en-US" dirty="0"/>
           </a:p>
         </p:txBody>
       </p:sp>
